--- a/reports-and-documents/Reports/Project Report-HOME AUTOMATION.pptx
+++ b/reports-and-documents/Reports/Project Report-HOME AUTOMATION.pptx
@@ -1,37 +1,132 @@
 
 <file path=ppt/presentation.xml><?xml version="1.0" encoding="utf-8"?>
-<p:presentation xmlns:a="http://schemas.openxmlformats.org/drawingml/2006/main" xmlns:p="http://schemas.openxmlformats.org/presentationml/2006/main" xmlns:r="http://schemas.openxmlformats.org/officeDocument/2006/relationships">
+<p:presentation xmlns:a="http://schemas.openxmlformats.org/drawingml/2006/main" xmlns:r="http://schemas.openxmlformats.org/officeDocument/2006/relationships" xmlns:p="http://schemas.openxmlformats.org/presentationml/2006/main">
   <p:sldMasterIdLst>
-    <p:sldMasterId id="2147483648" r:id="rId2"/>
-    <p:sldMasterId id="2147483661" r:id="rId3"/>
+    <p:sldMasterId id="2147483648" r:id="rId1"/>
+    <p:sldMasterId id="2147483661" r:id="rId2"/>
   </p:sldMasterIdLst>
   <p:sldIdLst>
-    <p:sldId id="256" r:id="rId4"/>
-    <p:sldId id="257" r:id="rId5"/>
-    <p:sldId id="258" r:id="rId6"/>
-    <p:sldId id="259" r:id="rId7"/>
-    <p:sldId id="260" r:id="rId8"/>
-    <p:sldId id="261" r:id="rId9"/>
-    <p:sldId id="262" r:id="rId10"/>
-    <p:sldId id="263" r:id="rId11"/>
-    <p:sldId id="264" r:id="rId12"/>
-    <p:sldId id="265" r:id="rId13"/>
-    <p:sldId id="266" r:id="rId14"/>
-    <p:sldId id="267" r:id="rId15"/>
-    <p:sldId id="268" r:id="rId16"/>
-    <p:sldId id="269" r:id="rId17"/>
-    <p:sldId id="270" r:id="rId18"/>
-    <p:sldId id="271" r:id="rId19"/>
-    <p:sldId id="272" r:id="rId20"/>
-    <p:sldId id="273" r:id="rId21"/>
+    <p:sldId id="256" r:id="rId3"/>
+    <p:sldId id="257" r:id="rId4"/>
+    <p:sldId id="258" r:id="rId5"/>
+    <p:sldId id="259" r:id="rId6"/>
+    <p:sldId id="260" r:id="rId7"/>
+    <p:sldId id="261" r:id="rId8"/>
+    <p:sldId id="262" r:id="rId9"/>
+    <p:sldId id="263" r:id="rId10"/>
+    <p:sldId id="264" r:id="rId11"/>
+    <p:sldId id="265" r:id="rId12"/>
+    <p:sldId id="266" r:id="rId13"/>
+    <p:sldId id="267" r:id="rId14"/>
+    <p:sldId id="268" r:id="rId15"/>
+    <p:sldId id="269" r:id="rId16"/>
+    <p:sldId id="270" r:id="rId17"/>
+    <p:sldId id="271" r:id="rId18"/>
+    <p:sldId id="272" r:id="rId19"/>
+    <p:sldId id="273" r:id="rId20"/>
   </p:sldIdLst>
-  <p:sldSz cx="9144000" cy="6858000"/>
-  <p:notesSz cx="7559675" cy="10691812"/>
+  <p:sldSz cx="9144000" cy="6858000" type="screen4x3"/>
+  <p:notesSz cx="7559675" cy="10691813"/>
+  <p:defaultTextStyle>
+    <a:defPPr>
+      <a:defRPr lang="en-US"/>
+    </a:defPPr>
+    <a:lvl1pPr marL="0" algn="l" defTabSz="914400" rtl="0" eaLnBrk="1" latinLnBrk="0" hangingPunct="1">
+      <a:defRPr sz="1800" kern="1200">
+        <a:solidFill>
+          <a:schemeClr val="tx1"/>
+        </a:solidFill>
+        <a:latin typeface="+mn-lt"/>
+        <a:ea typeface="+mn-ea"/>
+        <a:cs typeface="+mn-cs"/>
+      </a:defRPr>
+    </a:lvl1pPr>
+    <a:lvl2pPr marL="457200" algn="l" defTabSz="914400" rtl="0" eaLnBrk="1" latinLnBrk="0" hangingPunct="1">
+      <a:defRPr sz="1800" kern="1200">
+        <a:solidFill>
+          <a:schemeClr val="tx1"/>
+        </a:solidFill>
+        <a:latin typeface="+mn-lt"/>
+        <a:ea typeface="+mn-ea"/>
+        <a:cs typeface="+mn-cs"/>
+      </a:defRPr>
+    </a:lvl2pPr>
+    <a:lvl3pPr marL="914400" algn="l" defTabSz="914400" rtl="0" eaLnBrk="1" latinLnBrk="0" hangingPunct="1">
+      <a:defRPr sz="1800" kern="1200">
+        <a:solidFill>
+          <a:schemeClr val="tx1"/>
+        </a:solidFill>
+        <a:latin typeface="+mn-lt"/>
+        <a:ea typeface="+mn-ea"/>
+        <a:cs typeface="+mn-cs"/>
+      </a:defRPr>
+    </a:lvl3pPr>
+    <a:lvl4pPr marL="1371600" algn="l" defTabSz="914400" rtl="0" eaLnBrk="1" latinLnBrk="0" hangingPunct="1">
+      <a:defRPr sz="1800" kern="1200">
+        <a:solidFill>
+          <a:schemeClr val="tx1"/>
+        </a:solidFill>
+        <a:latin typeface="+mn-lt"/>
+        <a:ea typeface="+mn-ea"/>
+        <a:cs typeface="+mn-cs"/>
+      </a:defRPr>
+    </a:lvl4pPr>
+    <a:lvl5pPr marL="1828800" algn="l" defTabSz="914400" rtl="0" eaLnBrk="1" latinLnBrk="0" hangingPunct="1">
+      <a:defRPr sz="1800" kern="1200">
+        <a:solidFill>
+          <a:schemeClr val="tx1"/>
+        </a:solidFill>
+        <a:latin typeface="+mn-lt"/>
+        <a:ea typeface="+mn-ea"/>
+        <a:cs typeface="+mn-cs"/>
+      </a:defRPr>
+    </a:lvl5pPr>
+    <a:lvl6pPr marL="2286000" algn="l" defTabSz="914400" rtl="0" eaLnBrk="1" latinLnBrk="0" hangingPunct="1">
+      <a:defRPr sz="1800" kern="1200">
+        <a:solidFill>
+          <a:schemeClr val="tx1"/>
+        </a:solidFill>
+        <a:latin typeface="+mn-lt"/>
+        <a:ea typeface="+mn-ea"/>
+        <a:cs typeface="+mn-cs"/>
+      </a:defRPr>
+    </a:lvl6pPr>
+    <a:lvl7pPr marL="2743200" algn="l" defTabSz="914400" rtl="0" eaLnBrk="1" latinLnBrk="0" hangingPunct="1">
+      <a:defRPr sz="1800" kern="1200">
+        <a:solidFill>
+          <a:schemeClr val="tx1"/>
+        </a:solidFill>
+        <a:latin typeface="+mn-lt"/>
+        <a:ea typeface="+mn-ea"/>
+        <a:cs typeface="+mn-cs"/>
+      </a:defRPr>
+    </a:lvl7pPr>
+    <a:lvl8pPr marL="3200400" algn="l" defTabSz="914400" rtl="0" eaLnBrk="1" latinLnBrk="0" hangingPunct="1">
+      <a:defRPr sz="1800" kern="1200">
+        <a:solidFill>
+          <a:schemeClr val="tx1"/>
+        </a:solidFill>
+        <a:latin typeface="+mn-lt"/>
+        <a:ea typeface="+mn-ea"/>
+        <a:cs typeface="+mn-cs"/>
+      </a:defRPr>
+    </a:lvl8pPr>
+    <a:lvl9pPr marL="3657600" algn="l" defTabSz="914400" rtl="0" eaLnBrk="1" latinLnBrk="0" hangingPunct="1">
+      <a:defRPr sz="1800" kern="1200">
+        <a:solidFill>
+          <a:schemeClr val="tx1"/>
+        </a:solidFill>
+        <a:latin typeface="+mn-lt"/>
+        <a:ea typeface="+mn-ea"/>
+        <a:cs typeface="+mn-cs"/>
+      </a:defRPr>
+    </a:lvl9pPr>
+  </p:defaultTextStyle>
 </p:presentation>
 </file>
 
 <file path=ppt/slideLayouts/slideLayout1.xml><?xml version="1.0" encoding="utf-8"?>
-<p:sldLayout xmlns:a="http://schemas.openxmlformats.org/drawingml/2006/main" xmlns:p="http://schemas.openxmlformats.org/presentationml/2006/main" xmlns:r="http://schemas.openxmlformats.org/officeDocument/2006/relationships" type="blank" preserve="1">
+<p:sldLayout xmlns:a="http://schemas.openxmlformats.org/drawingml/2006/main" xmlns:r="http://schemas.openxmlformats.org/officeDocument/2006/relationships" xmlns:p="http://schemas.openxmlformats.org/presentationml/2006/main" type="blank" preserve="1">
   <p:cSld name="Blank Slide">
     <p:spTree>
       <p:nvGrpSpPr>
@@ -49,11 +144,14 @@
       </p:grpSpPr>
     </p:spTree>
   </p:cSld>
+  <p:clrMapOvr>
+    <a:masterClrMapping/>
+  </p:clrMapOvr>
 </p:sldLayout>
 </file>
 
 <file path=ppt/slideLayouts/slideLayout10.xml><?xml version="1.0" encoding="utf-8"?>
-<p:sldLayout xmlns:a="http://schemas.openxmlformats.org/drawingml/2006/main" xmlns:p="http://schemas.openxmlformats.org/presentationml/2006/main" xmlns:r="http://schemas.openxmlformats.org/officeDocument/2006/relationships" type="objOverTx" preserve="1">
+<p:sldLayout xmlns:a="http://schemas.openxmlformats.org/drawingml/2006/main" xmlns:r="http://schemas.openxmlformats.org/officeDocument/2006/relationships" xmlns:p="http://schemas.openxmlformats.org/presentationml/2006/main" type="objOverTx" preserve="1">
   <p:cSld name="Title, Content over Content">
     <p:spTree>
       <p:nvGrpSpPr>
@@ -89,7 +187,8 @@
           </a:prstGeom>
         </p:spPr>
         <p:txBody>
-          <a:bodyPr lIns="0" rIns="0" tIns="0" bIns="0" anchor="ctr"/>
+          <a:bodyPr lIns="0" tIns="0" rIns="0" bIns="0" anchor="ctr"/>
+          <a:lstStyle/>
           <a:p>
             <a:endParaRPr/>
           </a:p>
@@ -115,7 +214,8 @@
           </a:prstGeom>
         </p:spPr>
         <p:txBody>
-          <a:bodyPr lIns="0" rIns="0" tIns="0" bIns="0"/>
+          <a:bodyPr lIns="0" tIns="0" rIns="0" bIns="0"/>
+          <a:lstStyle/>
           <a:p>
             <a:endParaRPr/>
           </a:p>
@@ -141,7 +241,8 @@
           </a:prstGeom>
         </p:spPr>
         <p:txBody>
-          <a:bodyPr lIns="0" rIns="0" tIns="0" bIns="0"/>
+          <a:bodyPr lIns="0" tIns="0" rIns="0" bIns="0"/>
+          <a:lstStyle/>
           <a:p>
             <a:endParaRPr/>
           </a:p>
@@ -149,11 +250,14 @@
       </p:sp>
     </p:spTree>
   </p:cSld>
+  <p:clrMapOvr>
+    <a:masterClrMapping/>
+  </p:clrMapOvr>
 </p:sldLayout>
 </file>
 
 <file path=ppt/slideLayouts/slideLayout11.xml><?xml version="1.0" encoding="utf-8"?>
-<p:sldLayout xmlns:a="http://schemas.openxmlformats.org/drawingml/2006/main" xmlns:p="http://schemas.openxmlformats.org/presentationml/2006/main" xmlns:r="http://schemas.openxmlformats.org/officeDocument/2006/relationships" type="fourObj" preserve="1">
+<p:sldLayout xmlns:a="http://schemas.openxmlformats.org/drawingml/2006/main" xmlns:r="http://schemas.openxmlformats.org/officeDocument/2006/relationships" xmlns:p="http://schemas.openxmlformats.org/presentationml/2006/main" type="fourObj" preserve="1">
   <p:cSld name="Title, 4 Content">
     <p:spTree>
       <p:nvGrpSpPr>
@@ -189,7 +293,8 @@
           </a:prstGeom>
         </p:spPr>
         <p:txBody>
-          <a:bodyPr lIns="0" rIns="0" tIns="0" bIns="0" anchor="ctr"/>
+          <a:bodyPr lIns="0" tIns="0" rIns="0" bIns="0" anchor="ctr"/>
+          <a:lstStyle/>
           <a:p>
             <a:endParaRPr/>
           </a:p>
@@ -215,7 +320,8 @@
           </a:prstGeom>
         </p:spPr>
         <p:txBody>
-          <a:bodyPr lIns="0" rIns="0" tIns="0" bIns="0"/>
+          <a:bodyPr lIns="0" tIns="0" rIns="0" bIns="0"/>
+          <a:lstStyle/>
           <a:p>
             <a:endParaRPr/>
           </a:p>
@@ -241,7 +347,8 @@
           </a:prstGeom>
         </p:spPr>
         <p:txBody>
-          <a:bodyPr lIns="0" rIns="0" tIns="0" bIns="0"/>
+          <a:bodyPr lIns="0" tIns="0" rIns="0" bIns="0"/>
+          <a:lstStyle/>
           <a:p>
             <a:endParaRPr/>
           </a:p>
@@ -267,7 +374,8 @@
           </a:prstGeom>
         </p:spPr>
         <p:txBody>
-          <a:bodyPr lIns="0" rIns="0" tIns="0" bIns="0"/>
+          <a:bodyPr lIns="0" tIns="0" rIns="0" bIns="0"/>
+          <a:lstStyle/>
           <a:p>
             <a:endParaRPr/>
           </a:p>
@@ -293,7 +401,8 @@
           </a:prstGeom>
         </p:spPr>
         <p:txBody>
-          <a:bodyPr lIns="0" rIns="0" tIns="0" bIns="0"/>
+          <a:bodyPr lIns="0" tIns="0" rIns="0" bIns="0"/>
+          <a:lstStyle/>
           <a:p>
             <a:endParaRPr/>
           </a:p>
@@ -301,11 +410,14 @@
       </p:sp>
     </p:spTree>
   </p:cSld>
+  <p:clrMapOvr>
+    <a:masterClrMapping/>
+  </p:clrMapOvr>
 </p:sldLayout>
 </file>
 
 <file path=ppt/slideLayouts/slideLayout12.xml><?xml version="1.0" encoding="utf-8"?>
-<p:sldLayout xmlns:a="http://schemas.openxmlformats.org/drawingml/2006/main" xmlns:p="http://schemas.openxmlformats.org/presentationml/2006/main" xmlns:r="http://schemas.openxmlformats.org/officeDocument/2006/relationships" type="blank" preserve="1">
+<p:sldLayout xmlns:a="http://schemas.openxmlformats.org/drawingml/2006/main" xmlns:r="http://schemas.openxmlformats.org/officeDocument/2006/relationships" xmlns:p="http://schemas.openxmlformats.org/presentationml/2006/main" type="blank" preserve="1">
   <p:cSld name="Title, 6 Content">
     <p:spTree>
       <p:nvGrpSpPr>
@@ -341,7 +453,8 @@
           </a:prstGeom>
         </p:spPr>
         <p:txBody>
-          <a:bodyPr lIns="0" rIns="0" tIns="0" bIns="0" anchor="ctr"/>
+          <a:bodyPr lIns="0" tIns="0" rIns="0" bIns="0" anchor="ctr"/>
+          <a:lstStyle/>
           <a:p>
             <a:endParaRPr/>
           </a:p>
@@ -367,7 +480,8 @@
           </a:prstGeom>
         </p:spPr>
         <p:txBody>
-          <a:bodyPr lIns="0" rIns="0" tIns="0" bIns="0"/>
+          <a:bodyPr lIns="0" tIns="0" rIns="0" bIns="0"/>
+          <a:lstStyle/>
           <a:p>
             <a:endParaRPr/>
           </a:p>
@@ -393,7 +507,8 @@
           </a:prstGeom>
         </p:spPr>
         <p:txBody>
-          <a:bodyPr lIns="0" rIns="0" tIns="0" bIns="0"/>
+          <a:bodyPr lIns="0" tIns="0" rIns="0" bIns="0"/>
+          <a:lstStyle/>
           <a:p>
             <a:endParaRPr/>
           </a:p>
@@ -401,12 +516,12 @@
       </p:sp>
       <p:pic>
         <p:nvPicPr>
-          <p:cNvPr id="37" name="" descr=""/>
+          <p:cNvPr id="37" name="Picture 36"/>
           <p:cNvPicPr/>
           <p:nvPr/>
         </p:nvPicPr>
         <p:blipFill>
-          <a:blip r:embed="rId2"/>
+          <a:blip r:embed="rId2" cstate="print"/>
           <a:stretch>
             <a:fillRect/>
           </a:stretch>
@@ -426,12 +541,12 @@
       </p:pic>
       <p:pic>
         <p:nvPicPr>
-          <p:cNvPr id="38" name="" descr=""/>
+          <p:cNvPr id="38" name="Picture 37"/>
           <p:cNvPicPr/>
           <p:nvPr/>
         </p:nvPicPr>
         <p:blipFill>
-          <a:blip r:embed="rId3"/>
+          <a:blip r:embed="rId2" cstate="print"/>
           <a:stretch>
             <a:fillRect/>
           </a:stretch>
@@ -451,11 +566,14 @@
       </p:pic>
     </p:spTree>
   </p:cSld>
+  <p:clrMapOvr>
+    <a:masterClrMapping/>
+  </p:clrMapOvr>
 </p:sldLayout>
 </file>
 
 <file path=ppt/slideLayouts/slideLayout13.xml><?xml version="1.0" encoding="utf-8"?>
-<p:sldLayout xmlns:a="http://schemas.openxmlformats.org/drawingml/2006/main" xmlns:p="http://schemas.openxmlformats.org/presentationml/2006/main" xmlns:r="http://schemas.openxmlformats.org/officeDocument/2006/relationships" type="blank" preserve="1">
+<p:sldLayout xmlns:a="http://schemas.openxmlformats.org/drawingml/2006/main" xmlns:r="http://schemas.openxmlformats.org/officeDocument/2006/relationships" xmlns:p="http://schemas.openxmlformats.org/presentationml/2006/main" type="blank" preserve="1">
   <p:cSld name="Blank Slide">
     <p:spTree>
       <p:nvGrpSpPr>
@@ -473,11 +591,14 @@
       </p:grpSpPr>
     </p:spTree>
   </p:cSld>
+  <p:clrMapOvr>
+    <a:masterClrMapping/>
+  </p:clrMapOvr>
 </p:sldLayout>
 </file>
 
 <file path=ppt/slideLayouts/slideLayout14.xml><?xml version="1.0" encoding="utf-8"?>
-<p:sldLayout xmlns:a="http://schemas.openxmlformats.org/drawingml/2006/main" xmlns:p="http://schemas.openxmlformats.org/presentationml/2006/main" xmlns:r="http://schemas.openxmlformats.org/officeDocument/2006/relationships" type="tx" preserve="1">
+<p:sldLayout xmlns:a="http://schemas.openxmlformats.org/drawingml/2006/main" xmlns:r="http://schemas.openxmlformats.org/officeDocument/2006/relationships" xmlns:p="http://schemas.openxmlformats.org/presentationml/2006/main" type="tx" preserve="1">
   <p:cSld name="Title Slide">
     <p:spTree>
       <p:nvGrpSpPr>
@@ -513,7 +634,8 @@
           </a:prstGeom>
         </p:spPr>
         <p:txBody>
-          <a:bodyPr lIns="0" rIns="0" tIns="0" bIns="0" anchor="ctr"/>
+          <a:bodyPr lIns="0" tIns="0" rIns="0" bIns="0" anchor="ctr"/>
+          <a:lstStyle/>
           <a:p>
             <a:endParaRPr/>
           </a:p>
@@ -539,7 +661,8 @@
           </a:prstGeom>
         </p:spPr>
         <p:txBody>
-          <a:bodyPr lIns="0" rIns="0" tIns="0" bIns="0" anchor="ctr"/>
+          <a:bodyPr lIns="0" tIns="0" rIns="0" bIns="0" anchor="ctr"/>
+          <a:lstStyle/>
           <a:p>
             <a:pPr algn="ctr"/>
             <a:endParaRPr/>
@@ -548,11 +671,14 @@
       </p:sp>
     </p:spTree>
   </p:cSld>
+  <p:clrMapOvr>
+    <a:masterClrMapping/>
+  </p:clrMapOvr>
 </p:sldLayout>
 </file>
 
 <file path=ppt/slideLayouts/slideLayout15.xml><?xml version="1.0" encoding="utf-8"?>
-<p:sldLayout xmlns:a="http://schemas.openxmlformats.org/drawingml/2006/main" xmlns:p="http://schemas.openxmlformats.org/presentationml/2006/main" xmlns:r="http://schemas.openxmlformats.org/officeDocument/2006/relationships" type="obj" preserve="1">
+<p:sldLayout xmlns:a="http://schemas.openxmlformats.org/drawingml/2006/main" xmlns:r="http://schemas.openxmlformats.org/officeDocument/2006/relationships" xmlns:p="http://schemas.openxmlformats.org/presentationml/2006/main" type="obj" preserve="1">
   <p:cSld name="Title, Content">
     <p:spTree>
       <p:nvGrpSpPr>
@@ -588,7 +714,8 @@
           </a:prstGeom>
         </p:spPr>
         <p:txBody>
-          <a:bodyPr lIns="0" rIns="0" tIns="0" bIns="0" anchor="ctr"/>
+          <a:bodyPr lIns="0" tIns="0" rIns="0" bIns="0" anchor="ctr"/>
+          <a:lstStyle/>
           <a:p>
             <a:endParaRPr/>
           </a:p>
@@ -614,7 +741,8 @@
           </a:prstGeom>
         </p:spPr>
         <p:txBody>
-          <a:bodyPr lIns="0" rIns="0" tIns="0" bIns="0"/>
+          <a:bodyPr lIns="0" tIns="0" rIns="0" bIns="0"/>
+          <a:lstStyle/>
           <a:p>
             <a:endParaRPr/>
           </a:p>
@@ -622,11 +750,14 @@
       </p:sp>
     </p:spTree>
   </p:cSld>
+  <p:clrMapOvr>
+    <a:masterClrMapping/>
+  </p:clrMapOvr>
 </p:sldLayout>
 </file>
 
 <file path=ppt/slideLayouts/slideLayout16.xml><?xml version="1.0" encoding="utf-8"?>
-<p:sldLayout xmlns:a="http://schemas.openxmlformats.org/drawingml/2006/main" xmlns:p="http://schemas.openxmlformats.org/presentationml/2006/main" xmlns:r="http://schemas.openxmlformats.org/officeDocument/2006/relationships" type="twoObj" preserve="1">
+<p:sldLayout xmlns:a="http://schemas.openxmlformats.org/drawingml/2006/main" xmlns:r="http://schemas.openxmlformats.org/officeDocument/2006/relationships" xmlns:p="http://schemas.openxmlformats.org/presentationml/2006/main" type="twoObj" preserve="1">
   <p:cSld name="Title, 2 Content">
     <p:spTree>
       <p:nvGrpSpPr>
@@ -662,7 +793,8 @@
           </a:prstGeom>
         </p:spPr>
         <p:txBody>
-          <a:bodyPr lIns="0" rIns="0" tIns="0" bIns="0" anchor="ctr"/>
+          <a:bodyPr lIns="0" tIns="0" rIns="0" bIns="0" anchor="ctr"/>
+          <a:lstStyle/>
           <a:p>
             <a:endParaRPr/>
           </a:p>
@@ -688,7 +820,8 @@
           </a:prstGeom>
         </p:spPr>
         <p:txBody>
-          <a:bodyPr lIns="0" rIns="0" tIns="0" bIns="0"/>
+          <a:bodyPr lIns="0" tIns="0" rIns="0" bIns="0"/>
+          <a:lstStyle/>
           <a:p>
             <a:endParaRPr/>
           </a:p>
@@ -714,7 +847,8 @@
           </a:prstGeom>
         </p:spPr>
         <p:txBody>
-          <a:bodyPr lIns="0" rIns="0" tIns="0" bIns="0"/>
+          <a:bodyPr lIns="0" tIns="0" rIns="0" bIns="0"/>
+          <a:lstStyle/>
           <a:p>
             <a:endParaRPr/>
           </a:p>
@@ -722,11 +856,14 @@
       </p:sp>
     </p:spTree>
   </p:cSld>
+  <p:clrMapOvr>
+    <a:masterClrMapping/>
+  </p:clrMapOvr>
 </p:sldLayout>
 </file>
 
 <file path=ppt/slideLayouts/slideLayout17.xml><?xml version="1.0" encoding="utf-8"?>
-<p:sldLayout xmlns:a="http://schemas.openxmlformats.org/drawingml/2006/main" xmlns:p="http://schemas.openxmlformats.org/presentationml/2006/main" xmlns:r="http://schemas.openxmlformats.org/officeDocument/2006/relationships" type="titleOnly" preserve="1">
+<p:sldLayout xmlns:a="http://schemas.openxmlformats.org/drawingml/2006/main" xmlns:r="http://schemas.openxmlformats.org/officeDocument/2006/relationships" xmlns:p="http://schemas.openxmlformats.org/presentationml/2006/main" type="titleOnly" preserve="1">
   <p:cSld name="Title Only">
     <p:spTree>
       <p:nvGrpSpPr>
@@ -762,7 +899,8 @@
           </a:prstGeom>
         </p:spPr>
         <p:txBody>
-          <a:bodyPr lIns="0" rIns="0" tIns="0" bIns="0" anchor="ctr"/>
+          <a:bodyPr lIns="0" tIns="0" rIns="0" bIns="0" anchor="ctr"/>
+          <a:lstStyle/>
           <a:p>
             <a:endParaRPr/>
           </a:p>
@@ -770,11 +908,14 @@
       </p:sp>
     </p:spTree>
   </p:cSld>
+  <p:clrMapOvr>
+    <a:masterClrMapping/>
+  </p:clrMapOvr>
 </p:sldLayout>
 </file>
 
 <file path=ppt/slideLayouts/slideLayout18.xml><?xml version="1.0" encoding="utf-8"?>
-<p:sldLayout xmlns:a="http://schemas.openxmlformats.org/drawingml/2006/main" xmlns:p="http://schemas.openxmlformats.org/presentationml/2006/main" xmlns:r="http://schemas.openxmlformats.org/officeDocument/2006/relationships" type="objOnly" preserve="1">
+<p:sldLayout xmlns:a="http://schemas.openxmlformats.org/drawingml/2006/main" xmlns:r="http://schemas.openxmlformats.org/officeDocument/2006/relationships" xmlns:p="http://schemas.openxmlformats.org/presentationml/2006/main" type="objOnly" preserve="1">
   <p:cSld name="Centered Text">
     <p:spTree>
       <p:nvGrpSpPr>
@@ -810,7 +951,8 @@
           </a:prstGeom>
         </p:spPr>
         <p:txBody>
-          <a:bodyPr lIns="0" rIns="0" tIns="0" bIns="0" anchor="ctr"/>
+          <a:bodyPr lIns="0" tIns="0" rIns="0" bIns="0" anchor="ctr"/>
+          <a:lstStyle/>
           <a:p>
             <a:pPr algn="ctr"/>
             <a:endParaRPr/>
@@ -819,11 +961,14 @@
       </p:sp>
     </p:spTree>
   </p:cSld>
+  <p:clrMapOvr>
+    <a:masterClrMapping/>
+  </p:clrMapOvr>
 </p:sldLayout>
 </file>
 
 <file path=ppt/slideLayouts/slideLayout19.xml><?xml version="1.0" encoding="utf-8"?>
-<p:sldLayout xmlns:a="http://schemas.openxmlformats.org/drawingml/2006/main" xmlns:p="http://schemas.openxmlformats.org/presentationml/2006/main" xmlns:r="http://schemas.openxmlformats.org/officeDocument/2006/relationships" type="twoObjAndObj" preserve="1">
+<p:sldLayout xmlns:a="http://schemas.openxmlformats.org/drawingml/2006/main" xmlns:r="http://schemas.openxmlformats.org/officeDocument/2006/relationships" xmlns:p="http://schemas.openxmlformats.org/presentationml/2006/main" type="twoObjAndObj" preserve="1">
   <p:cSld name="Title, 2 Content and Content">
     <p:spTree>
       <p:nvGrpSpPr>
@@ -859,7 +1004,8 @@
           </a:prstGeom>
         </p:spPr>
         <p:txBody>
-          <a:bodyPr lIns="0" rIns="0" tIns="0" bIns="0" anchor="ctr"/>
+          <a:bodyPr lIns="0" tIns="0" rIns="0" bIns="0" anchor="ctr"/>
+          <a:lstStyle/>
           <a:p>
             <a:endParaRPr/>
           </a:p>
@@ -885,7 +1031,8 @@
           </a:prstGeom>
         </p:spPr>
         <p:txBody>
-          <a:bodyPr lIns="0" rIns="0" tIns="0" bIns="0"/>
+          <a:bodyPr lIns="0" tIns="0" rIns="0" bIns="0"/>
+          <a:lstStyle/>
           <a:p>
             <a:endParaRPr/>
           </a:p>
@@ -911,7 +1058,8 @@
           </a:prstGeom>
         </p:spPr>
         <p:txBody>
-          <a:bodyPr lIns="0" rIns="0" tIns="0" bIns="0"/>
+          <a:bodyPr lIns="0" tIns="0" rIns="0" bIns="0"/>
+          <a:lstStyle/>
           <a:p>
             <a:endParaRPr/>
           </a:p>
@@ -937,7 +1085,8 @@
           </a:prstGeom>
         </p:spPr>
         <p:txBody>
-          <a:bodyPr lIns="0" rIns="0" tIns="0" bIns="0"/>
+          <a:bodyPr lIns="0" tIns="0" rIns="0" bIns="0"/>
+          <a:lstStyle/>
           <a:p>
             <a:endParaRPr/>
           </a:p>
@@ -945,11 +1094,14 @@
       </p:sp>
     </p:spTree>
   </p:cSld>
+  <p:clrMapOvr>
+    <a:masterClrMapping/>
+  </p:clrMapOvr>
 </p:sldLayout>
 </file>
 
 <file path=ppt/slideLayouts/slideLayout2.xml><?xml version="1.0" encoding="utf-8"?>
-<p:sldLayout xmlns:a="http://schemas.openxmlformats.org/drawingml/2006/main" xmlns:p="http://schemas.openxmlformats.org/presentationml/2006/main" xmlns:r="http://schemas.openxmlformats.org/officeDocument/2006/relationships" type="tx" preserve="1">
+<p:sldLayout xmlns:a="http://schemas.openxmlformats.org/drawingml/2006/main" xmlns:r="http://schemas.openxmlformats.org/officeDocument/2006/relationships" xmlns:p="http://schemas.openxmlformats.org/presentationml/2006/main" type="tx" preserve="1">
   <p:cSld name="Title Slide">
     <p:spTree>
       <p:nvGrpSpPr>
@@ -985,7 +1137,8 @@
           </a:prstGeom>
         </p:spPr>
         <p:txBody>
-          <a:bodyPr lIns="0" rIns="0" tIns="0" bIns="0" anchor="ctr"/>
+          <a:bodyPr lIns="0" tIns="0" rIns="0" bIns="0" anchor="ctr"/>
+          <a:lstStyle/>
           <a:p>
             <a:endParaRPr/>
           </a:p>
@@ -1011,7 +1164,8 @@
           </a:prstGeom>
         </p:spPr>
         <p:txBody>
-          <a:bodyPr lIns="0" rIns="0" tIns="0" bIns="0" anchor="ctr"/>
+          <a:bodyPr lIns="0" tIns="0" rIns="0" bIns="0" anchor="ctr"/>
+          <a:lstStyle/>
           <a:p>
             <a:pPr algn="ctr"/>
             <a:endParaRPr/>
@@ -1020,11 +1174,14 @@
       </p:sp>
     </p:spTree>
   </p:cSld>
+  <p:clrMapOvr>
+    <a:masterClrMapping/>
+  </p:clrMapOvr>
 </p:sldLayout>
 </file>
 
 <file path=ppt/slideLayouts/slideLayout20.xml><?xml version="1.0" encoding="utf-8"?>
-<p:sldLayout xmlns:a="http://schemas.openxmlformats.org/drawingml/2006/main" xmlns:p="http://schemas.openxmlformats.org/presentationml/2006/main" xmlns:r="http://schemas.openxmlformats.org/officeDocument/2006/relationships" type="objAndTwoObj" preserve="1">
+<p:sldLayout xmlns:a="http://schemas.openxmlformats.org/drawingml/2006/main" xmlns:r="http://schemas.openxmlformats.org/officeDocument/2006/relationships" xmlns:p="http://schemas.openxmlformats.org/presentationml/2006/main" type="objAndTwoObj" preserve="1">
   <p:cSld name="Title Content and 2 Content">
     <p:spTree>
       <p:nvGrpSpPr>
@@ -1060,7 +1217,8 @@
           </a:prstGeom>
         </p:spPr>
         <p:txBody>
-          <a:bodyPr lIns="0" rIns="0" tIns="0" bIns="0" anchor="ctr"/>
+          <a:bodyPr lIns="0" tIns="0" rIns="0" bIns="0" anchor="ctr"/>
+          <a:lstStyle/>
           <a:p>
             <a:endParaRPr/>
           </a:p>
@@ -1086,7 +1244,8 @@
           </a:prstGeom>
         </p:spPr>
         <p:txBody>
-          <a:bodyPr lIns="0" rIns="0" tIns="0" bIns="0"/>
+          <a:bodyPr lIns="0" tIns="0" rIns="0" bIns="0"/>
+          <a:lstStyle/>
           <a:p>
             <a:endParaRPr/>
           </a:p>
@@ -1112,7 +1271,8 @@
           </a:prstGeom>
         </p:spPr>
         <p:txBody>
-          <a:bodyPr lIns="0" rIns="0" tIns="0" bIns="0"/>
+          <a:bodyPr lIns="0" tIns="0" rIns="0" bIns="0"/>
+          <a:lstStyle/>
           <a:p>
             <a:endParaRPr/>
           </a:p>
@@ -1138,7 +1298,8 @@
           </a:prstGeom>
         </p:spPr>
         <p:txBody>
-          <a:bodyPr lIns="0" rIns="0" tIns="0" bIns="0"/>
+          <a:bodyPr lIns="0" tIns="0" rIns="0" bIns="0"/>
+          <a:lstStyle/>
           <a:p>
             <a:endParaRPr/>
           </a:p>
@@ -1146,11 +1307,14 @@
       </p:sp>
     </p:spTree>
   </p:cSld>
+  <p:clrMapOvr>
+    <a:masterClrMapping/>
+  </p:clrMapOvr>
 </p:sldLayout>
 </file>
 
 <file path=ppt/slideLayouts/slideLayout21.xml><?xml version="1.0" encoding="utf-8"?>
-<p:sldLayout xmlns:a="http://schemas.openxmlformats.org/drawingml/2006/main" xmlns:p="http://schemas.openxmlformats.org/presentationml/2006/main" xmlns:r="http://schemas.openxmlformats.org/officeDocument/2006/relationships" type="twoObjOverTx" preserve="1">
+<p:sldLayout xmlns:a="http://schemas.openxmlformats.org/drawingml/2006/main" xmlns:r="http://schemas.openxmlformats.org/officeDocument/2006/relationships" xmlns:p="http://schemas.openxmlformats.org/presentationml/2006/main" type="twoObjOverTx" preserve="1">
   <p:cSld name="Title, 2 Content over Content">
     <p:spTree>
       <p:nvGrpSpPr>
@@ -1186,7 +1350,8 @@
           </a:prstGeom>
         </p:spPr>
         <p:txBody>
-          <a:bodyPr lIns="0" rIns="0" tIns="0" bIns="0" anchor="ctr"/>
+          <a:bodyPr lIns="0" tIns="0" rIns="0" bIns="0" anchor="ctr"/>
+          <a:lstStyle/>
           <a:p>
             <a:endParaRPr/>
           </a:p>
@@ -1212,7 +1377,8 @@
           </a:prstGeom>
         </p:spPr>
         <p:txBody>
-          <a:bodyPr lIns="0" rIns="0" tIns="0" bIns="0"/>
+          <a:bodyPr lIns="0" tIns="0" rIns="0" bIns="0"/>
+          <a:lstStyle/>
           <a:p>
             <a:endParaRPr/>
           </a:p>
@@ -1238,7 +1404,8 @@
           </a:prstGeom>
         </p:spPr>
         <p:txBody>
-          <a:bodyPr lIns="0" rIns="0" tIns="0" bIns="0"/>
+          <a:bodyPr lIns="0" tIns="0" rIns="0" bIns="0"/>
+          <a:lstStyle/>
           <a:p>
             <a:endParaRPr/>
           </a:p>
@@ -1264,7 +1431,8 @@
           </a:prstGeom>
         </p:spPr>
         <p:txBody>
-          <a:bodyPr lIns="0" rIns="0" tIns="0" bIns="0"/>
+          <a:bodyPr lIns="0" tIns="0" rIns="0" bIns="0"/>
+          <a:lstStyle/>
           <a:p>
             <a:endParaRPr/>
           </a:p>
@@ -1272,11 +1440,14 @@
       </p:sp>
     </p:spTree>
   </p:cSld>
+  <p:clrMapOvr>
+    <a:masterClrMapping/>
+  </p:clrMapOvr>
 </p:sldLayout>
 </file>
 
 <file path=ppt/slideLayouts/slideLayout22.xml><?xml version="1.0" encoding="utf-8"?>
-<p:sldLayout xmlns:a="http://schemas.openxmlformats.org/drawingml/2006/main" xmlns:p="http://schemas.openxmlformats.org/presentationml/2006/main" xmlns:r="http://schemas.openxmlformats.org/officeDocument/2006/relationships" type="objOverTx" preserve="1">
+<p:sldLayout xmlns:a="http://schemas.openxmlformats.org/drawingml/2006/main" xmlns:r="http://schemas.openxmlformats.org/officeDocument/2006/relationships" xmlns:p="http://schemas.openxmlformats.org/presentationml/2006/main" type="objOverTx" preserve="1">
   <p:cSld name="Title, Content over Content">
     <p:spTree>
       <p:nvGrpSpPr>
@@ -1312,7 +1483,8 @@
           </a:prstGeom>
         </p:spPr>
         <p:txBody>
-          <a:bodyPr lIns="0" rIns="0" tIns="0" bIns="0" anchor="ctr"/>
+          <a:bodyPr lIns="0" tIns="0" rIns="0" bIns="0" anchor="ctr"/>
+          <a:lstStyle/>
           <a:p>
             <a:endParaRPr/>
           </a:p>
@@ -1338,7 +1510,8 @@
           </a:prstGeom>
         </p:spPr>
         <p:txBody>
-          <a:bodyPr lIns="0" rIns="0" tIns="0" bIns="0"/>
+          <a:bodyPr lIns="0" tIns="0" rIns="0" bIns="0"/>
+          <a:lstStyle/>
           <a:p>
             <a:endParaRPr/>
           </a:p>
@@ -1364,7 +1537,8 @@
           </a:prstGeom>
         </p:spPr>
         <p:txBody>
-          <a:bodyPr lIns="0" rIns="0" tIns="0" bIns="0"/>
+          <a:bodyPr lIns="0" tIns="0" rIns="0" bIns="0"/>
+          <a:lstStyle/>
           <a:p>
             <a:endParaRPr/>
           </a:p>
@@ -1372,11 +1546,14 @@
       </p:sp>
     </p:spTree>
   </p:cSld>
+  <p:clrMapOvr>
+    <a:masterClrMapping/>
+  </p:clrMapOvr>
 </p:sldLayout>
 </file>
 
 <file path=ppt/slideLayouts/slideLayout23.xml><?xml version="1.0" encoding="utf-8"?>
-<p:sldLayout xmlns:a="http://schemas.openxmlformats.org/drawingml/2006/main" xmlns:p="http://schemas.openxmlformats.org/presentationml/2006/main" xmlns:r="http://schemas.openxmlformats.org/officeDocument/2006/relationships" type="fourObj" preserve="1">
+<p:sldLayout xmlns:a="http://schemas.openxmlformats.org/drawingml/2006/main" xmlns:r="http://schemas.openxmlformats.org/officeDocument/2006/relationships" xmlns:p="http://schemas.openxmlformats.org/presentationml/2006/main" type="fourObj" preserve="1">
   <p:cSld name="Title, 4 Content">
     <p:spTree>
       <p:nvGrpSpPr>
@@ -1412,7 +1589,8 @@
           </a:prstGeom>
         </p:spPr>
         <p:txBody>
-          <a:bodyPr lIns="0" rIns="0" tIns="0" bIns="0" anchor="ctr"/>
+          <a:bodyPr lIns="0" tIns="0" rIns="0" bIns="0" anchor="ctr"/>
+          <a:lstStyle/>
           <a:p>
             <a:endParaRPr/>
           </a:p>
@@ -1438,7 +1616,8 @@
           </a:prstGeom>
         </p:spPr>
         <p:txBody>
-          <a:bodyPr lIns="0" rIns="0" tIns="0" bIns="0"/>
+          <a:bodyPr lIns="0" tIns="0" rIns="0" bIns="0"/>
+          <a:lstStyle/>
           <a:p>
             <a:endParaRPr/>
           </a:p>
@@ -1464,7 +1643,8 @@
           </a:prstGeom>
         </p:spPr>
         <p:txBody>
-          <a:bodyPr lIns="0" rIns="0" tIns="0" bIns="0"/>
+          <a:bodyPr lIns="0" tIns="0" rIns="0" bIns="0"/>
+          <a:lstStyle/>
           <a:p>
             <a:endParaRPr/>
           </a:p>
@@ -1490,7 +1670,8 @@
           </a:prstGeom>
         </p:spPr>
         <p:txBody>
-          <a:bodyPr lIns="0" rIns="0" tIns="0" bIns="0"/>
+          <a:bodyPr lIns="0" tIns="0" rIns="0" bIns="0"/>
+          <a:lstStyle/>
           <a:p>
             <a:endParaRPr/>
           </a:p>
@@ -1516,7 +1697,8 @@
           </a:prstGeom>
         </p:spPr>
         <p:txBody>
-          <a:bodyPr lIns="0" rIns="0" tIns="0" bIns="0"/>
+          <a:bodyPr lIns="0" tIns="0" rIns="0" bIns="0"/>
+          <a:lstStyle/>
           <a:p>
             <a:endParaRPr/>
           </a:p>
@@ -1524,11 +1706,14 @@
       </p:sp>
     </p:spTree>
   </p:cSld>
+  <p:clrMapOvr>
+    <a:masterClrMapping/>
+  </p:clrMapOvr>
 </p:sldLayout>
 </file>
 
 <file path=ppt/slideLayouts/slideLayout24.xml><?xml version="1.0" encoding="utf-8"?>
-<p:sldLayout xmlns:a="http://schemas.openxmlformats.org/drawingml/2006/main" xmlns:p="http://schemas.openxmlformats.org/presentationml/2006/main" xmlns:r="http://schemas.openxmlformats.org/officeDocument/2006/relationships" type="blank" preserve="1">
+<p:sldLayout xmlns:a="http://schemas.openxmlformats.org/drawingml/2006/main" xmlns:r="http://schemas.openxmlformats.org/officeDocument/2006/relationships" xmlns:p="http://schemas.openxmlformats.org/presentationml/2006/main" type="blank" preserve="1">
   <p:cSld name="Title, 6 Content">
     <p:spTree>
       <p:nvGrpSpPr>
@@ -1564,7 +1749,8 @@
           </a:prstGeom>
         </p:spPr>
         <p:txBody>
-          <a:bodyPr lIns="0" rIns="0" tIns="0" bIns="0" anchor="ctr"/>
+          <a:bodyPr lIns="0" tIns="0" rIns="0" bIns="0" anchor="ctr"/>
+          <a:lstStyle/>
           <a:p>
             <a:endParaRPr/>
           </a:p>
@@ -1590,7 +1776,8 @@
           </a:prstGeom>
         </p:spPr>
         <p:txBody>
-          <a:bodyPr lIns="0" rIns="0" tIns="0" bIns="0"/>
+          <a:bodyPr lIns="0" tIns="0" rIns="0" bIns="0"/>
+          <a:lstStyle/>
           <a:p>
             <a:endParaRPr/>
           </a:p>
@@ -1616,7 +1803,8 @@
           </a:prstGeom>
         </p:spPr>
         <p:txBody>
-          <a:bodyPr lIns="0" rIns="0" tIns="0" bIns="0"/>
+          <a:bodyPr lIns="0" tIns="0" rIns="0" bIns="0"/>
+          <a:lstStyle/>
           <a:p>
             <a:endParaRPr/>
           </a:p>
@@ -1624,12 +1812,12 @@
       </p:sp>
       <p:pic>
         <p:nvPicPr>
-          <p:cNvPr id="76" name="" descr=""/>
+          <p:cNvPr id="76" name="Picture 75"/>
           <p:cNvPicPr/>
           <p:nvPr/>
         </p:nvPicPr>
         <p:blipFill>
-          <a:blip r:embed="rId2"/>
+          <a:blip r:embed="rId2" cstate="print"/>
           <a:stretch>
             <a:fillRect/>
           </a:stretch>
@@ -1649,12 +1837,12 @@
       </p:pic>
       <p:pic>
         <p:nvPicPr>
-          <p:cNvPr id="77" name="" descr=""/>
+          <p:cNvPr id="77" name="Picture 76"/>
           <p:cNvPicPr/>
           <p:nvPr/>
         </p:nvPicPr>
         <p:blipFill>
-          <a:blip r:embed="rId3"/>
+          <a:blip r:embed="rId2" cstate="print"/>
           <a:stretch>
             <a:fillRect/>
           </a:stretch>
@@ -1674,11 +1862,14 @@
       </p:pic>
     </p:spTree>
   </p:cSld>
+  <p:clrMapOvr>
+    <a:masterClrMapping/>
+  </p:clrMapOvr>
 </p:sldLayout>
 </file>
 
 <file path=ppt/slideLayouts/slideLayout3.xml><?xml version="1.0" encoding="utf-8"?>
-<p:sldLayout xmlns:a="http://schemas.openxmlformats.org/drawingml/2006/main" xmlns:p="http://schemas.openxmlformats.org/presentationml/2006/main" xmlns:r="http://schemas.openxmlformats.org/officeDocument/2006/relationships" type="obj" preserve="1">
+<p:sldLayout xmlns:a="http://schemas.openxmlformats.org/drawingml/2006/main" xmlns:r="http://schemas.openxmlformats.org/officeDocument/2006/relationships" xmlns:p="http://schemas.openxmlformats.org/presentationml/2006/main" type="obj" preserve="1">
   <p:cSld name="Title, Content">
     <p:spTree>
       <p:nvGrpSpPr>
@@ -1714,7 +1905,8 @@
           </a:prstGeom>
         </p:spPr>
         <p:txBody>
-          <a:bodyPr lIns="0" rIns="0" tIns="0" bIns="0" anchor="ctr"/>
+          <a:bodyPr lIns="0" tIns="0" rIns="0" bIns="0" anchor="ctr"/>
+          <a:lstStyle/>
           <a:p>
             <a:endParaRPr/>
           </a:p>
@@ -1740,7 +1932,8 @@
           </a:prstGeom>
         </p:spPr>
         <p:txBody>
-          <a:bodyPr lIns="0" rIns="0" tIns="0" bIns="0"/>
+          <a:bodyPr lIns="0" tIns="0" rIns="0" bIns="0"/>
+          <a:lstStyle/>
           <a:p>
             <a:endParaRPr/>
           </a:p>
@@ -1748,11 +1941,14 @@
       </p:sp>
     </p:spTree>
   </p:cSld>
+  <p:clrMapOvr>
+    <a:masterClrMapping/>
+  </p:clrMapOvr>
 </p:sldLayout>
 </file>
 
 <file path=ppt/slideLayouts/slideLayout4.xml><?xml version="1.0" encoding="utf-8"?>
-<p:sldLayout xmlns:a="http://schemas.openxmlformats.org/drawingml/2006/main" xmlns:p="http://schemas.openxmlformats.org/presentationml/2006/main" xmlns:r="http://schemas.openxmlformats.org/officeDocument/2006/relationships" type="twoObj" preserve="1">
+<p:sldLayout xmlns:a="http://schemas.openxmlformats.org/drawingml/2006/main" xmlns:r="http://schemas.openxmlformats.org/officeDocument/2006/relationships" xmlns:p="http://schemas.openxmlformats.org/presentationml/2006/main" type="twoObj" preserve="1">
   <p:cSld name="Title, 2 Content">
     <p:spTree>
       <p:nvGrpSpPr>
@@ -1788,7 +1984,8 @@
           </a:prstGeom>
         </p:spPr>
         <p:txBody>
-          <a:bodyPr lIns="0" rIns="0" tIns="0" bIns="0" anchor="ctr"/>
+          <a:bodyPr lIns="0" tIns="0" rIns="0" bIns="0" anchor="ctr"/>
+          <a:lstStyle/>
           <a:p>
             <a:endParaRPr/>
           </a:p>
@@ -1814,7 +2011,8 @@
           </a:prstGeom>
         </p:spPr>
         <p:txBody>
-          <a:bodyPr lIns="0" rIns="0" tIns="0" bIns="0"/>
+          <a:bodyPr lIns="0" tIns="0" rIns="0" bIns="0"/>
+          <a:lstStyle/>
           <a:p>
             <a:endParaRPr/>
           </a:p>
@@ -1840,7 +2038,8 @@
           </a:prstGeom>
         </p:spPr>
         <p:txBody>
-          <a:bodyPr lIns="0" rIns="0" tIns="0" bIns="0"/>
+          <a:bodyPr lIns="0" tIns="0" rIns="0" bIns="0"/>
+          <a:lstStyle/>
           <a:p>
             <a:endParaRPr/>
           </a:p>
@@ -1848,11 +2047,14 @@
       </p:sp>
     </p:spTree>
   </p:cSld>
+  <p:clrMapOvr>
+    <a:masterClrMapping/>
+  </p:clrMapOvr>
 </p:sldLayout>
 </file>
 
 <file path=ppt/slideLayouts/slideLayout5.xml><?xml version="1.0" encoding="utf-8"?>
-<p:sldLayout xmlns:a="http://schemas.openxmlformats.org/drawingml/2006/main" xmlns:p="http://schemas.openxmlformats.org/presentationml/2006/main" xmlns:r="http://schemas.openxmlformats.org/officeDocument/2006/relationships" type="titleOnly" preserve="1">
+<p:sldLayout xmlns:a="http://schemas.openxmlformats.org/drawingml/2006/main" xmlns:r="http://schemas.openxmlformats.org/officeDocument/2006/relationships" xmlns:p="http://schemas.openxmlformats.org/presentationml/2006/main" type="titleOnly" preserve="1">
   <p:cSld name="Title Only">
     <p:spTree>
       <p:nvGrpSpPr>
@@ -1888,7 +2090,8 @@
           </a:prstGeom>
         </p:spPr>
         <p:txBody>
-          <a:bodyPr lIns="0" rIns="0" tIns="0" bIns="0" anchor="ctr"/>
+          <a:bodyPr lIns="0" tIns="0" rIns="0" bIns="0" anchor="ctr"/>
+          <a:lstStyle/>
           <a:p>
             <a:endParaRPr/>
           </a:p>
@@ -1896,11 +2099,14 @@
       </p:sp>
     </p:spTree>
   </p:cSld>
+  <p:clrMapOvr>
+    <a:masterClrMapping/>
+  </p:clrMapOvr>
 </p:sldLayout>
 </file>
 
 <file path=ppt/slideLayouts/slideLayout6.xml><?xml version="1.0" encoding="utf-8"?>
-<p:sldLayout xmlns:a="http://schemas.openxmlformats.org/drawingml/2006/main" xmlns:p="http://schemas.openxmlformats.org/presentationml/2006/main" xmlns:r="http://schemas.openxmlformats.org/officeDocument/2006/relationships" type="objOnly" preserve="1">
+<p:sldLayout xmlns:a="http://schemas.openxmlformats.org/drawingml/2006/main" xmlns:r="http://schemas.openxmlformats.org/officeDocument/2006/relationships" xmlns:p="http://schemas.openxmlformats.org/presentationml/2006/main" type="objOnly" preserve="1">
   <p:cSld name="Centered Text">
     <p:spTree>
       <p:nvGrpSpPr>
@@ -1936,7 +2142,8 @@
           </a:prstGeom>
         </p:spPr>
         <p:txBody>
-          <a:bodyPr lIns="0" rIns="0" tIns="0" bIns="0" anchor="ctr"/>
+          <a:bodyPr lIns="0" tIns="0" rIns="0" bIns="0" anchor="ctr"/>
+          <a:lstStyle/>
           <a:p>
             <a:pPr algn="ctr"/>
             <a:endParaRPr/>
@@ -1945,11 +2152,14 @@
       </p:sp>
     </p:spTree>
   </p:cSld>
+  <p:clrMapOvr>
+    <a:masterClrMapping/>
+  </p:clrMapOvr>
 </p:sldLayout>
 </file>
 
 <file path=ppt/slideLayouts/slideLayout7.xml><?xml version="1.0" encoding="utf-8"?>
-<p:sldLayout xmlns:a="http://schemas.openxmlformats.org/drawingml/2006/main" xmlns:p="http://schemas.openxmlformats.org/presentationml/2006/main" xmlns:r="http://schemas.openxmlformats.org/officeDocument/2006/relationships" type="twoObjAndObj" preserve="1">
+<p:sldLayout xmlns:a="http://schemas.openxmlformats.org/drawingml/2006/main" xmlns:r="http://schemas.openxmlformats.org/officeDocument/2006/relationships" xmlns:p="http://schemas.openxmlformats.org/presentationml/2006/main" type="twoObjAndObj" preserve="1">
   <p:cSld name="Title, 2 Content and Content">
     <p:spTree>
       <p:nvGrpSpPr>
@@ -1985,7 +2195,8 @@
           </a:prstGeom>
         </p:spPr>
         <p:txBody>
-          <a:bodyPr lIns="0" rIns="0" tIns="0" bIns="0" anchor="ctr"/>
+          <a:bodyPr lIns="0" tIns="0" rIns="0" bIns="0" anchor="ctr"/>
+          <a:lstStyle/>
           <a:p>
             <a:endParaRPr/>
           </a:p>
@@ -2011,7 +2222,8 @@
           </a:prstGeom>
         </p:spPr>
         <p:txBody>
-          <a:bodyPr lIns="0" rIns="0" tIns="0" bIns="0"/>
+          <a:bodyPr lIns="0" tIns="0" rIns="0" bIns="0"/>
+          <a:lstStyle/>
           <a:p>
             <a:endParaRPr/>
           </a:p>
@@ -2037,7 +2249,8 @@
           </a:prstGeom>
         </p:spPr>
         <p:txBody>
-          <a:bodyPr lIns="0" rIns="0" tIns="0" bIns="0"/>
+          <a:bodyPr lIns="0" tIns="0" rIns="0" bIns="0"/>
+          <a:lstStyle/>
           <a:p>
             <a:endParaRPr/>
           </a:p>
@@ -2063,7 +2276,8 @@
           </a:prstGeom>
         </p:spPr>
         <p:txBody>
-          <a:bodyPr lIns="0" rIns="0" tIns="0" bIns="0"/>
+          <a:bodyPr lIns="0" tIns="0" rIns="0" bIns="0"/>
+          <a:lstStyle/>
           <a:p>
             <a:endParaRPr/>
           </a:p>
@@ -2071,11 +2285,14 @@
       </p:sp>
     </p:spTree>
   </p:cSld>
+  <p:clrMapOvr>
+    <a:masterClrMapping/>
+  </p:clrMapOvr>
 </p:sldLayout>
 </file>
 
 <file path=ppt/slideLayouts/slideLayout8.xml><?xml version="1.0" encoding="utf-8"?>
-<p:sldLayout xmlns:a="http://schemas.openxmlformats.org/drawingml/2006/main" xmlns:p="http://schemas.openxmlformats.org/presentationml/2006/main" xmlns:r="http://schemas.openxmlformats.org/officeDocument/2006/relationships" type="objAndTwoObj" preserve="1">
+<p:sldLayout xmlns:a="http://schemas.openxmlformats.org/drawingml/2006/main" xmlns:r="http://schemas.openxmlformats.org/officeDocument/2006/relationships" xmlns:p="http://schemas.openxmlformats.org/presentationml/2006/main" type="objAndTwoObj" preserve="1">
   <p:cSld name="Title Content and 2 Content">
     <p:spTree>
       <p:nvGrpSpPr>
@@ -2111,7 +2328,8 @@
           </a:prstGeom>
         </p:spPr>
         <p:txBody>
-          <a:bodyPr lIns="0" rIns="0" tIns="0" bIns="0" anchor="ctr"/>
+          <a:bodyPr lIns="0" tIns="0" rIns="0" bIns="0" anchor="ctr"/>
+          <a:lstStyle/>
           <a:p>
             <a:endParaRPr/>
           </a:p>
@@ -2137,7 +2355,8 @@
           </a:prstGeom>
         </p:spPr>
         <p:txBody>
-          <a:bodyPr lIns="0" rIns="0" tIns="0" bIns="0"/>
+          <a:bodyPr lIns="0" tIns="0" rIns="0" bIns="0"/>
+          <a:lstStyle/>
           <a:p>
             <a:endParaRPr/>
           </a:p>
@@ -2163,7 +2382,8 @@
           </a:prstGeom>
         </p:spPr>
         <p:txBody>
-          <a:bodyPr lIns="0" rIns="0" tIns="0" bIns="0"/>
+          <a:bodyPr lIns="0" tIns="0" rIns="0" bIns="0"/>
+          <a:lstStyle/>
           <a:p>
             <a:endParaRPr/>
           </a:p>
@@ -2189,7 +2409,8 @@
           </a:prstGeom>
         </p:spPr>
         <p:txBody>
-          <a:bodyPr lIns="0" rIns="0" tIns="0" bIns="0"/>
+          <a:bodyPr lIns="0" tIns="0" rIns="0" bIns="0"/>
+          <a:lstStyle/>
           <a:p>
             <a:endParaRPr/>
           </a:p>
@@ -2197,11 +2418,14 @@
       </p:sp>
     </p:spTree>
   </p:cSld>
+  <p:clrMapOvr>
+    <a:masterClrMapping/>
+  </p:clrMapOvr>
 </p:sldLayout>
 </file>
 
 <file path=ppt/slideLayouts/slideLayout9.xml><?xml version="1.0" encoding="utf-8"?>
-<p:sldLayout xmlns:a="http://schemas.openxmlformats.org/drawingml/2006/main" xmlns:p="http://schemas.openxmlformats.org/presentationml/2006/main" xmlns:r="http://schemas.openxmlformats.org/officeDocument/2006/relationships" type="twoObjOverTx" preserve="1">
+<p:sldLayout xmlns:a="http://schemas.openxmlformats.org/drawingml/2006/main" xmlns:r="http://schemas.openxmlformats.org/officeDocument/2006/relationships" xmlns:p="http://schemas.openxmlformats.org/presentationml/2006/main" type="twoObjOverTx" preserve="1">
   <p:cSld name="Title, 2 Content over Content">
     <p:spTree>
       <p:nvGrpSpPr>
@@ -2237,7 +2461,8 @@
           </a:prstGeom>
         </p:spPr>
         <p:txBody>
-          <a:bodyPr lIns="0" rIns="0" tIns="0" bIns="0" anchor="ctr"/>
+          <a:bodyPr lIns="0" tIns="0" rIns="0" bIns="0" anchor="ctr"/>
+          <a:lstStyle/>
           <a:p>
             <a:endParaRPr/>
           </a:p>
@@ -2263,7 +2488,8 @@
           </a:prstGeom>
         </p:spPr>
         <p:txBody>
-          <a:bodyPr lIns="0" rIns="0" tIns="0" bIns="0"/>
+          <a:bodyPr lIns="0" tIns="0" rIns="0" bIns="0"/>
+          <a:lstStyle/>
           <a:p>
             <a:endParaRPr/>
           </a:p>
@@ -2289,7 +2515,8 @@
           </a:prstGeom>
         </p:spPr>
         <p:txBody>
-          <a:bodyPr lIns="0" rIns="0" tIns="0" bIns="0"/>
+          <a:bodyPr lIns="0" tIns="0" rIns="0" bIns="0"/>
+          <a:lstStyle/>
           <a:p>
             <a:endParaRPr/>
           </a:p>
@@ -2315,7 +2542,8 @@
           </a:prstGeom>
         </p:spPr>
         <p:txBody>
-          <a:bodyPr lIns="0" rIns="0" tIns="0" bIns="0"/>
+          <a:bodyPr lIns="0" tIns="0" rIns="0" bIns="0"/>
+          <a:lstStyle/>
           <a:p>
             <a:endParaRPr/>
           </a:p>
@@ -2323,17 +2551,21 @@
       </p:sp>
     </p:spTree>
   </p:cSld>
+  <p:clrMapOvr>
+    <a:masterClrMapping/>
+  </p:clrMapOvr>
 </p:sldLayout>
 </file>
 
 <file path=ppt/slideMasters/slideMaster1.xml><?xml version="1.0" encoding="utf-8"?>
-<p:sldMaster xmlns:a="http://schemas.openxmlformats.org/drawingml/2006/main" xmlns:p="http://schemas.openxmlformats.org/presentationml/2006/main" xmlns:r="http://schemas.openxmlformats.org/officeDocument/2006/relationships">
+<p:sldMaster xmlns:a="http://schemas.openxmlformats.org/drawingml/2006/main" xmlns:r="http://schemas.openxmlformats.org/officeDocument/2006/relationships" xmlns:p="http://schemas.openxmlformats.org/presentationml/2006/main">
   <p:cSld>
     <p:bg>
       <p:bgPr>
         <a:solidFill>
-          <a:srgbClr val="ffffff"/>
+          <a:srgbClr val="FFFFFF"/>
         </a:solidFill>
+        <a:effectLst/>
       </p:bgPr>
     </p:bg>
     <p:spTree>
@@ -2352,7 +2584,7 @@
       </p:grpSpPr>
       <p:sp>
         <p:nvSpPr>
-          <p:cNvPr id="0" name="PlaceHolder 1"/>
+          <p:cNvPr id="5" name="PlaceHolder 1"/>
           <p:cNvSpPr>
             <a:spLocks noGrp="1"/>
           </p:cNvSpPr>
@@ -2371,6 +2603,7 @@
         </p:spPr>
         <p:txBody>
           <a:bodyPr anchor="ctr"/>
+          <a:lstStyle/>
           <a:p>
             <a:pPr algn="ctr">
               <a:lnSpc>
@@ -2392,7 +2625,7 @@
       </p:sp>
       <p:sp>
         <p:nvSpPr>
-          <p:cNvPr id="1" name="PlaceHolder 2"/>
+          <p:cNvPr id="6" name="PlaceHolder 2"/>
           <p:cNvSpPr>
             <a:spLocks noGrp="1"/>
           </p:cNvSpPr>
@@ -2411,6 +2644,7 @@
         </p:spPr>
         <p:txBody>
           <a:bodyPr anchor="ctr"/>
+          <a:lstStyle/>
           <a:p>
             <a:pPr>
               <a:lnSpc>
@@ -2420,7 +2654,7 @@
             <a:r>
               <a:rPr lang="en-GB" sz="1200">
                 <a:solidFill>
-                  <a:srgbClr val="8b8b8b"/>
+                  <a:srgbClr val="8B8B8B"/>
                 </a:solidFill>
                 <a:latin typeface="Calibri"/>
               </a:rPr>
@@ -2451,6 +2685,7 @@
         </p:spPr>
         <p:txBody>
           <a:bodyPr anchor="ctr"/>
+          <a:lstStyle/>
           <a:p>
             <a:endParaRPr/>
           </a:p>
@@ -2477,6 +2712,7 @@
         </p:spPr>
         <p:txBody>
           <a:bodyPr anchor="ctr"/>
+          <a:lstStyle/>
           <a:p>
             <a:pPr algn="r">
               <a:lnSpc>
@@ -2486,11 +2722,16 @@
             <a:fld id="{6E969A13-7902-48EE-BDED-9E9A8527065C}" type="slidenum">
               <a:rPr lang="en-GB" sz="1200">
                 <a:solidFill>
-                  <a:srgbClr val="8b8b8b"/>
-                </a:solidFill>
-                <a:latin typeface="Calibri"/>
-              </a:rPr>
-              <a:t>&lt;number&gt;</a:t>
+                  <a:srgbClr val="8B8B8B"/>
+                </a:solidFill>
+                <a:latin typeface="Calibri"/>
+              </a:rPr>
+              <a:pPr algn="r">
+                <a:lnSpc>
+                  <a:spcPct val="100000"/>
+                </a:lnSpc>
+              </a:pPr>
+              <a:t>‹#›</a:t>
             </a:fld>
             <a:endParaRPr/>
           </a:p>
@@ -2516,7 +2757,8 @@
           </a:prstGeom>
         </p:spPr>
         <p:txBody>
-          <a:bodyPr lIns="0" rIns="0" tIns="0" bIns="0"/>
+          <a:bodyPr lIns="0" tIns="0" rIns="0" bIns="0"/>
+          <a:lstStyle/>
           <a:p>
             <a:pPr>
               <a:buSzPct val="45000"/>
@@ -2619,32 +2861,38 @@
       </p:sp>
     </p:spTree>
   </p:cSld>
-  <p:clrMap bg1="lt1" bg2="lt2" tx1="dk1" tx2="dk2" accent1="accent1" accent2="accent2" accent3="accent3" accent4="accent4" accent5="accent5" accent6="accent6" hlink="hlink" folHlink="folHlink"/>
+  <p:clrMap bg1="lt1" tx1="dk1" bg2="lt2" tx2="dk2" accent1="accent1" accent2="accent2" accent3="accent3" accent4="accent4" accent5="accent5" accent6="accent6" hlink="hlink" folHlink="folHlink"/>
   <p:sldLayoutIdLst>
-    <p:sldLayoutId id="2147483649" r:id="rId2"/>
-    <p:sldLayoutId id="2147483650" r:id="rId3"/>
-    <p:sldLayoutId id="2147483651" r:id="rId4"/>
-    <p:sldLayoutId id="2147483652" r:id="rId5"/>
-    <p:sldLayoutId id="2147483653" r:id="rId6"/>
-    <p:sldLayoutId id="2147483654" r:id="rId7"/>
-    <p:sldLayoutId id="2147483655" r:id="rId8"/>
-    <p:sldLayoutId id="2147483656" r:id="rId9"/>
-    <p:sldLayoutId id="2147483657" r:id="rId10"/>
-    <p:sldLayoutId id="2147483658" r:id="rId11"/>
-    <p:sldLayoutId id="2147483659" r:id="rId12"/>
-    <p:sldLayoutId id="2147483660" r:id="rId13"/>
+    <p:sldLayoutId id="2147483649" r:id="rId1"/>
+    <p:sldLayoutId id="2147483650" r:id="rId2"/>
+    <p:sldLayoutId id="2147483651" r:id="rId3"/>
+    <p:sldLayoutId id="2147483652" r:id="rId4"/>
+    <p:sldLayoutId id="2147483653" r:id="rId5"/>
+    <p:sldLayoutId id="2147483654" r:id="rId6"/>
+    <p:sldLayoutId id="2147483655" r:id="rId7"/>
+    <p:sldLayoutId id="2147483656" r:id="rId8"/>
+    <p:sldLayoutId id="2147483657" r:id="rId9"/>
+    <p:sldLayoutId id="2147483658" r:id="rId10"/>
+    <p:sldLayoutId id="2147483659" r:id="rId11"/>
+    <p:sldLayoutId id="2147483660" r:id="rId12"/>
   </p:sldLayoutIdLst>
+  <p:txStyles>
+    <p:titleStyle/>
+    <p:bodyStyle/>
+    <p:otherStyle/>
+  </p:txStyles>
 </p:sldMaster>
 </file>
 
 <file path=ppt/slideMasters/slideMaster2.xml><?xml version="1.0" encoding="utf-8"?>
-<p:sldMaster xmlns:a="http://schemas.openxmlformats.org/drawingml/2006/main" xmlns:p="http://schemas.openxmlformats.org/presentationml/2006/main" xmlns:r="http://schemas.openxmlformats.org/officeDocument/2006/relationships">
+<p:sldMaster xmlns:a="http://schemas.openxmlformats.org/drawingml/2006/main" xmlns:r="http://schemas.openxmlformats.org/officeDocument/2006/relationships" xmlns:p="http://schemas.openxmlformats.org/presentationml/2006/main">
   <p:cSld>
     <p:bg>
       <p:bgPr>
         <a:solidFill>
-          <a:srgbClr val="ffffff"/>
+          <a:srgbClr val="FFFFFF"/>
         </a:solidFill>
+        <a:effectLst/>
       </p:bgPr>
     </p:bg>
     <p:spTree>
@@ -2682,6 +2930,7 @@
         </p:spPr>
         <p:txBody>
           <a:bodyPr anchor="ctr"/>
+          <a:lstStyle/>
           <a:p>
             <a:pPr algn="ctr">
               <a:lnSpc>
@@ -2722,6 +2971,7 @@
         </p:spPr>
         <p:txBody>
           <a:bodyPr/>
+          <a:lstStyle/>
           <a:p>
             <a:pPr>
               <a:buSzPct val="45000"/>
@@ -2942,6 +3192,7 @@
         </p:spPr>
         <p:txBody>
           <a:bodyPr anchor="ctr"/>
+          <a:lstStyle/>
           <a:p>
             <a:pPr>
               <a:lnSpc>
@@ -2951,7 +3202,7 @@
             <a:r>
               <a:rPr lang="en-GB" sz="1200">
                 <a:solidFill>
-                  <a:srgbClr val="8b8b8b"/>
+                  <a:srgbClr val="8B8B8B"/>
                 </a:solidFill>
                 <a:latin typeface="Calibri"/>
               </a:rPr>
@@ -2982,6 +3233,7 @@
         </p:spPr>
         <p:txBody>
           <a:bodyPr anchor="ctr"/>
+          <a:lstStyle/>
           <a:p>
             <a:endParaRPr/>
           </a:p>
@@ -3008,6 +3260,7 @@
         </p:spPr>
         <p:txBody>
           <a:bodyPr anchor="ctr"/>
+          <a:lstStyle/>
           <a:p>
             <a:pPr algn="r">
               <a:lnSpc>
@@ -3017,11 +3270,16 @@
             <a:fld id="{E184BC97-FB52-489C-B946-8583397CBAFF}" type="slidenum">
               <a:rPr lang="en-GB" sz="1200">
                 <a:solidFill>
-                  <a:srgbClr val="8b8b8b"/>
-                </a:solidFill>
-                <a:latin typeface="Calibri"/>
-              </a:rPr>
-              <a:t>&lt;number&gt;</a:t>
+                  <a:srgbClr val="8B8B8B"/>
+                </a:solidFill>
+                <a:latin typeface="Calibri"/>
+              </a:rPr>
+              <a:pPr algn="r">
+                <a:lnSpc>
+                  <a:spcPct val="100000"/>
+                </a:lnSpc>
+              </a:pPr>
+              <a:t>‹#›</a:t>
             </a:fld>
             <a:endParaRPr/>
           </a:p>
@@ -3029,26 +3287,31 @@
       </p:sp>
     </p:spTree>
   </p:cSld>
-  <p:clrMap bg1="lt1" bg2="lt2" tx1="dk1" tx2="dk2" accent1="accent1" accent2="accent2" accent3="accent3" accent4="accent4" accent5="accent5" accent6="accent6" hlink="hlink" folHlink="folHlink"/>
+  <p:clrMap bg1="lt1" tx1="dk1" bg2="lt2" tx2="dk2" accent1="accent1" accent2="accent2" accent3="accent3" accent4="accent4" accent5="accent5" accent6="accent6" hlink="hlink" folHlink="folHlink"/>
   <p:sldLayoutIdLst>
-    <p:sldLayoutId id="2147483662" r:id="rId2"/>
-    <p:sldLayoutId id="2147483663" r:id="rId3"/>
-    <p:sldLayoutId id="2147483664" r:id="rId4"/>
-    <p:sldLayoutId id="2147483665" r:id="rId5"/>
-    <p:sldLayoutId id="2147483666" r:id="rId6"/>
-    <p:sldLayoutId id="2147483667" r:id="rId7"/>
-    <p:sldLayoutId id="2147483668" r:id="rId8"/>
-    <p:sldLayoutId id="2147483669" r:id="rId9"/>
-    <p:sldLayoutId id="2147483670" r:id="rId10"/>
-    <p:sldLayoutId id="2147483671" r:id="rId11"/>
-    <p:sldLayoutId id="2147483672" r:id="rId12"/>
-    <p:sldLayoutId id="2147483673" r:id="rId13"/>
+    <p:sldLayoutId id="2147483662" r:id="rId1"/>
+    <p:sldLayoutId id="2147483663" r:id="rId2"/>
+    <p:sldLayoutId id="2147483664" r:id="rId3"/>
+    <p:sldLayoutId id="2147483665" r:id="rId4"/>
+    <p:sldLayoutId id="2147483666" r:id="rId5"/>
+    <p:sldLayoutId id="2147483667" r:id="rId6"/>
+    <p:sldLayoutId id="2147483668" r:id="rId7"/>
+    <p:sldLayoutId id="2147483669" r:id="rId8"/>
+    <p:sldLayoutId id="2147483670" r:id="rId9"/>
+    <p:sldLayoutId id="2147483671" r:id="rId10"/>
+    <p:sldLayoutId id="2147483672" r:id="rId11"/>
+    <p:sldLayoutId id="2147483673" r:id="rId12"/>
   </p:sldLayoutIdLst>
+  <p:txStyles>
+    <p:titleStyle/>
+    <p:bodyStyle/>
+    <p:otherStyle/>
+  </p:txStyles>
 </p:sldMaster>
 </file>
 
 <file path=ppt/slides/slide1.xml><?xml version="1.0" encoding="utf-8"?>
-<p:sld xmlns:a="http://schemas.openxmlformats.org/drawingml/2006/main" xmlns:p="http://schemas.openxmlformats.org/presentationml/2006/main" xmlns:r="http://schemas.openxmlformats.org/officeDocument/2006/relationships">
+<p:sld xmlns:a="http://schemas.openxmlformats.org/drawingml/2006/main" xmlns:r="http://schemas.openxmlformats.org/officeDocument/2006/relationships" xmlns:p="http://schemas.openxmlformats.org/presentationml/2006/main">
   <p:cSld>
     <p:spTree>
       <p:nvGrpSpPr>
@@ -3081,6 +3344,7 @@
         </p:spPr>
         <p:txBody>
           <a:bodyPr anchor="ctr"/>
+          <a:lstStyle/>
           <a:p>
             <a:pPr algn="ctr">
               <a:lnSpc>
@@ -3088,32 +3352,14 @@
               </a:lnSpc>
             </a:pPr>
             <a:r>
-              <a:rPr b="1" lang="en-US" sz="4400" u="sng">
-                <a:solidFill>
-                  <a:srgbClr val="000000"/>
-                </a:solidFill>
-                <a:latin typeface="Calibri"/>
-              </a:rPr>
-              <a:t>HOME AUTOMATION</a:t>
-            </a:r>
-            <a:r>
-              <a:rPr b="1" lang="en-US" sz="4400" u="sng">
-                <a:solidFill>
-                  <a:srgbClr val="000000"/>
-                </a:solidFill>
-                <a:latin typeface="Calibri"/>
-              </a:rPr>
-              <a:t>
-</a:t>
-            </a:r>
-            <a:r>
-              <a:rPr b="1" lang="en-US" sz="4400" u="sng">
-                <a:solidFill>
-                  <a:srgbClr val="000000"/>
-                </a:solidFill>
-                <a:latin typeface="Calibri"/>
-              </a:rPr>
-              <a:t>SYSTEM</a:t>
+              <a:rPr lang="en-US" sz="4400" b="1" u="sng">
+                <a:solidFill>
+                  <a:srgbClr val="000000"/>
+                </a:solidFill>
+                <a:latin typeface="Calibri"/>
+              </a:rPr>
+              <a:t>HOME AUTOMATION
+SYSTEM</a:t>
             </a:r>
             <a:endParaRPr/>
           </a:p>
@@ -3128,7 +3374,7 @@
         <p:spPr>
           <a:xfrm>
             <a:off x="1143000" y="3048120"/>
-            <a:ext cx="7467120" cy="3123720"/>
+            <a:ext cx="7620000" cy="3428880"/>
           </a:xfrm>
           <a:prstGeom prst="rect">
             <a:avLst/>
@@ -3136,6 +3382,7 @@
         </p:spPr>
         <p:txBody>
           <a:bodyPr/>
+          <a:lstStyle/>
           <a:p>
             <a:pPr algn="r">
               <a:lnSpc>
@@ -3143,7 +3390,7 @@
               </a:lnSpc>
             </a:pPr>
             <a:r>
-              <a:rPr b="1" lang="en-GB" sz="5100" u="sng">
+              <a:rPr lang="en-GB" sz="1600" b="1" u="sng" dirty="0">
                 <a:solidFill>
                   <a:srgbClr val="000000"/>
                 </a:solidFill>
@@ -3151,7 +3398,7 @@
               </a:rPr>
               <a:t>TEAM MEMBERS:-</a:t>
             </a:r>
-            <a:endParaRPr/>
+            <a:endParaRPr sz="1600" dirty="0"/>
           </a:p>
           <a:p>
             <a:pPr algn="r">
@@ -3160,7 +3407,7 @@
               </a:lnSpc>
             </a:pPr>
             <a:r>
-              <a:rPr b="1" lang="en-GB" sz="5100">
+              <a:rPr lang="en-GB" sz="1600" b="1" dirty="0">
                 <a:solidFill>
                   <a:srgbClr val="000000"/>
                 </a:solidFill>
@@ -3168,7 +3415,7 @@
               </a:rPr>
               <a:t>DEEPAK J PUTHUKKADEN-20</a:t>
             </a:r>
-            <a:endParaRPr/>
+            <a:endParaRPr sz="1600" dirty="0"/>
           </a:p>
           <a:p>
             <a:pPr algn="r">
@@ -3177,7 +3424,7 @@
               </a:lnSpc>
             </a:pPr>
             <a:r>
-              <a:rPr b="1" lang="en-GB" sz="5100">
+              <a:rPr lang="en-GB" sz="1600" b="1" dirty="0">
                 <a:solidFill>
                   <a:srgbClr val="000000"/>
                 </a:solidFill>
@@ -3185,7 +3432,7 @@
               </a:rPr>
               <a:t>GIRIDHAR A K-31</a:t>
             </a:r>
-            <a:endParaRPr/>
+            <a:endParaRPr sz="1600" dirty="0"/>
           </a:p>
           <a:p>
             <a:pPr algn="r">
@@ -3194,7 +3441,7 @@
               </a:lnSpc>
             </a:pPr>
             <a:r>
-              <a:rPr b="1" lang="en-GB" sz="5100">
+              <a:rPr lang="en-GB" sz="1600" b="1" dirty="0">
                 <a:solidFill>
                   <a:srgbClr val="000000"/>
                 </a:solidFill>
@@ -3202,7 +3449,7 @@
               </a:rPr>
               <a:t>GOVINDH B-32</a:t>
             </a:r>
-            <a:endParaRPr/>
+            <a:endParaRPr sz="1600" dirty="0"/>
           </a:p>
           <a:p>
             <a:pPr algn="r">
@@ -3211,7 +3458,7 @@
               </a:lnSpc>
             </a:pPr>
             <a:r>
-              <a:rPr b="1" lang="en-GB" sz="5100">
+              <a:rPr lang="en-GB" sz="1600" b="1" dirty="0">
                 <a:solidFill>
                   <a:srgbClr val="000000"/>
                 </a:solidFill>
@@ -3219,7 +3466,7 @@
               </a:rPr>
               <a:t>ROHIT SREEKUMAR-53</a:t>
             </a:r>
-            <a:endParaRPr/>
+            <a:endParaRPr sz="1600" dirty="0"/>
           </a:p>
           <a:p>
             <a:pPr algn="r">
@@ -3228,7 +3475,7 @@
               </a:lnSpc>
             </a:pPr>
             <a:r>
-              <a:rPr b="1" lang="en-GB" sz="5100">
+              <a:rPr lang="en-GB" sz="1600" b="1" dirty="0">
                 <a:solidFill>
                   <a:srgbClr val="000000"/>
                 </a:solidFill>
@@ -3236,7 +3483,7 @@
               </a:rPr>
               <a:t>SHINE ALI-59</a:t>
             </a:r>
-            <a:endParaRPr/>
+            <a:endParaRPr sz="1600" dirty="0"/>
           </a:p>
           <a:p>
             <a:pPr algn="r">
@@ -3244,7 +3491,7 @@
                 <a:spcPct val="100000"/>
               </a:lnSpc>
             </a:pPr>
-            <a:endParaRPr/>
+            <a:endParaRPr sz="1600" dirty="0"/>
           </a:p>
           <a:p>
             <a:pPr algn="r">
@@ -3252,12 +3499,15 @@
                 <a:spcPct val="100000"/>
               </a:lnSpc>
             </a:pPr>
-            <a:endParaRPr/>
+            <a:endParaRPr dirty="0"/>
           </a:p>
         </p:txBody>
       </p:sp>
     </p:spTree>
   </p:cSld>
+  <p:clrMapOvr>
+    <a:masterClrMapping/>
+  </p:clrMapOvr>
   <p:timing>
     <p:tnLst>
       <p:par>
@@ -3266,14 +3516,14 @@
             <p:seq>
               <p:cTn id="2" nodeType="mainSeq"/>
               <p:prevCondLst>
-                <p:cond delay="0" evt="onPrev">
+                <p:cond evt="onPrev" delay="0">
                   <p:tgtEl>
                     <p:sldTgt/>
                   </p:tgtEl>
                 </p:cond>
               </p:prevCondLst>
               <p:nextCondLst>
-                <p:cond delay="0" evt="onNext">
+                <p:cond evt="onNext" delay="0">
                   <p:tgtEl>
                     <p:sldTgt/>
                   </p:tgtEl>
@@ -3289,7 +3539,7 @@
 </file>
 
 <file path=ppt/slides/slide10.xml><?xml version="1.0" encoding="utf-8"?>
-<p:sld xmlns:a="http://schemas.openxmlformats.org/drawingml/2006/main" xmlns:p="http://schemas.openxmlformats.org/presentationml/2006/main" xmlns:r="http://schemas.openxmlformats.org/officeDocument/2006/relationships">
+<p:sld xmlns:a="http://schemas.openxmlformats.org/drawingml/2006/main" xmlns:r="http://schemas.openxmlformats.org/officeDocument/2006/relationships" xmlns:p="http://schemas.openxmlformats.org/presentationml/2006/main">
   <p:cSld>
     <p:spTree>
       <p:nvGrpSpPr>
@@ -3322,6 +3572,7 @@
         </p:spPr>
         <p:txBody>
           <a:bodyPr anchor="ctr"/>
+          <a:lstStyle/>
           <a:p>
             <a:pPr algn="ctr">
               <a:lnSpc>
@@ -3329,7 +3580,7 @@
               </a:lnSpc>
             </a:pPr>
             <a:r>
-              <a:rPr b="1" lang="en-US" sz="2400" u="sng">
+              <a:rPr lang="en-US" sz="2400" b="1" u="sng">
                 <a:solidFill>
                   <a:srgbClr val="000000"/>
                 </a:solidFill>
@@ -3349,7 +3600,7 @@
         </p:nvGraphicFramePr>
         <p:xfrm>
           <a:off x="228600" y="990720"/>
-          <a:ext cx="8686440" cy="5486040"/>
+          <a:ext cx="8686800" cy="5587200"/>
         </p:xfrm>
         <a:graphic>
           <a:graphicData uri="http://schemas.openxmlformats.org/drawingml/2006/table">
@@ -3363,6 +3614,7 @@
                 <a:tc>
                   <a:txBody>
                     <a:bodyPr/>
+                    <a:lstStyle/>
                     <a:p>
                       <a:pPr>
                         <a:lnSpc>
@@ -3376,264 +3628,19 @@
                           </a:solidFill>
                           <a:latin typeface="Calibri"/>
                         </a:rPr>
-                        <a:t>#define pcinput A0</a:t>
-                      </a:r>
-                      <a:r>
-                        <a:rPr lang="en-GB" sz="1600">
-                          <a:solidFill>
-                            <a:srgbClr val="000000"/>
-                          </a:solidFill>
-                          <a:latin typeface="Calibri"/>
-                        </a:rPr>
-                        <a:t>
-</a:t>
-                      </a:r>
-                      <a:r>
-                        <a:rPr lang="en-GB" sz="1600">
-                          <a:solidFill>
-                            <a:srgbClr val="000000"/>
-                          </a:solidFill>
-                          <a:latin typeface="Calibri"/>
-                        </a:rPr>
-                        <a:t>#define pcoutput 9</a:t>
-                      </a:r>
-                      <a:r>
-                        <a:rPr lang="en-GB" sz="1600">
-                          <a:solidFill>
-                            <a:srgbClr val="000000"/>
-                          </a:solidFill>
-                          <a:latin typeface="Calibri"/>
-                        </a:rPr>
-                        <a:t>
-</a:t>
-                      </a:r>
-                      <a:r>
-                        <a:rPr lang="en-GB" sz="1600">
-                          <a:solidFill>
-                            <a:srgbClr val="000000"/>
-                          </a:solidFill>
-                          <a:latin typeface="Calibri"/>
-                        </a:rPr>
-                        <a:t>#define pclinterrupt A1</a:t>
-                      </a:r>
-                      <a:r>
-                        <a:rPr lang="en-GB" sz="1600">
-                          <a:solidFill>
-                            <a:srgbClr val="000000"/>
-                          </a:solidFill>
-                          <a:latin typeface="Calibri"/>
-                        </a:rPr>
-                        <a:t>
-</a:t>
-                      </a:r>
-                      <a:r>
-                        <a:rPr lang="en-GB" sz="1600">
-                          <a:solidFill>
-                            <a:srgbClr val="000000"/>
-                          </a:solidFill>
-                          <a:latin typeface="Calibri"/>
-                        </a:rPr>
-                        <a:t>#define pcloverride A2</a:t>
-                      </a:r>
-                      <a:r>
-                        <a:rPr lang="en-GB" sz="1600">
-                          <a:solidFill>
-                            <a:srgbClr val="000000"/>
-                          </a:solidFill>
-                          <a:latin typeface="Calibri"/>
-                        </a:rPr>
-                        <a:t>
-</a:t>
-                      </a:r>
-                      <a:r>
-                        <a:rPr lang="en-GB" sz="1600">
-                          <a:solidFill>
-                            <a:srgbClr val="000000"/>
-                          </a:solidFill>
-                          <a:latin typeface="Calibri"/>
-                        </a:rPr>
-                        <a:t>
-</a:t>
-                      </a:r>
-                      <a:r>
-                        <a:rPr lang="en-GB" sz="1600">
-                          <a:solidFill>
-                            <a:srgbClr val="000000"/>
-                          </a:solidFill>
-                          <a:latin typeface="Calibri"/>
-                        </a:rPr>
-                        <a:t>int pcsensor,pcstate;</a:t>
-                      </a:r>
-                      <a:r>
-                        <a:rPr lang="en-GB" sz="1600">
-                          <a:solidFill>
-                            <a:srgbClr val="000000"/>
-                          </a:solidFill>
-                          <a:latin typeface="Calibri"/>
-                        </a:rPr>
-                        <a:t>
-</a:t>
-                      </a:r>
-                      <a:r>
-                        <a:rPr lang="en-GB" sz="1600">
-                          <a:solidFill>
-                            <a:srgbClr val="000000"/>
-                          </a:solidFill>
-                          <a:latin typeface="Calibri"/>
-                        </a:rPr>
-                        <a:t>
-</a:t>
-                      </a:r>
-                      <a:r>
-                        <a:rPr lang="en-GB" sz="1600">
-                          <a:solidFill>
-                            <a:srgbClr val="000000"/>
-                          </a:solidFill>
-                          <a:latin typeface="Calibri"/>
-                        </a:rPr>
-                        <a:t>void setup()</a:t>
-                      </a:r>
-                      <a:r>
-                        <a:rPr lang="en-GB" sz="1600">
-                          <a:solidFill>
-                            <a:srgbClr val="000000"/>
-                          </a:solidFill>
-                          <a:latin typeface="Calibri"/>
-                        </a:rPr>
-                        <a:t>
-</a:t>
-                      </a:r>
-                      <a:r>
-                        <a:rPr lang="en-GB" sz="1600">
-                          <a:solidFill>
-                            <a:srgbClr val="000000"/>
-                          </a:solidFill>
-                          <a:latin typeface="Calibri"/>
-                        </a:rPr>
-                        <a:t>{</a:t>
-                      </a:r>
-                      <a:r>
-                        <a:rPr lang="en-GB" sz="1600">
-                          <a:solidFill>
-                            <a:srgbClr val="000000"/>
-                          </a:solidFill>
-                          <a:latin typeface="Calibri"/>
-                        </a:rPr>
-                        <a:t>
-</a:t>
-                      </a:r>
-                      <a:r>
-                        <a:rPr lang="en-GB" sz="1600">
-                          <a:solidFill>
-                            <a:srgbClr val="000000"/>
-                          </a:solidFill>
-                          <a:latin typeface="Calibri"/>
-                        </a:rPr>
-                        <a:t>  Serial.begin(9600);</a:t>
-                      </a:r>
-                      <a:r>
-                        <a:rPr lang="en-GB" sz="1600">
-                          <a:solidFill>
-                            <a:srgbClr val="000000"/>
-                          </a:solidFill>
-                          <a:latin typeface="Calibri"/>
-                        </a:rPr>
-                        <a:t>
-</a:t>
-                      </a:r>
-                      <a:r>
-                        <a:rPr lang="en-GB" sz="1600">
-                          <a:solidFill>
-                            <a:srgbClr val="000000"/>
-                          </a:solidFill>
-                          <a:latin typeface="Calibri"/>
-                        </a:rPr>
-                        <a:t>  pinMode(pcinput,INPUT);</a:t>
-                      </a:r>
-                      <a:r>
-                        <a:rPr lang="en-GB" sz="1600">
-                          <a:solidFill>
-                            <a:srgbClr val="000000"/>
-                          </a:solidFill>
-                          <a:latin typeface="Calibri"/>
-                        </a:rPr>
-                        <a:t>
-</a:t>
-                      </a:r>
-                      <a:r>
-                        <a:rPr lang="en-GB" sz="1600">
-                          <a:solidFill>
-                            <a:srgbClr val="000000"/>
-                          </a:solidFill>
-                          <a:latin typeface="Calibri"/>
-                        </a:rPr>
-                        <a:t>  pinMode(pcoutput,OUTPUT);</a:t>
-                      </a:r>
-                      <a:r>
-                        <a:rPr lang="en-GB" sz="1600">
-                          <a:solidFill>
-                            <a:srgbClr val="000000"/>
-                          </a:solidFill>
-                          <a:latin typeface="Calibri"/>
-                        </a:rPr>
-                        <a:t>
-</a:t>
-                      </a:r>
-                      <a:r>
-                        <a:rPr lang="en-GB" sz="1600">
-                          <a:solidFill>
-                            <a:srgbClr val="000000"/>
-                          </a:solidFill>
-                          <a:latin typeface="Calibri"/>
-                        </a:rPr>
-                        <a:t>  pcsensor = digitalRead(pcinput);</a:t>
-                      </a:r>
-                      <a:r>
-                        <a:rPr lang="en-GB" sz="1600">
-                          <a:solidFill>
-                            <a:srgbClr val="000000"/>
-                          </a:solidFill>
-                          <a:latin typeface="Calibri"/>
-                        </a:rPr>
-                        <a:t>
-</a:t>
-                      </a:r>
-                      <a:r>
-                        <a:rPr lang="en-GB" sz="1600">
-                          <a:solidFill>
-                            <a:srgbClr val="000000"/>
-                          </a:solidFill>
-                          <a:latin typeface="Calibri"/>
-                        </a:rPr>
-                        <a:t>  pcstate = pcinput;</a:t>
-                      </a:r>
-                      <a:r>
-                        <a:rPr lang="en-GB" sz="1600">
-                          <a:solidFill>
-                            <a:srgbClr val="000000"/>
-                          </a:solidFill>
-                          <a:latin typeface="Calibri"/>
-                        </a:rPr>
-                        <a:t>
-</a:t>
-                      </a:r>
-                      <a:r>
-                        <a:rPr lang="en-GB" sz="1600">
-                          <a:solidFill>
-                            <a:srgbClr val="000000"/>
-                          </a:solidFill>
-                          <a:latin typeface="Calibri"/>
-                        </a:rPr>
-                        <a:t>}</a:t>
-                      </a:r>
-                      <a:r>
-                        <a:rPr lang="en-GB" sz="1600">
-                          <a:solidFill>
-                            <a:srgbClr val="000000"/>
-                          </a:solidFill>
-                          <a:latin typeface="Calibri"/>
-                        </a:rPr>
-                        <a:t>
+                        <a:t>#define pcinput A0
+#define pcoutput 9
+#define pclinterrupt A1
+#define pcloverride A2
+int pcsensor,pcstate;
+void setup()
+{
+  Serial.begin(9600);
+  pinMode(pcinput,INPUT);
+  pinMode(pcoutput,OUTPUT);
+  pcsensor = digitalRead(pcinput);
+  pcstate = pcinput;
+}
 </a:t>
                       </a:r>
                       <a:r>
@@ -3654,6 +3661,7 @@
                 <a:tc>
                   <a:txBody>
                     <a:bodyPr/>
+                    <a:lstStyle/>
                     <a:p>
                       <a:pPr>
                         <a:lnSpc>
@@ -3667,368 +3675,26 @@
                           </a:solidFill>
                           <a:latin typeface="Calibri"/>
                         </a:rPr>
-                        <a:t>void loop()</a:t>
-                      </a:r>
-                      <a:r>
-                        <a:rPr lang="en-GB" sz="1600">
-                          <a:solidFill>
-                            <a:srgbClr val="000000"/>
-                          </a:solidFill>
-                          <a:latin typeface="Calibri"/>
-                        </a:rPr>
-                        <a:t>
-</a:t>
-                      </a:r>
-                      <a:r>
-                        <a:rPr lang="en-GB" sz="1600">
-                          <a:solidFill>
-                            <a:srgbClr val="000000"/>
-                          </a:solidFill>
-                          <a:latin typeface="Calibri"/>
-                        </a:rPr>
-                        <a:t>{</a:t>
-                      </a:r>
-                      <a:r>
-                        <a:rPr lang="en-GB" sz="1600">
-                          <a:solidFill>
-                            <a:srgbClr val="000000"/>
-                          </a:solidFill>
-                          <a:latin typeface="Calibri"/>
-                        </a:rPr>
-                        <a:t>
-</a:t>
-                      </a:r>
-                      <a:r>
-                        <a:rPr lang="en-GB" sz="1600">
-                          <a:solidFill>
-                            <a:srgbClr val="000000"/>
-                          </a:solidFill>
-                          <a:latin typeface="Calibri"/>
-                        </a:rPr>
-                        <a:t>  pcsensor = digitalRead(pcinput);</a:t>
-                      </a:r>
-                      <a:r>
-                        <a:rPr lang="en-GB" sz="1600">
-                          <a:solidFill>
-                            <a:srgbClr val="000000"/>
-                          </a:solidFill>
-                          <a:latin typeface="Calibri"/>
-                        </a:rPr>
-                        <a:t>
-</a:t>
-                      </a:r>
-                      <a:r>
-                        <a:rPr lang="en-GB" sz="1600">
-                          <a:solidFill>
-                            <a:srgbClr val="000000"/>
-                          </a:solidFill>
-                          <a:latin typeface="Calibri"/>
-                        </a:rPr>
-                        <a:t>  if(pcsensor!=pcstate)</a:t>
-                      </a:r>
-                      <a:r>
-                        <a:rPr lang="en-GB" sz="1600">
-                          <a:solidFill>
-                            <a:srgbClr val="000000"/>
-                          </a:solidFill>
-                          <a:latin typeface="Calibri"/>
-                        </a:rPr>
-                        <a:t>
-</a:t>
-                      </a:r>
-                      <a:r>
-                        <a:rPr lang="en-GB" sz="1600">
-                          <a:solidFill>
-                            <a:srgbClr val="000000"/>
-                          </a:solidFill>
-                          <a:latin typeface="Calibri"/>
-                        </a:rPr>
-                        <a:t>  {</a:t>
-                      </a:r>
-                      <a:r>
-                        <a:rPr lang="en-GB" sz="1600">
-                          <a:solidFill>
-                            <a:srgbClr val="000000"/>
-                          </a:solidFill>
-                          <a:latin typeface="Calibri"/>
-                        </a:rPr>
-                        <a:t>
-</a:t>
-                      </a:r>
-                      <a:r>
-                        <a:rPr lang="en-GB" sz="1600">
-                          <a:solidFill>
-                            <a:srgbClr val="000000"/>
-                          </a:solidFill>
-                          <a:latin typeface="Calibri"/>
-                        </a:rPr>
-                        <a:t>    if(pcsensor == 1)</a:t>
-                      </a:r>
-                      <a:r>
-                        <a:rPr lang="en-GB" sz="1600">
-                          <a:solidFill>
-                            <a:srgbClr val="000000"/>
-                          </a:solidFill>
-                          <a:latin typeface="Calibri"/>
-                        </a:rPr>
-                        <a:t>
-</a:t>
-                      </a:r>
-                      <a:r>
-                        <a:rPr lang="en-GB" sz="1600">
-                          <a:solidFill>
-                            <a:srgbClr val="000000"/>
-                          </a:solidFill>
-                          <a:latin typeface="Calibri"/>
-                        </a:rPr>
-                        <a:t>    { digitalWrite(pcoutput,HIGH);</a:t>
-                      </a:r>
-                      <a:r>
-                        <a:rPr lang="en-GB" sz="1600">
-                          <a:solidFill>
-                            <a:srgbClr val="000000"/>
-                          </a:solidFill>
-                          <a:latin typeface="Calibri"/>
-                        </a:rPr>
-                        <a:t>
-</a:t>
-                      </a:r>
-                      <a:r>
-                        <a:rPr lang="en-GB" sz="1600">
-                          <a:solidFill>
-                            <a:srgbClr val="000000"/>
-                          </a:solidFill>
-                          <a:latin typeface="Calibri"/>
-                        </a:rPr>
-                        <a:t>      Serial.println("Motor is ON");</a:t>
-                      </a:r>
-                      <a:r>
-                        <a:rPr lang="en-GB" sz="1600">
-                          <a:solidFill>
-                            <a:srgbClr val="000000"/>
-                          </a:solidFill>
-                          <a:latin typeface="Calibri"/>
-                        </a:rPr>
-                        <a:t>
-</a:t>
-                      </a:r>
-                      <a:r>
-                        <a:rPr lang="en-GB" sz="1600">
-                          <a:solidFill>
-                            <a:srgbClr val="000000"/>
-                          </a:solidFill>
-                          <a:latin typeface="Calibri"/>
-                        </a:rPr>
-                        <a:t>      pcstate = pcsensor;</a:t>
-                      </a:r>
-                      <a:r>
-                        <a:rPr lang="en-GB" sz="1600">
-                          <a:solidFill>
-                            <a:srgbClr val="000000"/>
-                          </a:solidFill>
-                          <a:latin typeface="Calibri"/>
-                        </a:rPr>
-                        <a:t>
-</a:t>
-                      </a:r>
-                      <a:r>
-                        <a:rPr lang="en-GB" sz="1600">
-                          <a:solidFill>
-                            <a:srgbClr val="000000"/>
-                          </a:solidFill>
-                          <a:latin typeface="Calibri"/>
-                        </a:rPr>
-                        <a:t>    }</a:t>
-                      </a:r>
-                      <a:r>
-                        <a:rPr lang="en-GB" sz="1600">
-                          <a:solidFill>
-                            <a:srgbClr val="000000"/>
-                          </a:solidFill>
-                          <a:latin typeface="Calibri"/>
-                        </a:rPr>
-                        <a:t>
-</a:t>
-                      </a:r>
-                      <a:r>
-                        <a:rPr lang="en-GB" sz="1600">
-                          <a:solidFill>
-                            <a:srgbClr val="000000"/>
-                          </a:solidFill>
-                          <a:latin typeface="Calibri"/>
-                        </a:rPr>
-                        <a:t>    else</a:t>
-                      </a:r>
-                      <a:r>
-                        <a:rPr lang="en-GB" sz="1600">
-                          <a:solidFill>
-                            <a:srgbClr val="000000"/>
-                          </a:solidFill>
-                          <a:latin typeface="Calibri"/>
-                        </a:rPr>
-                        <a:t>
-</a:t>
-                      </a:r>
-                      <a:r>
-                        <a:rPr lang="en-GB" sz="1600">
-                          <a:solidFill>
-                            <a:srgbClr val="000000"/>
-                          </a:solidFill>
-                          <a:latin typeface="Calibri"/>
-                        </a:rPr>
-                        <a:t>    { digitalWrite(pcoutput,LOW);</a:t>
-                      </a:r>
-                      <a:r>
-                        <a:rPr lang="en-GB" sz="1600">
-                          <a:solidFill>
-                            <a:srgbClr val="000000"/>
-                          </a:solidFill>
-                          <a:latin typeface="Calibri"/>
-                        </a:rPr>
-                        <a:t>
-</a:t>
-                      </a:r>
-                      <a:r>
-                        <a:rPr lang="en-GB" sz="1600">
-                          <a:solidFill>
-                            <a:srgbClr val="000000"/>
-                          </a:solidFill>
-                          <a:latin typeface="Calibri"/>
-                        </a:rPr>
-                        <a:t>      Serial.println("Motor is OFF");</a:t>
-                      </a:r>
-                      <a:r>
-                        <a:rPr lang="en-GB" sz="1600">
-                          <a:solidFill>
-                            <a:srgbClr val="000000"/>
-                          </a:solidFill>
-                          <a:latin typeface="Calibri"/>
-                        </a:rPr>
-                        <a:t>
-</a:t>
-                      </a:r>
-                      <a:r>
-                        <a:rPr lang="en-GB" sz="1600">
-                          <a:solidFill>
-                            <a:srgbClr val="000000"/>
-                          </a:solidFill>
-                          <a:latin typeface="Calibri"/>
-                        </a:rPr>
-                        <a:t>      pcstate = pcsensor;</a:t>
-                      </a:r>
-                      <a:r>
-                        <a:rPr lang="en-GB" sz="1600">
-                          <a:solidFill>
-                            <a:srgbClr val="000000"/>
-                          </a:solidFill>
-                          <a:latin typeface="Calibri"/>
-                        </a:rPr>
-                        <a:t>
-</a:t>
-                      </a:r>
-                      <a:r>
-                        <a:rPr lang="en-GB" sz="1600">
-                          <a:solidFill>
-                            <a:srgbClr val="000000"/>
-                          </a:solidFill>
-                          <a:latin typeface="Calibri"/>
-                        </a:rPr>
-                        <a:t>    }</a:t>
-                      </a:r>
-                      <a:r>
-                        <a:rPr lang="en-GB" sz="1600">
-                          <a:solidFill>
-                            <a:srgbClr val="000000"/>
-                          </a:solidFill>
-                          <a:latin typeface="Calibri"/>
-                        </a:rPr>
-                        <a:t>
-</a:t>
-                      </a:r>
-                      <a:r>
-                        <a:rPr lang="en-GB" sz="1600">
-                          <a:solidFill>
-                            <a:srgbClr val="000000"/>
-                          </a:solidFill>
-                          <a:latin typeface="Calibri"/>
-                        </a:rPr>
-                        <a:t>  }</a:t>
-                      </a:r>
-                      <a:r>
-                        <a:rPr lang="en-GB" sz="1600">
-                          <a:solidFill>
-                            <a:srgbClr val="000000"/>
-                          </a:solidFill>
-                          <a:latin typeface="Calibri"/>
-                        </a:rPr>
-                        <a:t>
-</a:t>
-                      </a:r>
-                      <a:r>
-                        <a:rPr lang="en-GB" sz="1600">
-                          <a:solidFill>
-                            <a:srgbClr val="000000"/>
-                          </a:solidFill>
-                          <a:latin typeface="Calibri"/>
-                        </a:rPr>
-                        <a:t>  while(digitalRead(pcinterrupt)) //interrupt function</a:t>
-                      </a:r>
-                      <a:r>
-                        <a:rPr lang="en-GB" sz="1600">
-                          <a:solidFill>
-                            <a:srgbClr val="000000"/>
-                          </a:solidFill>
-                          <a:latin typeface="Calibri"/>
-                        </a:rPr>
-                        <a:t>
-</a:t>
-                      </a:r>
-                      <a:r>
-                        <a:rPr lang="en-GB" sz="1600">
-                          <a:solidFill>
-                            <a:srgbClr val="000000"/>
-                          </a:solidFill>
-                          <a:latin typeface="Calibri"/>
-                        </a:rPr>
-                        <a:t>   digitalWrite(pcoutput,digitalRead(pcoverride));</a:t>
-                      </a:r>
-                      <a:r>
-                        <a:rPr lang="en-GB" sz="1600">
-                          <a:solidFill>
-                            <a:srgbClr val="000000"/>
-                          </a:solidFill>
-                          <a:latin typeface="Calibri"/>
-                        </a:rPr>
-                        <a:t>
-</a:t>
-                      </a:r>
-                      <a:r>
-                        <a:rPr lang="en-GB" sz="1600">
-                          <a:solidFill>
-                            <a:srgbClr val="000000"/>
-                          </a:solidFill>
-                          <a:latin typeface="Calibri"/>
-                        </a:rPr>
-                        <a:t> delay(500);</a:t>
-                      </a:r>
-                      <a:r>
-                        <a:rPr lang="en-GB" sz="1600">
-                          <a:solidFill>
-                            <a:srgbClr val="000000"/>
-                          </a:solidFill>
-                          <a:latin typeface="Calibri"/>
-                        </a:rPr>
-                        <a:t>
-</a:t>
-                      </a:r>
-                      <a:r>
-                        <a:rPr lang="en-GB" sz="1600">
-                          <a:solidFill>
-                            <a:srgbClr val="000000"/>
-                          </a:solidFill>
-                          <a:latin typeface="Calibri"/>
-                        </a:rPr>
-                        <a:t>}</a:t>
+                        <a:t>void loop()
+{
+  pcsensor = digitalRead(pcinput);
+  if(pcsensor!=pcstate)
+  {
+    if(pcsensor == 1)
+    { digitalWrite(pcoutput,HIGH);
+      Serial.println("Motor is ON");
+      pcstate = pcsensor;
+    }
+    else
+    { digitalWrite(pcoutput,LOW);
+      Serial.println("Motor is OFF");
+      pcstate = pcsensor;
+    }
+  }
+  while(digitalRead(pcinterrupt)) //interrupt function
+   digitalWrite(pcoutput,digitalRead(pcoverride));
+ delay(500);
+}</a:t>
                       </a:r>
                       <a:endParaRPr/>
                     </a:p>
@@ -4050,11 +3716,14 @@
       </p:graphicFrame>
     </p:spTree>
   </p:cSld>
+  <p:clrMapOvr>
+    <a:masterClrMapping/>
+  </p:clrMapOvr>
 </p:sld>
 </file>
 
 <file path=ppt/slides/slide11.xml><?xml version="1.0" encoding="utf-8"?>
-<p:sld xmlns:a="http://schemas.openxmlformats.org/drawingml/2006/main" xmlns:p="http://schemas.openxmlformats.org/presentationml/2006/main" xmlns:r="http://schemas.openxmlformats.org/officeDocument/2006/relationships">
+<p:sld xmlns:a="http://schemas.openxmlformats.org/drawingml/2006/main" xmlns:r="http://schemas.openxmlformats.org/officeDocument/2006/relationships" xmlns:p="http://schemas.openxmlformats.org/presentationml/2006/main">
   <p:cSld>
     <p:spTree>
       <p:nvGrpSpPr>
@@ -4087,6 +3756,7 @@
         </p:spPr>
         <p:txBody>
           <a:bodyPr anchor="ctr"/>
+          <a:lstStyle/>
           <a:p>
             <a:pPr algn="ctr">
               <a:lnSpc>
@@ -4094,7 +3764,7 @@
               </a:lnSpc>
             </a:pPr>
             <a:r>
-              <a:rPr b="1" lang="en-US" sz="2400" u="sng">
+              <a:rPr lang="en-US" sz="2400" b="1" u="sng">
                 <a:solidFill>
                   <a:srgbClr val="000000"/>
                 </a:solidFill>
@@ -4108,12 +3778,12 @@
       </p:sp>
       <p:pic>
         <p:nvPicPr>
-          <p:cNvPr id="114" name="Content Placeholder 3" descr=""/>
+          <p:cNvPr id="114" name="Content Placeholder 3"/>
           <p:cNvPicPr/>
           <p:nvPr/>
         </p:nvPicPr>
         <p:blipFill>
-          <a:blip r:embed="rId1"/>
+          <a:blip r:embed="rId2" cstate="print"/>
           <a:stretch>
             <a:fillRect/>
           </a:stretch>
@@ -4133,11 +3803,14 @@
       </p:pic>
     </p:spTree>
   </p:cSld>
+  <p:clrMapOvr>
+    <a:masterClrMapping/>
+  </p:clrMapOvr>
 </p:sld>
 </file>
 
 <file path=ppt/slides/slide12.xml><?xml version="1.0" encoding="utf-8"?>
-<p:sld xmlns:a="http://schemas.openxmlformats.org/drawingml/2006/main" xmlns:p="http://schemas.openxmlformats.org/presentationml/2006/main" xmlns:r="http://schemas.openxmlformats.org/officeDocument/2006/relationships">
+<p:sld xmlns:a="http://schemas.openxmlformats.org/drawingml/2006/main" xmlns:r="http://schemas.openxmlformats.org/officeDocument/2006/relationships" xmlns:p="http://schemas.openxmlformats.org/presentationml/2006/main">
   <p:cSld>
     <p:spTree>
       <p:nvGrpSpPr>
@@ -4170,6 +3843,7 @@
         </p:spPr>
         <p:txBody>
           <a:bodyPr anchor="ctr"/>
+          <a:lstStyle/>
           <a:p>
             <a:pPr algn="ctr">
               <a:lnSpc>
@@ -4177,7 +3851,7 @@
               </a:lnSpc>
             </a:pPr>
             <a:r>
-              <a:rPr b="1" lang="en-US" sz="4400" u="sng">
+              <a:rPr lang="en-US" sz="4400" b="1" u="sng">
                 <a:solidFill>
                   <a:srgbClr val="000000"/>
                 </a:solidFill>
@@ -4206,6 +3880,7 @@
         </p:spPr>
         <p:txBody>
           <a:bodyPr/>
+          <a:lstStyle/>
           <a:p>
             <a:pPr>
               <a:lnSpc>
@@ -4213,7 +3888,7 @@
               </a:lnSpc>
             </a:pPr>
             <a:r>
-              <a:rPr b="1" lang="en-US" sz="3200">
+              <a:rPr lang="en-US" sz="3200" b="1">
                 <a:solidFill>
                   <a:srgbClr val="000000"/>
                 </a:solidFill>
@@ -4222,7 +3897,7 @@
               <a:t>    </a:t>
             </a:r>
             <a:r>
-              <a:rPr b="1" lang="en-US" sz="3200" u="sng">
+              <a:rPr lang="en-US" sz="3200" b="1" u="sng">
                 <a:solidFill>
                   <a:srgbClr val="000000"/>
                 </a:solidFill>
@@ -4274,7 +3949,7 @@
               </a:lnSpc>
             </a:pPr>
             <a:r>
-              <a:rPr b="1" lang="en-US" sz="3200">
+              <a:rPr lang="en-US" sz="3200" b="1">
                 <a:solidFill>
                   <a:srgbClr val="000000"/>
                 </a:solidFill>
@@ -4283,7 +3958,7 @@
               <a:t>    </a:t>
             </a:r>
             <a:r>
-              <a:rPr b="1" lang="en-US" sz="3200" u="sng">
+              <a:rPr lang="en-US" sz="3200" b="1" u="sng">
                 <a:solidFill>
                   <a:srgbClr val="000000"/>
                 </a:solidFill>
@@ -4292,7 +3967,7 @@
               <a:t>PROGRESS:-</a:t>
             </a:r>
             <a:r>
-              <a:rPr b="1" lang="en-US" sz="3200">
+              <a:rPr lang="en-US" sz="3200" b="1">
                 <a:solidFill>
                   <a:srgbClr val="000000"/>
                 </a:solidFill>
@@ -4371,11 +4046,14 @@
       </p:sp>
     </p:spTree>
   </p:cSld>
+  <p:clrMapOvr>
+    <a:masterClrMapping/>
+  </p:clrMapOvr>
 </p:sld>
 </file>
 
 <file path=ppt/slides/slide13.xml><?xml version="1.0" encoding="utf-8"?>
-<p:sld xmlns:a="http://schemas.openxmlformats.org/drawingml/2006/main" xmlns:p="http://schemas.openxmlformats.org/presentationml/2006/main" xmlns:r="http://schemas.openxmlformats.org/officeDocument/2006/relationships">
+<p:sld xmlns:a="http://schemas.openxmlformats.org/drawingml/2006/main" xmlns:r="http://schemas.openxmlformats.org/officeDocument/2006/relationships" xmlns:p="http://schemas.openxmlformats.org/presentationml/2006/main">
   <p:cSld>
     <p:spTree>
       <p:nvGrpSpPr>
@@ -4408,6 +4086,7 @@
         </p:spPr>
         <p:txBody>
           <a:bodyPr anchor="ctr"/>
+          <a:lstStyle/>
           <a:p>
             <a:pPr algn="ctr">
               <a:lnSpc>
@@ -4415,7 +4094,7 @@
               </a:lnSpc>
             </a:pPr>
             <a:r>
-              <a:rPr b="1" lang="en-US" sz="2400" u="sng">
+              <a:rPr lang="en-US" sz="2400" b="1" u="sng">
                 <a:solidFill>
                   <a:srgbClr val="000000"/>
                 </a:solidFill>
@@ -4435,7 +4114,7 @@
         </p:nvGraphicFramePr>
         <p:xfrm>
           <a:off x="304920" y="1219320"/>
-          <a:ext cx="8610120" cy="4343040"/>
+          <a:ext cx="8610480" cy="4343400"/>
         </p:xfrm>
         <a:graphic>
           <a:graphicData uri="http://schemas.openxmlformats.org/drawingml/2006/table">
@@ -4449,6 +4128,7 @@
                 <a:tc>
                   <a:txBody>
                     <a:bodyPr/>
+                    <a:lstStyle/>
                     <a:p>
                       <a:pPr>
                         <a:lnSpc>
@@ -4462,236 +4142,18 @@
                           </a:solidFill>
                           <a:latin typeface="Calibri"/>
                         </a:rPr>
-                        <a:t>#define alinput A0</a:t>
-                      </a:r>
-                      <a:r>
-                        <a:rPr lang="en-GB" sz="1600">
-                          <a:solidFill>
-                            <a:srgbClr val="000000"/>
-                          </a:solidFill>
-                          <a:latin typeface="Calibri"/>
-                        </a:rPr>
-                        <a:t>
-</a:t>
-                      </a:r>
-                      <a:r>
-                        <a:rPr lang="en-GB" sz="1600">
-                          <a:solidFill>
-                            <a:srgbClr val="000000"/>
-                          </a:solidFill>
-                          <a:latin typeface="Calibri"/>
-                        </a:rPr>
-                        <a:t>#define aloutput 9</a:t>
-                      </a:r>
-                      <a:r>
-                        <a:rPr lang="en-GB" sz="1600">
-                          <a:solidFill>
-                            <a:srgbClr val="000000"/>
-                          </a:solidFill>
-                          <a:latin typeface="Calibri"/>
-                        </a:rPr>
-                        <a:t>
-</a:t>
-                      </a:r>
-                      <a:r>
-                        <a:rPr lang="en-GB" sz="1600">
-                          <a:solidFill>
-                            <a:srgbClr val="000000"/>
-                          </a:solidFill>
-                          <a:latin typeface="Calibri"/>
-                        </a:rPr>
-                        <a:t>#define alinterrupt A1</a:t>
-                      </a:r>
-                      <a:r>
-                        <a:rPr lang="en-GB" sz="1600">
-                          <a:solidFill>
-                            <a:srgbClr val="000000"/>
-                          </a:solidFill>
-                          <a:latin typeface="Calibri"/>
-                        </a:rPr>
-                        <a:t>
-</a:t>
-                      </a:r>
-                      <a:r>
-                        <a:rPr lang="en-GB" sz="1600">
-                          <a:solidFill>
-                            <a:srgbClr val="000000"/>
-                          </a:solidFill>
-                          <a:latin typeface="Calibri"/>
-                        </a:rPr>
-                        <a:t>#define aloverride A2</a:t>
-                      </a:r>
-                      <a:r>
-                        <a:rPr lang="en-GB" sz="1600">
-                          <a:solidFill>
-                            <a:srgbClr val="000000"/>
-                          </a:solidFill>
-                          <a:latin typeface="Calibri"/>
-                        </a:rPr>
-                        <a:t>
-</a:t>
-                      </a:r>
-                      <a:r>
-                        <a:rPr lang="en-GB" sz="1600">
-                          <a:solidFill>
-                            <a:srgbClr val="000000"/>
-                          </a:solidFill>
-                          <a:latin typeface="Calibri"/>
-                        </a:rPr>
-                        <a:t>
-</a:t>
-                      </a:r>
-                      <a:r>
-                        <a:rPr lang="en-GB" sz="1600">
-                          <a:solidFill>
-                            <a:srgbClr val="000000"/>
-                          </a:solidFill>
-                          <a:latin typeface="Calibri"/>
-                        </a:rPr>
-                        <a:t>float alsensor,alvoltage; </a:t>
-                      </a:r>
-                      <a:r>
-                        <a:rPr lang="en-GB" sz="1600">
-                          <a:solidFill>
-                            <a:srgbClr val="000000"/>
-                          </a:solidFill>
-                          <a:latin typeface="Calibri"/>
-                        </a:rPr>
-                        <a:t>
-</a:t>
-                      </a:r>
-                      <a:r>
-                        <a:rPr lang="en-GB" sz="1600">
-                          <a:solidFill>
-                            <a:srgbClr val="000000"/>
-                          </a:solidFill>
-                          <a:latin typeface="Calibri"/>
-                        </a:rPr>
-                        <a:t>int albrightness;</a:t>
-                      </a:r>
-                      <a:r>
-                        <a:rPr lang="en-GB" sz="1600">
-                          <a:solidFill>
-                            <a:srgbClr val="000000"/>
-                          </a:solidFill>
-                          <a:latin typeface="Calibri"/>
-                        </a:rPr>
-                        <a:t>
-</a:t>
-                      </a:r>
-                      <a:r>
-                        <a:rPr lang="en-GB" sz="1600">
-                          <a:solidFill>
-                            <a:srgbClr val="000000"/>
-                          </a:solidFill>
-                          <a:latin typeface="Calibri"/>
-                        </a:rPr>
-                        <a:t>
-</a:t>
-                      </a:r>
-                      <a:r>
-                        <a:rPr lang="en-GB" sz="1600">
-                          <a:solidFill>
-                            <a:srgbClr val="000000"/>
-                          </a:solidFill>
-                          <a:latin typeface="Calibri"/>
-                        </a:rPr>
-                        <a:t>void setup() </a:t>
-                      </a:r>
-                      <a:r>
-                        <a:rPr lang="en-GB" sz="1600">
-                          <a:solidFill>
-                            <a:srgbClr val="000000"/>
-                          </a:solidFill>
-                          <a:latin typeface="Calibri"/>
-                        </a:rPr>
-                        <a:t>
-</a:t>
-                      </a:r>
-                      <a:r>
-                        <a:rPr lang="en-GB" sz="1600">
-                          <a:solidFill>
-                            <a:srgbClr val="000000"/>
-                          </a:solidFill>
-                          <a:latin typeface="Calibri"/>
-                        </a:rPr>
-                        <a:t>{</a:t>
-                      </a:r>
-                      <a:r>
-                        <a:rPr lang="en-GB" sz="1600">
-                          <a:solidFill>
-                            <a:srgbClr val="000000"/>
-                          </a:solidFill>
-                          <a:latin typeface="Calibri"/>
-                        </a:rPr>
-                        <a:t>
-</a:t>
-                      </a:r>
-                      <a:r>
-                        <a:rPr lang="en-GB" sz="1600">
-                          <a:solidFill>
-                            <a:srgbClr val="000000"/>
-                          </a:solidFill>
-                          <a:latin typeface="Calibri"/>
-                        </a:rPr>
-                        <a:t>  Serial.begin(9600);</a:t>
-                      </a:r>
-                      <a:r>
-                        <a:rPr lang="en-GB" sz="1600">
-                          <a:solidFill>
-                            <a:srgbClr val="000000"/>
-                          </a:solidFill>
-                          <a:latin typeface="Calibri"/>
-                        </a:rPr>
-                        <a:t>
-</a:t>
-                      </a:r>
-                      <a:r>
-                        <a:rPr lang="en-GB" sz="1600">
-                          <a:solidFill>
-                            <a:srgbClr val="000000"/>
-                          </a:solidFill>
-                          <a:latin typeface="Calibri"/>
-                        </a:rPr>
-                        <a:t>  pinMode(alinterrupt,INPUT);</a:t>
-                      </a:r>
-                      <a:r>
-                        <a:rPr lang="en-GB" sz="1600">
-                          <a:solidFill>
-                            <a:srgbClr val="000000"/>
-                          </a:solidFill>
-                          <a:latin typeface="Calibri"/>
-                        </a:rPr>
-                        <a:t>
-</a:t>
-                      </a:r>
-                      <a:r>
-                        <a:rPr lang="en-GB" sz="1600">
-                          <a:solidFill>
-                            <a:srgbClr val="000000"/>
-                          </a:solidFill>
-                          <a:latin typeface="Calibri"/>
-                        </a:rPr>
-                        <a:t>  pinMode(aloverride,INPUT);</a:t>
-                      </a:r>
-                      <a:r>
-                        <a:rPr lang="en-GB" sz="1600">
-                          <a:solidFill>
-                            <a:srgbClr val="000000"/>
-                          </a:solidFill>
-                          <a:latin typeface="Calibri"/>
-                        </a:rPr>
-                        <a:t>
-</a:t>
-                      </a:r>
-                      <a:r>
-                        <a:rPr lang="en-GB" sz="1600">
-                          <a:solidFill>
-                            <a:srgbClr val="000000"/>
-                          </a:solidFill>
-                          <a:latin typeface="Calibri"/>
-                        </a:rPr>
-                        <a:t>}</a:t>
+                        <a:t>#define alinput A0
+#define aloutput 9
+#define alinterrupt A1
+#define aloverride A2
+float alsensor,alvoltage; 
+int albrightness;
+void setup() 
+{
+  Serial.begin(9600);
+  pinMode(alinterrupt,INPUT);
+  pinMode(aloverride,INPUT);
+}</a:t>
                       </a:r>
                       <a:endParaRPr/>
                     </a:p>
@@ -4701,6 +4163,7 @@
                 <a:tc>
                   <a:txBody>
                     <a:bodyPr/>
+                    <a:lstStyle/>
                     <a:p>
                       <a:pPr>
                         <a:lnSpc>
@@ -4714,273 +4177,21 @@
                           </a:solidFill>
                           <a:latin typeface="Calibri"/>
                         </a:rPr>
-                        <a:t>void loop() </a:t>
-                      </a:r>
-                      <a:r>
-                        <a:rPr lang="en-GB" sz="1600">
-                          <a:solidFill>
-                            <a:srgbClr val="000000"/>
-                          </a:solidFill>
-                          <a:latin typeface="Calibri"/>
-                        </a:rPr>
-                        <a:t>
-</a:t>
-                      </a:r>
-                      <a:r>
-                        <a:rPr lang="en-GB" sz="1600">
-                          <a:solidFill>
-                            <a:srgbClr val="000000"/>
-                          </a:solidFill>
-                          <a:latin typeface="Calibri"/>
-                        </a:rPr>
-                        <a:t>{ alsensor = analogRead(alinput); //read the sensor value</a:t>
-                      </a:r>
-                      <a:r>
-                        <a:rPr lang="en-GB" sz="1600">
-                          <a:solidFill>
-                            <a:srgbClr val="000000"/>
-                          </a:solidFill>
-                          <a:latin typeface="Calibri"/>
-                        </a:rPr>
-                        <a:t>
-</a:t>
-                      </a:r>
-                      <a:r>
-                        <a:rPr lang="en-GB" sz="1600">
-                          <a:solidFill>
-                            <a:srgbClr val="000000"/>
-                          </a:solidFill>
-                          <a:latin typeface="Calibri"/>
-                        </a:rPr>
-                        <a:t>  albrightness = alsensor / 4; //convert the value to 8-bit res</a:t>
-                      </a:r>
-                      <a:r>
-                        <a:rPr lang="en-GB" sz="1600">
-                          <a:solidFill>
-                            <a:srgbClr val="000000"/>
-                          </a:solidFill>
-                          <a:latin typeface="Calibri"/>
-                        </a:rPr>
-                        <a:t>
-</a:t>
-                      </a:r>
-                      <a:r>
-                        <a:rPr lang="en-GB" sz="1600">
-                          <a:solidFill>
-                            <a:srgbClr val="000000"/>
-                          </a:solidFill>
-                          <a:latin typeface="Calibri"/>
-                        </a:rPr>
-                        <a:t>  alvoltage = alsensor * (5.0 / 1024.0); //convert to 0-5V range</a:t>
-                      </a:r>
-                      <a:r>
-                        <a:rPr lang="en-GB" sz="1600">
-                          <a:solidFill>
-                            <a:srgbClr val="000000"/>
-                          </a:solidFill>
-                          <a:latin typeface="Calibri"/>
-                        </a:rPr>
-                        <a:t>
-</a:t>
-                      </a:r>
-                      <a:r>
-                        <a:rPr lang="en-GB" sz="1600">
-                          <a:solidFill>
-                            <a:srgbClr val="000000"/>
-                          </a:solidFill>
-                          <a:latin typeface="Calibri"/>
-                        </a:rPr>
-                        <a:t>  Serial.print("The voltage is: ");  //prints the voltage through serial</a:t>
-                      </a:r>
-                      <a:r>
-                        <a:rPr lang="en-GB" sz="1600">
-                          <a:solidFill>
-                            <a:srgbClr val="000000"/>
-                          </a:solidFill>
-                          <a:latin typeface="Calibri"/>
-                        </a:rPr>
-                        <a:t>
-</a:t>
-                      </a:r>
-                      <a:r>
-                        <a:rPr lang="en-GB" sz="1600">
-                          <a:solidFill>
-                            <a:srgbClr val="000000"/>
-                          </a:solidFill>
-                          <a:latin typeface="Calibri"/>
-                        </a:rPr>
-                        <a:t>  Serial.println(alvoltage);</a:t>
-                      </a:r>
-                      <a:r>
-                        <a:rPr lang="en-GB" sz="1600">
-                          <a:solidFill>
-                            <a:srgbClr val="000000"/>
-                          </a:solidFill>
-                          <a:latin typeface="Calibri"/>
-                        </a:rPr>
-                        <a:t>
-</a:t>
-                      </a:r>
-                      <a:r>
-                        <a:rPr lang="en-GB" sz="1600">
-                          <a:solidFill>
-                            <a:srgbClr val="000000"/>
-                          </a:solidFill>
-                          <a:latin typeface="Calibri"/>
-                        </a:rPr>
-                        <a:t>  analogWrite(aloutput,albrightness); //output the PWM to the LED</a:t>
-                      </a:r>
-                      <a:r>
-                        <a:rPr lang="en-GB" sz="1600">
-                          <a:solidFill>
-                            <a:srgbClr val="000000"/>
-                          </a:solidFill>
-                          <a:latin typeface="Calibri"/>
-                        </a:rPr>
-                        <a:t>
-</a:t>
-                      </a:r>
-                      <a:r>
-                        <a:rPr lang="en-GB" sz="1600">
-                          <a:solidFill>
-                            <a:srgbClr val="000000"/>
-                          </a:solidFill>
-                          <a:latin typeface="Calibri"/>
-                        </a:rPr>
-                        <a:t>  while(digitalRead(alinterrupt)) //interrupt function</a:t>
-                      </a:r>
-                      <a:r>
-                        <a:rPr lang="en-GB" sz="1600">
-                          <a:solidFill>
-                            <a:srgbClr val="000000"/>
-                          </a:solidFill>
-                          <a:latin typeface="Calibri"/>
-                        </a:rPr>
-                        <a:t>
-</a:t>
-                      </a:r>
-                      <a:r>
-                        <a:rPr lang="en-GB" sz="1600">
-                          <a:solidFill>
-                            <a:srgbClr val="000000"/>
-                          </a:solidFill>
-                          <a:latin typeface="Calibri"/>
-                        </a:rPr>
-                        <a:t>  { if(digitalRead(aloverride)) //override - ON</a:t>
-                      </a:r>
-                      <a:r>
-                        <a:rPr lang="en-GB" sz="1600">
-                          <a:solidFill>
-                            <a:srgbClr val="000000"/>
-                          </a:solidFill>
-                          <a:latin typeface="Calibri"/>
-                        </a:rPr>
-                        <a:t>
-</a:t>
-                      </a:r>
-                      <a:r>
-                        <a:rPr lang="en-GB" sz="1600">
-                          <a:solidFill>
-                            <a:srgbClr val="000000"/>
-                          </a:solidFill>
-                          <a:latin typeface="Calibri"/>
-                        </a:rPr>
-                        <a:t>     analogWrite(aloutput,255);</a:t>
-                      </a:r>
-                      <a:r>
-                        <a:rPr lang="en-GB" sz="1600">
-                          <a:solidFill>
-                            <a:srgbClr val="000000"/>
-                          </a:solidFill>
-                          <a:latin typeface="Calibri"/>
-                        </a:rPr>
-                        <a:t>
-</a:t>
-                      </a:r>
-                      <a:r>
-                        <a:rPr lang="en-GB" sz="1600">
-                          <a:solidFill>
-                            <a:srgbClr val="000000"/>
-                          </a:solidFill>
-                          <a:latin typeface="Calibri"/>
-                        </a:rPr>
-                        <a:t>    else //override - OFF</a:t>
-                      </a:r>
-                      <a:r>
-                        <a:rPr lang="en-GB" sz="1600">
-                          <a:solidFill>
-                            <a:srgbClr val="000000"/>
-                          </a:solidFill>
-                          <a:latin typeface="Calibri"/>
-                        </a:rPr>
-                        <a:t>
-</a:t>
-                      </a:r>
-                      <a:r>
-                        <a:rPr lang="en-GB" sz="1600">
-                          <a:solidFill>
-                            <a:srgbClr val="000000"/>
-                          </a:solidFill>
-                          <a:latin typeface="Calibri"/>
-                        </a:rPr>
-                        <a:t>     analogWrite(aloutput,0);</a:t>
-                      </a:r>
-                      <a:r>
-                        <a:rPr lang="en-GB" sz="1600">
-                          <a:solidFill>
-                            <a:srgbClr val="000000"/>
-                          </a:solidFill>
-                          <a:latin typeface="Calibri"/>
-                        </a:rPr>
-                        <a:t>
-</a:t>
-                      </a:r>
-                      <a:r>
-                        <a:rPr lang="en-GB" sz="1600">
-                          <a:solidFill>
-                            <a:srgbClr val="000000"/>
-                          </a:solidFill>
-                          <a:latin typeface="Calibri"/>
-                        </a:rPr>
-                        <a:t>  }</a:t>
-                      </a:r>
-                      <a:r>
-                        <a:rPr lang="en-GB" sz="1600">
-                          <a:solidFill>
-                            <a:srgbClr val="000000"/>
-                          </a:solidFill>
-                          <a:latin typeface="Calibri"/>
-                        </a:rPr>
-                        <a:t>
-</a:t>
-                      </a:r>
-                      <a:r>
-                        <a:rPr lang="en-GB" sz="1600">
-                          <a:solidFill>
-                            <a:srgbClr val="000000"/>
-                          </a:solidFill>
-                          <a:latin typeface="Calibri"/>
-                        </a:rPr>
-                        <a:t>  delay(500);</a:t>
-                      </a:r>
-                      <a:r>
-                        <a:rPr lang="en-GB" sz="1600">
-                          <a:solidFill>
-                            <a:srgbClr val="000000"/>
-                          </a:solidFill>
-                          <a:latin typeface="Calibri"/>
-                        </a:rPr>
-                        <a:t>
-</a:t>
-                      </a:r>
-                      <a:r>
-                        <a:rPr lang="en-GB" sz="1600">
-                          <a:solidFill>
-                            <a:srgbClr val="000000"/>
-                          </a:solidFill>
-                          <a:latin typeface="Calibri"/>
-                        </a:rPr>
-                        <a:t>}</a:t>
+                        <a:t>void loop() 
+{ alsensor = analogRead(alinput); //read the sensor value
+  albrightness = alsensor / 4; //convert the value to 8-bit res
+  alvoltage = alsensor * (5.0 / 1024.0); //convert to 0-5V range
+  Serial.print("The voltage is: ");  //prints the voltage through serial
+  Serial.println(alvoltage);
+  analogWrite(aloutput,albrightness); //output the PWM to the LED
+  while(digitalRead(alinterrupt)) //interrupt function
+  { if(digitalRead(aloverride)) //override - ON
+     analogWrite(aloutput,255);
+    else //override - OFF
+     analogWrite(aloutput,0);
+  }
+  delay(500);
+}</a:t>
                       </a:r>
                       <a:endParaRPr/>
                     </a:p>
@@ -4994,11 +4205,14 @@
       </p:graphicFrame>
     </p:spTree>
   </p:cSld>
+  <p:clrMapOvr>
+    <a:masterClrMapping/>
+  </p:clrMapOvr>
 </p:sld>
 </file>
 
 <file path=ppt/slides/slide14.xml><?xml version="1.0" encoding="utf-8"?>
-<p:sld xmlns:a="http://schemas.openxmlformats.org/drawingml/2006/main" xmlns:p="http://schemas.openxmlformats.org/presentationml/2006/main" xmlns:r="http://schemas.openxmlformats.org/officeDocument/2006/relationships">
+<p:sld xmlns:a="http://schemas.openxmlformats.org/drawingml/2006/main" xmlns:r="http://schemas.openxmlformats.org/officeDocument/2006/relationships" xmlns:p="http://schemas.openxmlformats.org/presentationml/2006/main">
   <p:cSld>
     <p:spTree>
       <p:nvGrpSpPr>
@@ -5031,6 +4245,7 @@
         </p:spPr>
         <p:txBody>
           <a:bodyPr anchor="ctr"/>
+          <a:lstStyle/>
           <a:p>
             <a:endParaRPr/>
           </a:p>
@@ -5038,12 +4253,12 @@
       </p:sp>
       <p:pic>
         <p:nvPicPr>
-          <p:cNvPr id="120" name="Content Placeholder 3" descr=""/>
+          <p:cNvPr id="120" name="Content Placeholder 3"/>
           <p:cNvPicPr/>
           <p:nvPr/>
         </p:nvPicPr>
         <p:blipFill>
-          <a:blip r:embed="rId1"/>
+          <a:blip r:embed="rId2" cstate="print"/>
           <a:stretch>
             <a:fillRect/>
           </a:stretch>
@@ -5063,22 +4278,25 @@
       </p:pic>
     </p:spTree>
   </p:cSld>
+  <p:clrMapOvr>
+    <a:masterClrMapping/>
+  </p:clrMapOvr>
   <p:timing>
     <p:tnLst>
       <p:par>
-        <p:cTn id="11" dur="indefinite" restart="never" nodeType="tmRoot">
+        <p:cTn id="1" dur="indefinite" restart="never" nodeType="tmRoot">
           <p:childTnLst>
             <p:seq>
-              <p:cTn id="12" nodeType="mainSeq"/>
+              <p:cTn id="2" nodeType="mainSeq"/>
               <p:prevCondLst>
-                <p:cond delay="0" evt="onPrev">
+                <p:cond evt="onPrev" delay="0">
                   <p:tgtEl>
                     <p:sldTgt/>
                   </p:tgtEl>
                 </p:cond>
               </p:prevCondLst>
               <p:nextCondLst>
-                <p:cond delay="0" evt="onNext">
+                <p:cond evt="onNext" delay="0">
                   <p:tgtEl>
                     <p:sldTgt/>
                   </p:tgtEl>
@@ -5094,7 +4312,7 @@
 </file>
 
 <file path=ppt/slides/slide15.xml><?xml version="1.0" encoding="utf-8"?>
-<p:sld xmlns:a="http://schemas.openxmlformats.org/drawingml/2006/main" xmlns:p="http://schemas.openxmlformats.org/presentationml/2006/main" xmlns:r="http://schemas.openxmlformats.org/officeDocument/2006/relationships">
+<p:sld xmlns:a="http://schemas.openxmlformats.org/drawingml/2006/main" xmlns:r="http://schemas.openxmlformats.org/officeDocument/2006/relationships" xmlns:p="http://schemas.openxmlformats.org/presentationml/2006/main">
   <p:cSld>
     <p:spTree>
       <p:nvGrpSpPr>
@@ -5127,6 +4345,7 @@
         </p:spPr>
         <p:txBody>
           <a:bodyPr anchor="ctr"/>
+          <a:lstStyle/>
           <a:p>
             <a:pPr algn="ctr">
               <a:lnSpc>
@@ -5134,7 +4353,7 @@
               </a:lnSpc>
             </a:pPr>
             <a:r>
-              <a:rPr b="1" lang="en-US" sz="4400" u="sng">
+              <a:rPr lang="en-US" sz="4400" b="1" u="sng">
                 <a:solidFill>
                   <a:srgbClr val="000000"/>
                 </a:solidFill>
@@ -5163,6 +4382,7 @@
         </p:spPr>
         <p:txBody>
           <a:bodyPr/>
+          <a:lstStyle/>
           <a:p>
             <a:pPr>
               <a:lnSpc>
@@ -5170,7 +4390,7 @@
               </a:lnSpc>
             </a:pPr>
             <a:r>
-              <a:rPr b="1" lang="en-US" sz="3200">
+              <a:rPr lang="en-US" sz="3200" b="1">
                 <a:solidFill>
                   <a:srgbClr val="000000"/>
                 </a:solidFill>
@@ -5179,7 +4399,7 @@
               <a:t>    </a:t>
             </a:r>
             <a:r>
-              <a:rPr b="1" lang="en-US" sz="3200" u="sng">
+              <a:rPr lang="en-US" sz="3200" b="1" u="sng">
                 <a:solidFill>
                   <a:srgbClr val="000000"/>
                 </a:solidFill>
@@ -5202,16 +4422,7 @@
                 </a:solidFill>
                 <a:latin typeface="Calibri"/>
               </a:rPr>
-              <a:t>    </a:t>
-            </a:r>
-            <a:r>
-              <a:rPr lang="en-US" sz="3000">
-                <a:solidFill>
-                  <a:srgbClr val="000000"/>
-                </a:solidFill>
-                <a:latin typeface="Calibri"/>
-              </a:rPr>
-              <a:t>Adds security to our home. Keypad is interfaced with a microcontroller which is then connected to a DOOR-LOCK system</a:t>
+              <a:t>    Adds security to our home. Keypad is interfaced with a microcontroller which is then connected to a DOOR-LOCK system</a:t>
             </a:r>
             <a:endParaRPr/>
           </a:p>
@@ -5238,7 +4449,7 @@
               </a:lnSpc>
             </a:pPr>
             <a:r>
-              <a:rPr b="1" lang="en-US" sz="3200">
+              <a:rPr lang="en-US" sz="3200" b="1">
                 <a:solidFill>
                   <a:srgbClr val="000000"/>
                 </a:solidFill>
@@ -5247,7 +4458,7 @@
               <a:t>     </a:t>
             </a:r>
             <a:r>
-              <a:rPr b="1" lang="en-US" sz="3200" u="sng">
+              <a:rPr lang="en-US" sz="3200" b="1" u="sng">
                 <a:solidFill>
                   <a:srgbClr val="000000"/>
                 </a:solidFill>
@@ -5326,22 +4537,25 @@
       </p:sp>
     </p:spTree>
   </p:cSld>
+  <p:clrMapOvr>
+    <a:masterClrMapping/>
+  </p:clrMapOvr>
   <p:timing>
     <p:tnLst>
       <p:par>
-        <p:cTn id="13" dur="indefinite" restart="never" nodeType="tmRoot">
+        <p:cTn id="1" dur="indefinite" restart="never" nodeType="tmRoot">
           <p:childTnLst>
             <p:seq>
-              <p:cTn id="14" nodeType="mainSeq"/>
+              <p:cTn id="2" nodeType="mainSeq"/>
               <p:prevCondLst>
-                <p:cond delay="0" evt="onPrev">
+                <p:cond evt="onPrev" delay="0">
                   <p:tgtEl>
                     <p:sldTgt/>
                   </p:tgtEl>
                 </p:cond>
               </p:prevCondLst>
               <p:nextCondLst>
-                <p:cond delay="0" evt="onNext">
+                <p:cond evt="onNext" delay="0">
                   <p:tgtEl>
                     <p:sldTgt/>
                   </p:tgtEl>
@@ -5357,7 +4571,7 @@
 </file>
 
 <file path=ppt/slides/slide16.xml><?xml version="1.0" encoding="utf-8"?>
-<p:sld xmlns:a="http://schemas.openxmlformats.org/drawingml/2006/main" xmlns:p="http://schemas.openxmlformats.org/presentationml/2006/main" xmlns:r="http://schemas.openxmlformats.org/officeDocument/2006/relationships">
+<p:sld xmlns:a="http://schemas.openxmlformats.org/drawingml/2006/main" xmlns:r="http://schemas.openxmlformats.org/officeDocument/2006/relationships" xmlns:p="http://schemas.openxmlformats.org/presentationml/2006/main">
   <p:cSld>
     <p:spTree>
       <p:nvGrpSpPr>
@@ -5390,6 +4604,7 @@
         </p:spPr>
         <p:txBody>
           <a:bodyPr anchor="ctr"/>
+          <a:lstStyle/>
           <a:p>
             <a:pPr algn="ctr">
               <a:lnSpc>
@@ -5397,7 +4612,7 @@
               </a:lnSpc>
             </a:pPr>
             <a:r>
-              <a:rPr b="1" lang="en-US" sz="4400" u="sng">
+              <a:rPr lang="en-US" sz="4400" b="1" u="sng">
                 <a:solidFill>
                   <a:srgbClr val="000000"/>
                 </a:solidFill>
@@ -5426,6 +4641,7 @@
         </p:spPr>
         <p:txBody>
           <a:bodyPr/>
+          <a:lstStyle/>
           <a:p>
             <a:pPr>
               <a:lnSpc>
@@ -5433,7 +4649,7 @@
               </a:lnSpc>
             </a:pPr>
             <a:r>
-              <a:rPr b="1" lang="en-US" sz="3200">
+              <a:rPr lang="en-US" sz="3200" b="1">
                 <a:solidFill>
                   <a:srgbClr val="000000"/>
                 </a:solidFill>
@@ -5442,7 +4658,7 @@
               <a:t>    </a:t>
             </a:r>
             <a:r>
-              <a:rPr b="1" lang="en-US" sz="3200" u="sng">
+              <a:rPr lang="en-US" sz="3200" b="1" u="sng">
                 <a:solidFill>
                   <a:srgbClr val="000000"/>
                 </a:solidFill>
@@ -5465,44 +4681,35 @@
                 </a:solidFill>
                 <a:latin typeface="Calibri"/>
               </a:rPr>
+              <a:t>    It adds entertainment to our home. Music player is integrated into the Raspberry Pi which can play music using an installed software in the operating system.</a:t>
+            </a:r>
+            <a:endParaRPr/>
+          </a:p>
+          <a:p>
+            <a:pPr>
+              <a:lnSpc>
+                <a:spcPct val="100000"/>
+              </a:lnSpc>
+            </a:pPr>
+            <a:endParaRPr/>
+          </a:p>
+          <a:p>
+            <a:pPr>
+              <a:lnSpc>
+                <a:spcPct val="100000"/>
+              </a:lnSpc>
+            </a:pPr>
+            <a:r>
+              <a:rPr lang="en-US" sz="3200" b="1">
+                <a:solidFill>
+                  <a:srgbClr val="000000"/>
+                </a:solidFill>
+                <a:latin typeface="Calibri"/>
+              </a:rPr>
               <a:t>    </a:t>
             </a:r>
             <a:r>
-              <a:rPr lang="en-US" sz="3200">
-                <a:solidFill>
-                  <a:srgbClr val="000000"/>
-                </a:solidFill>
-                <a:latin typeface="Calibri"/>
-              </a:rPr>
-              <a:t>It adds entertainment to our home. Music player is integrated into the Raspberry Pi which can play music using an installed software in the operating system.</a:t>
-            </a:r>
-            <a:endParaRPr/>
-          </a:p>
-          <a:p>
-            <a:pPr>
-              <a:lnSpc>
-                <a:spcPct val="100000"/>
-              </a:lnSpc>
-            </a:pPr>
-            <a:endParaRPr/>
-          </a:p>
-          <a:p>
-            <a:pPr>
-              <a:lnSpc>
-                <a:spcPct val="100000"/>
-              </a:lnSpc>
-            </a:pPr>
-            <a:r>
-              <a:rPr b="1" lang="en-US" sz="3200">
-                <a:solidFill>
-                  <a:srgbClr val="000000"/>
-                </a:solidFill>
-                <a:latin typeface="Calibri"/>
-              </a:rPr>
-              <a:t>    </a:t>
-            </a:r>
-            <a:r>
-              <a:rPr b="1" lang="en-US" sz="3200" u="sng">
+              <a:rPr lang="en-US" sz="3200" b="1" u="sng">
                 <a:solidFill>
                   <a:srgbClr val="000000"/>
                 </a:solidFill>
@@ -5581,22 +4788,25 @@
       </p:sp>
     </p:spTree>
   </p:cSld>
+  <p:clrMapOvr>
+    <a:masterClrMapping/>
+  </p:clrMapOvr>
   <p:timing>
     <p:tnLst>
       <p:par>
-        <p:cTn id="15" dur="indefinite" restart="never" nodeType="tmRoot">
+        <p:cTn id="1" dur="indefinite" restart="never" nodeType="tmRoot">
           <p:childTnLst>
             <p:seq>
-              <p:cTn id="16" nodeType="mainSeq"/>
+              <p:cTn id="2" nodeType="mainSeq"/>
               <p:prevCondLst>
-                <p:cond delay="0" evt="onPrev">
+                <p:cond evt="onPrev" delay="0">
                   <p:tgtEl>
                     <p:sldTgt/>
                   </p:tgtEl>
                 </p:cond>
               </p:prevCondLst>
               <p:nextCondLst>
-                <p:cond delay="0" evt="onNext">
+                <p:cond evt="onNext" delay="0">
                   <p:tgtEl>
                     <p:sldTgt/>
                   </p:tgtEl>
@@ -5612,7 +4822,7 @@
 </file>
 
 <file path=ppt/slides/slide17.xml><?xml version="1.0" encoding="utf-8"?>
-<p:sld xmlns:a="http://schemas.openxmlformats.org/drawingml/2006/main" xmlns:p="http://schemas.openxmlformats.org/presentationml/2006/main" xmlns:r="http://schemas.openxmlformats.org/officeDocument/2006/relationships">
+<p:sld xmlns:a="http://schemas.openxmlformats.org/drawingml/2006/main" xmlns:r="http://schemas.openxmlformats.org/officeDocument/2006/relationships" xmlns:p="http://schemas.openxmlformats.org/presentationml/2006/main">
   <p:cSld>
     <p:spTree>
       <p:nvGrpSpPr>
@@ -5645,6 +4855,7 @@
         </p:spPr>
         <p:txBody>
           <a:bodyPr anchor="ctr"/>
+          <a:lstStyle/>
           <a:p>
             <a:pPr algn="ctr">
               <a:lnSpc>
@@ -5652,7 +4863,7 @@
               </a:lnSpc>
             </a:pPr>
             <a:r>
-              <a:rPr b="1" lang="en-US" sz="4400" u="sng">
+              <a:rPr lang="en-US" sz="4400" b="1" u="sng">
                 <a:solidFill>
                   <a:srgbClr val="000000"/>
                 </a:solidFill>
@@ -5681,6 +4892,7 @@
         </p:spPr>
         <p:txBody>
           <a:bodyPr/>
+          <a:lstStyle/>
           <a:p>
             <a:pPr>
               <a:lnSpc>
@@ -5704,22 +4916,25 @@
       </p:sp>
     </p:spTree>
   </p:cSld>
+  <p:clrMapOvr>
+    <a:masterClrMapping/>
+  </p:clrMapOvr>
   <p:timing>
     <p:tnLst>
       <p:par>
-        <p:cTn id="17" dur="indefinite" restart="never" nodeType="tmRoot">
+        <p:cTn id="1" dur="indefinite" restart="never" nodeType="tmRoot">
           <p:childTnLst>
             <p:seq>
-              <p:cTn id="18" nodeType="mainSeq"/>
+              <p:cTn id="2" nodeType="mainSeq"/>
               <p:prevCondLst>
-                <p:cond delay="0" evt="onPrev">
+                <p:cond evt="onPrev" delay="0">
                   <p:tgtEl>
                     <p:sldTgt/>
                   </p:tgtEl>
                 </p:cond>
               </p:prevCondLst>
               <p:nextCondLst>
-                <p:cond delay="0" evt="onNext">
+                <p:cond evt="onNext" delay="0">
                   <p:tgtEl>
                     <p:sldTgt/>
                   </p:tgtEl>
@@ -5735,7 +4950,7 @@
 </file>
 
 <file path=ppt/slides/slide18.xml><?xml version="1.0" encoding="utf-8"?>
-<p:sld xmlns:a="http://schemas.openxmlformats.org/drawingml/2006/main" xmlns:p="http://schemas.openxmlformats.org/presentationml/2006/main" xmlns:r="http://schemas.openxmlformats.org/officeDocument/2006/relationships">
+<p:sld xmlns:a="http://schemas.openxmlformats.org/drawingml/2006/main" xmlns:r="http://schemas.openxmlformats.org/officeDocument/2006/relationships" xmlns:p="http://schemas.openxmlformats.org/presentationml/2006/main">
   <p:cSld>
     <p:spTree>
       <p:nvGrpSpPr>
@@ -5768,6 +4983,7 @@
         </p:spPr>
         <p:txBody>
           <a:bodyPr anchor="ctr"/>
+          <a:lstStyle/>
           <a:p>
             <a:endParaRPr/>
           </a:p>
@@ -5790,6 +5006,7 @@
         </p:spPr>
         <p:txBody>
           <a:bodyPr/>
+          <a:lstStyle/>
           <a:p>
             <a:pPr algn="ctr">
               <a:lnSpc>
@@ -5819,22 +5036,25 @@
       </p:sp>
     </p:spTree>
   </p:cSld>
+  <p:clrMapOvr>
+    <a:masterClrMapping/>
+  </p:clrMapOvr>
   <p:timing>
     <p:tnLst>
       <p:par>
-        <p:cTn id="19" dur="indefinite" restart="never" nodeType="tmRoot">
+        <p:cTn id="1" dur="indefinite" restart="never" nodeType="tmRoot">
           <p:childTnLst>
             <p:seq>
-              <p:cTn id="20" nodeType="mainSeq"/>
+              <p:cTn id="2" nodeType="mainSeq"/>
               <p:prevCondLst>
-                <p:cond delay="0" evt="onPrev">
+                <p:cond evt="onPrev" delay="0">
                   <p:tgtEl>
                     <p:sldTgt/>
                   </p:tgtEl>
                 </p:cond>
               </p:prevCondLst>
               <p:nextCondLst>
-                <p:cond delay="0" evt="onNext">
+                <p:cond evt="onNext" delay="0">
                   <p:tgtEl>
                     <p:sldTgt/>
                   </p:tgtEl>
@@ -5850,7 +5070,7 @@
 </file>
 
 <file path=ppt/slides/slide2.xml><?xml version="1.0" encoding="utf-8"?>
-<p:sld xmlns:a="http://schemas.openxmlformats.org/drawingml/2006/main" xmlns:p="http://schemas.openxmlformats.org/presentationml/2006/main" xmlns:r="http://schemas.openxmlformats.org/officeDocument/2006/relationships">
+<p:sld xmlns:a="http://schemas.openxmlformats.org/drawingml/2006/main" xmlns:r="http://schemas.openxmlformats.org/officeDocument/2006/relationships" xmlns:p="http://schemas.openxmlformats.org/presentationml/2006/main">
   <p:cSld>
     <p:spTree>
       <p:nvGrpSpPr>
@@ -5883,6 +5103,7 @@
         </p:spPr>
         <p:txBody>
           <a:bodyPr anchor="ctr"/>
+          <a:lstStyle/>
           <a:p>
             <a:pPr algn="ctr">
               <a:lnSpc>
@@ -5890,7 +5111,7 @@
               </a:lnSpc>
             </a:pPr>
             <a:r>
-              <a:rPr b="1" lang="en-US" sz="3200" u="sng">
+              <a:rPr lang="en-US" sz="3200" b="1" u="sng">
                 <a:solidFill>
                   <a:srgbClr val="000000"/>
                 </a:solidFill>
@@ -5919,6 +5140,7 @@
         </p:spPr>
         <p:txBody>
           <a:bodyPr/>
+          <a:lstStyle/>
           <a:p>
             <a:pPr>
               <a:lnSpc>
@@ -5926,7 +5148,7 @@
               </a:lnSpc>
             </a:pPr>
             <a:r>
-              <a:rPr b="1" lang="en-US" sz="2400">
+              <a:rPr lang="en-US" sz="2400" b="1" dirty="0">
                 <a:solidFill>
                   <a:srgbClr val="000000"/>
                 </a:solidFill>
@@ -5934,7 +5156,7 @@
               </a:rPr>
               <a:t>     </a:t>
             </a:r>
-            <a:endParaRPr/>
+            <a:endParaRPr dirty="0"/>
           </a:p>
           <a:p>
             <a:pPr>
@@ -5943,24 +5165,33 @@
               </a:lnSpc>
             </a:pPr>
             <a:r>
-              <a:rPr b="1" lang="en-US" sz="2400">
-                <a:solidFill>
-                  <a:srgbClr val="000000"/>
-                </a:solidFill>
-                <a:latin typeface="Calibri"/>
-              </a:rPr>
-              <a:t>     </a:t>
-            </a:r>
-            <a:r>
-              <a:rPr b="1" lang="en-US" sz="2400">
-                <a:solidFill>
-                  <a:srgbClr val="000000"/>
-                </a:solidFill>
-                <a:latin typeface="Calibri"/>
-              </a:rPr>
-              <a:t>A simple home automation project using raspberry pi,designed to perform a few basic functions in an household which include :-</a:t>
-            </a:r>
-            <a:endParaRPr/>
+              <a:rPr lang="en-US" sz="2400" b="1" dirty="0">
+                <a:solidFill>
+                  <a:srgbClr val="000000"/>
+                </a:solidFill>
+                <a:latin typeface="Calibri"/>
+              </a:rPr>
+              <a:t>     A simple home automation project using raspberry </a:t>
+            </a:r>
+            <a:r>
+              <a:rPr lang="en-US" sz="2400" b="1" dirty="0" err="1">
+                <a:solidFill>
+                  <a:srgbClr val="000000"/>
+                </a:solidFill>
+                <a:latin typeface="Calibri"/>
+              </a:rPr>
+              <a:t>pi,designed</a:t>
+            </a:r>
+            <a:r>
+              <a:rPr lang="en-US" sz="2400" b="1" dirty="0">
+                <a:solidFill>
+                  <a:srgbClr val="000000"/>
+                </a:solidFill>
+                <a:latin typeface="Calibri"/>
+              </a:rPr>
+              <a:t> to perform a few basic functions in an household which include :-</a:t>
+            </a:r>
+            <a:endParaRPr dirty="0"/>
           </a:p>
           <a:p>
             <a:pPr>
@@ -5971,7 +5202,7 @@
               <a:buChar char="•"/>
             </a:pPr>
             <a:r>
-              <a:rPr b="1" lang="en-US" sz="2200">
+              <a:rPr lang="en-US" sz="2200" b="1" dirty="0">
                 <a:solidFill>
                   <a:srgbClr val="000000"/>
                 </a:solidFill>
@@ -5979,7 +5210,7 @@
               </a:rPr>
               <a:t>Adaptive internal lighting system</a:t>
             </a:r>
-            <a:endParaRPr/>
+            <a:endParaRPr dirty="0"/>
           </a:p>
           <a:p>
             <a:pPr>
@@ -5990,7 +5221,7 @@
               <a:buChar char="•"/>
             </a:pPr>
             <a:r>
-              <a:rPr b="1" lang="en-US" sz="2200">
+              <a:rPr lang="en-US" sz="2200" b="1" dirty="0">
                 <a:solidFill>
                   <a:srgbClr val="000000"/>
                 </a:solidFill>
@@ -5998,7 +5229,7 @@
               </a:rPr>
               <a:t>External lighting system</a:t>
             </a:r>
-            <a:endParaRPr/>
+            <a:endParaRPr dirty="0"/>
           </a:p>
           <a:p>
             <a:pPr>
@@ -6009,7 +5240,7 @@
               <a:buChar char="•"/>
             </a:pPr>
             <a:r>
-              <a:rPr b="1" lang="en-US" sz="2200">
+              <a:rPr lang="en-US" sz="2200" b="1" dirty="0">
                 <a:solidFill>
                   <a:srgbClr val="000000"/>
                 </a:solidFill>
@@ -6017,7 +5248,7 @@
               </a:rPr>
               <a:t>Automatic water pump system</a:t>
             </a:r>
-            <a:endParaRPr/>
+            <a:endParaRPr dirty="0"/>
           </a:p>
           <a:p>
             <a:pPr>
@@ -6028,7 +5259,7 @@
               <a:buChar char="•"/>
             </a:pPr>
             <a:r>
-              <a:rPr b="1" lang="en-US" sz="2200">
+              <a:rPr lang="en-US" sz="2200" b="1" dirty="0">
                 <a:solidFill>
                   <a:srgbClr val="000000"/>
                 </a:solidFill>
@@ -6036,7 +5267,7 @@
               </a:rPr>
               <a:t>Password assisted door-locking system</a:t>
             </a:r>
-            <a:endParaRPr/>
+            <a:endParaRPr dirty="0"/>
           </a:p>
           <a:p>
             <a:pPr>
@@ -6047,7 +5278,7 @@
               <a:buChar char="•"/>
             </a:pPr>
             <a:r>
-              <a:rPr b="1" lang="en-US" sz="2200">
+              <a:rPr lang="en-US" sz="2200" b="1" dirty="0">
                 <a:solidFill>
                   <a:srgbClr val="000000"/>
                 </a:solidFill>
@@ -6055,7 +5286,7 @@
               </a:rPr>
               <a:t>Temperature measurement</a:t>
             </a:r>
-            <a:endParaRPr/>
+            <a:endParaRPr dirty="0"/>
           </a:p>
           <a:p>
             <a:pPr>
@@ -6066,7 +5297,7 @@
               <a:buChar char="•"/>
             </a:pPr>
             <a:r>
-              <a:rPr b="1" lang="en-US" sz="2200">
+              <a:rPr lang="en-US" sz="2200" b="1" dirty="0">
                 <a:solidFill>
                   <a:srgbClr val="000000"/>
                 </a:solidFill>
@@ -6074,7 +5305,7 @@
               </a:rPr>
               <a:t>Music system</a:t>
             </a:r>
-            <a:endParaRPr/>
+            <a:endParaRPr dirty="0"/>
           </a:p>
           <a:p>
             <a:pPr>
@@ -6085,7 +5316,7 @@
               <a:buChar char="•"/>
             </a:pPr>
             <a:r>
-              <a:rPr b="1" lang="en-US" sz="2200">
+              <a:rPr lang="en-US" sz="2200" b="1" dirty="0">
                 <a:solidFill>
                   <a:srgbClr val="000000"/>
                 </a:solidFill>
@@ -6093,7 +5324,7 @@
               </a:rPr>
               <a:t>Data logging    </a:t>
             </a:r>
-            <a:endParaRPr/>
+            <a:endParaRPr dirty="0"/>
           </a:p>
           <a:p>
             <a:pPr>
@@ -6101,28 +5332,31 @@
                 <a:spcPct val="100000"/>
               </a:lnSpc>
             </a:pPr>
-            <a:endParaRPr/>
+            <a:endParaRPr dirty="0"/>
           </a:p>
         </p:txBody>
       </p:sp>
     </p:spTree>
   </p:cSld>
+  <p:clrMapOvr>
+    <a:masterClrMapping/>
+  </p:clrMapOvr>
   <p:timing>
     <p:tnLst>
       <p:par>
-        <p:cTn id="3" dur="indefinite" restart="never" nodeType="tmRoot">
+        <p:cTn id="1" dur="indefinite" restart="never" nodeType="tmRoot">
           <p:childTnLst>
             <p:seq>
-              <p:cTn id="4" nodeType="mainSeq"/>
+              <p:cTn id="2" nodeType="mainSeq"/>
               <p:prevCondLst>
-                <p:cond delay="0" evt="onPrev">
+                <p:cond evt="onPrev" delay="0">
                   <p:tgtEl>
                     <p:sldTgt/>
                   </p:tgtEl>
                 </p:cond>
               </p:prevCondLst>
               <p:nextCondLst>
-                <p:cond delay="0" evt="onNext">
+                <p:cond evt="onNext" delay="0">
                   <p:tgtEl>
                     <p:sldTgt/>
                   </p:tgtEl>
@@ -6138,7 +5372,7 @@
 </file>
 
 <file path=ppt/slides/slide3.xml><?xml version="1.0" encoding="utf-8"?>
-<p:sld xmlns:a="http://schemas.openxmlformats.org/drawingml/2006/main" xmlns:p="http://schemas.openxmlformats.org/presentationml/2006/main" xmlns:r="http://schemas.openxmlformats.org/officeDocument/2006/relationships">
+<p:sld xmlns:a="http://schemas.openxmlformats.org/drawingml/2006/main" xmlns:r="http://schemas.openxmlformats.org/officeDocument/2006/relationships" xmlns:p="http://schemas.openxmlformats.org/presentationml/2006/main">
   <p:cSld>
     <p:spTree>
       <p:nvGrpSpPr>
@@ -6171,6 +5405,7 @@
         </p:spPr>
         <p:txBody>
           <a:bodyPr anchor="ctr"/>
+          <a:lstStyle/>
           <a:p>
             <a:pPr algn="ctr">
               <a:lnSpc>
@@ -6178,7 +5413,7 @@
               </a:lnSpc>
             </a:pPr>
             <a:r>
-              <a:rPr b="1" lang="en-US" sz="2400" u="sng">
+              <a:rPr lang="en-US" sz="2400" b="1" u="sng">
                 <a:solidFill>
                   <a:srgbClr val="000000"/>
                 </a:solidFill>
@@ -6198,24 +5433,25 @@
         </p:nvSpPr>
         <p:spPr>
           <a:xfrm>
-            <a:off x="3048120" y="762120"/>
-            <a:ext cx="2666520" cy="914040"/>
+            <a:off x="3352800" y="762120"/>
+            <a:ext cx="2133600" cy="914040"/>
           </a:xfrm>
           <a:prstGeom prst="rect">
             <a:avLst/>
           </a:prstGeom>
           <a:solidFill>
-            <a:srgbClr val="ffffff"/>
+            <a:srgbClr val="FFFFFF"/>
           </a:solidFill>
           <a:ln w="25560">
             <a:solidFill>
-              <a:srgbClr val="3a5f8b"/>
+              <a:srgbClr val="3A5F8B"/>
             </a:solidFill>
             <a:round/>
           </a:ln>
         </p:spPr>
         <p:txBody>
-          <a:bodyPr lIns="90000" rIns="90000" tIns="45000" bIns="45000" anchor="ctr"/>
+          <a:bodyPr lIns="90000" tIns="45000" rIns="90000" bIns="45000" anchor="ctr"/>
+          <a:lstStyle/>
           <a:p>
             <a:pPr algn="ctr">
               <a:lnSpc>
@@ -6223,7 +5459,7 @@
               </a:lnSpc>
             </a:pPr>
             <a:r>
-              <a:rPr b="1" lang="en-GB" u="sng">
+              <a:rPr lang="en-GB" b="1" u="sng">
                 <a:solidFill>
                   <a:srgbClr val="000000"/>
                 </a:solidFill>
@@ -6250,17 +5486,18 @@
             <a:avLst/>
           </a:prstGeom>
           <a:solidFill>
-            <a:srgbClr val="ffffff"/>
+            <a:srgbClr val="FFFFFF"/>
           </a:solidFill>
           <a:ln w="25560">
             <a:solidFill>
-              <a:srgbClr val="1f497d"/>
+              <a:srgbClr val="1F497D"/>
             </a:solidFill>
             <a:round/>
           </a:ln>
         </p:spPr>
         <p:txBody>
-          <a:bodyPr lIns="90000" rIns="90000" tIns="45000" bIns="45000" anchor="ctr"/>
+          <a:bodyPr lIns="90000" tIns="45000" rIns="90000" bIns="45000" anchor="ctr"/>
+          <a:lstStyle/>
           <a:p>
             <a:pPr algn="ctr">
               <a:lnSpc>
@@ -6268,7 +5505,7 @@
               </a:lnSpc>
             </a:pPr>
             <a:r>
-              <a:rPr b="1" lang="en-GB" u="sng">
+              <a:rPr lang="en-GB" b="1" u="sng">
                 <a:solidFill>
                   <a:srgbClr val="000000"/>
                 </a:solidFill>
@@ -6295,17 +5532,18 @@
             <a:avLst/>
           </a:prstGeom>
           <a:solidFill>
-            <a:srgbClr val="ffffff"/>
+            <a:srgbClr val="FFFFFF"/>
           </a:solidFill>
           <a:ln w="25560">
             <a:solidFill>
-              <a:srgbClr val="1f497d"/>
+              <a:srgbClr val="1F497D"/>
             </a:solidFill>
             <a:round/>
           </a:ln>
         </p:spPr>
         <p:txBody>
-          <a:bodyPr lIns="90000" rIns="90000" tIns="45000" bIns="45000" anchor="ctr"/>
+          <a:bodyPr lIns="90000" tIns="45000" rIns="90000" bIns="45000" anchor="ctr"/>
+          <a:lstStyle/>
           <a:p>
             <a:pPr algn="ctr">
               <a:lnSpc>
@@ -6313,7 +5551,7 @@
               </a:lnSpc>
             </a:pPr>
             <a:r>
-              <a:rPr b="1" lang="en-GB" u="sng">
+              <a:rPr lang="en-GB" sz="1600" b="1" u="sng" dirty="0">
                 <a:solidFill>
                   <a:srgbClr val="000000"/>
                 </a:solidFill>
@@ -6321,50 +5559,86 @@
               </a:rPr>
               <a:t>WATER PUMP</a:t>
             </a:r>
-            <a:endParaRPr/>
-          </a:p>
-          <a:p>
-            <a:pPr algn="ctr">
-              <a:lnSpc>
-                <a:spcPct val="100000"/>
-              </a:lnSpc>
-            </a:pPr>
-            <a:r>
-              <a:rPr lang="en-GB">
-                <a:solidFill>
-                  <a:srgbClr val="000000"/>
-                </a:solidFill>
-                <a:latin typeface="Calibri"/>
-              </a:rPr>
-              <a:t>I/P-  FLOAT SWITCH</a:t>
-            </a:r>
-            <a:endParaRPr/>
-          </a:p>
-          <a:p>
-            <a:pPr algn="ctr">
-              <a:lnSpc>
-                <a:spcPct val="100000"/>
-              </a:lnSpc>
-            </a:pPr>
-            <a:r>
-              <a:rPr lang="en-GB">
-                <a:solidFill>
-                  <a:srgbClr val="000000"/>
-                </a:solidFill>
-                <a:latin typeface="Calibri"/>
-              </a:rPr>
-              <a:t>O/P- DIGITAL (MOTOR)</a:t>
-            </a:r>
-            <a:endParaRPr/>
-          </a:p>
-          <a:p>
-            <a:pPr algn="ctr">
-              <a:lnSpc>
-                <a:spcPct val="100000"/>
-              </a:lnSpc>
-            </a:pPr>
-            <a:r>
-              <a:rPr lang="en-GB">
+            <a:endParaRPr sz="1600" dirty="0"/>
+          </a:p>
+          <a:p>
+            <a:pPr>
+              <a:lnSpc>
+                <a:spcPct val="100000"/>
+              </a:lnSpc>
+            </a:pPr>
+            <a:r>
+              <a:rPr lang="en-GB" sz="1600" dirty="0">
+                <a:solidFill>
+                  <a:srgbClr val="000000"/>
+                </a:solidFill>
+                <a:latin typeface="Calibri"/>
+              </a:rPr>
+              <a:t>I/P-  </a:t>
+            </a:r>
+            <a:r>
+              <a:rPr lang="en-GB" sz="1600" dirty="0" smtClean="0">
+                <a:solidFill>
+                  <a:srgbClr val="000000"/>
+                </a:solidFill>
+                <a:latin typeface="Calibri"/>
+              </a:rPr>
+              <a:t>2 DIGITAL PINS</a:t>
+            </a:r>
+            <a:endParaRPr sz="1600" dirty="0"/>
+          </a:p>
+          <a:p>
+            <a:pPr>
+              <a:lnSpc>
+                <a:spcPct val="100000"/>
+              </a:lnSpc>
+            </a:pPr>
+            <a:r>
+              <a:rPr lang="en-GB" sz="1600" dirty="0">
+                <a:solidFill>
+                  <a:srgbClr val="000000"/>
+                </a:solidFill>
+                <a:latin typeface="Calibri"/>
+              </a:rPr>
+              <a:t>O/P- DIGITAL </a:t>
+            </a:r>
+            <a:r>
+              <a:rPr lang="en-GB" sz="1600" dirty="0" smtClean="0">
+                <a:solidFill>
+                  <a:srgbClr val="000000"/>
+                </a:solidFill>
+                <a:latin typeface="Calibri"/>
+              </a:rPr>
+              <a:t>(</a:t>
+            </a:r>
+            <a:r>
+              <a:rPr lang="en-GB" sz="1600" dirty="0" smtClean="0">
+                <a:solidFill>
+                  <a:srgbClr val="000000"/>
+                </a:solidFill>
+                <a:latin typeface="Calibri"/>
+              </a:rPr>
+              <a:t>STATUS LED</a:t>
+            </a:r>
+            <a:r>
+              <a:rPr lang="en-GB" sz="1600" dirty="0" smtClean="0">
+                <a:solidFill>
+                  <a:srgbClr val="000000"/>
+                </a:solidFill>
+                <a:latin typeface="Calibri"/>
+              </a:rPr>
+              <a:t>)</a:t>
+            </a:r>
+            <a:endParaRPr sz="1600" dirty="0"/>
+          </a:p>
+          <a:p>
+            <a:pPr>
+              <a:lnSpc>
+                <a:spcPct val="100000"/>
+              </a:lnSpc>
+            </a:pPr>
+            <a:r>
+              <a:rPr lang="en-GB" sz="1600" dirty="0">
                 <a:solidFill>
                   <a:srgbClr val="000000"/>
                 </a:solidFill>
@@ -6372,7 +5646,7 @@
               </a:rPr>
               <a:t>PINS - 4</a:t>
             </a:r>
-            <a:endParaRPr/>
+            <a:endParaRPr sz="1600" dirty="0"/>
           </a:p>
         </p:txBody>
       </p:sp>
@@ -6391,17 +5665,18 @@
             <a:avLst/>
           </a:prstGeom>
           <a:solidFill>
-            <a:srgbClr val="ffffff"/>
+            <a:srgbClr val="FFFFFF"/>
           </a:solidFill>
           <a:ln w="25560">
             <a:solidFill>
-              <a:srgbClr val="1f497d"/>
+              <a:srgbClr val="1F497D"/>
             </a:solidFill>
             <a:round/>
           </a:ln>
         </p:spPr>
         <p:txBody>
-          <a:bodyPr lIns="90000" rIns="90000" tIns="45000" bIns="45000" anchor="ctr"/>
+          <a:bodyPr lIns="90000" tIns="45000" rIns="90000" bIns="45000" anchor="ctr"/>
+          <a:lstStyle/>
           <a:p>
             <a:pPr algn="ctr">
               <a:lnSpc>
@@ -6409,7 +5684,7 @@
               </a:lnSpc>
             </a:pPr>
             <a:r>
-              <a:rPr b="1" lang="en-GB" u="sng">
+              <a:rPr lang="en-GB" b="1" u="sng" dirty="0">
                 <a:solidFill>
                   <a:srgbClr val="000000"/>
                 </a:solidFill>
@@ -6417,7 +5692,7 @@
               </a:rPr>
               <a:t>RTC MODULE</a:t>
             </a:r>
-            <a:endParaRPr/>
+            <a:endParaRPr dirty="0"/>
           </a:p>
           <a:p>
             <a:pPr algn="ctr">
@@ -6426,15 +5701,23 @@
               </a:lnSpc>
             </a:pPr>
             <a:r>
-              <a:rPr lang="en-GB">
-                <a:solidFill>
-                  <a:srgbClr val="000000"/>
-                </a:solidFill>
-                <a:latin typeface="Calibri"/>
-              </a:rPr>
-              <a:t>PINS - 2</a:t>
-            </a:r>
-            <a:endParaRPr/>
+              <a:rPr lang="en-GB" dirty="0">
+                <a:solidFill>
+                  <a:srgbClr val="000000"/>
+                </a:solidFill>
+                <a:latin typeface="Calibri"/>
+              </a:rPr>
+              <a:t>PINS </a:t>
+            </a:r>
+            <a:r>
+              <a:rPr lang="en-GB" dirty="0" smtClean="0">
+                <a:solidFill>
+                  <a:srgbClr val="000000"/>
+                </a:solidFill>
+                <a:latin typeface="Calibri"/>
+              </a:rPr>
+              <a:t>– 2</a:t>
+            </a:r>
           </a:p>
         </p:txBody>
       </p:sp>
@@ -6453,17 +5736,18 @@
             <a:avLst/>
           </a:prstGeom>
           <a:solidFill>
-            <a:srgbClr val="ffffff"/>
+            <a:srgbClr val="FFFFFF"/>
           </a:solidFill>
           <a:ln w="25560">
             <a:solidFill>
-              <a:srgbClr val="1f497d"/>
+              <a:srgbClr val="1F497D"/>
             </a:solidFill>
             <a:round/>
           </a:ln>
         </p:spPr>
         <p:txBody>
-          <a:bodyPr lIns="90000" rIns="90000" tIns="45000" bIns="45000" anchor="ctr"/>
+          <a:bodyPr lIns="90000" tIns="45000" rIns="90000" bIns="45000" anchor="ctr"/>
+          <a:lstStyle/>
           <a:p>
             <a:pPr algn="ctr">
               <a:lnSpc>
@@ -6471,7 +5755,7 @@
               </a:lnSpc>
             </a:pPr>
             <a:r>
-              <a:rPr b="1" lang="en-GB" u="sng">
+              <a:rPr lang="en-GB" b="1" u="sng">
                 <a:solidFill>
                   <a:srgbClr val="000000"/>
                 </a:solidFill>
@@ -6532,17 +5816,18 @@
             <a:avLst/>
           </a:prstGeom>
           <a:solidFill>
-            <a:srgbClr val="ffffff"/>
+            <a:srgbClr val="FFFFFF"/>
           </a:solidFill>
           <a:ln w="25560">
             <a:solidFill>
-              <a:srgbClr val="1f497d"/>
+              <a:srgbClr val="1F497D"/>
             </a:solidFill>
             <a:round/>
           </a:ln>
         </p:spPr>
         <p:txBody>
-          <a:bodyPr lIns="90000" rIns="90000" tIns="45000" bIns="45000" anchor="ctr"/>
+          <a:bodyPr lIns="90000" tIns="45000" rIns="90000" bIns="45000" anchor="ctr"/>
+          <a:lstStyle/>
           <a:p>
             <a:pPr algn="ctr">
               <a:lnSpc>
@@ -6566,7 +5851,7 @@
               </a:lnSpc>
             </a:pPr>
             <a:r>
-              <a:rPr b="1" lang="en-GB" u="sng">
+              <a:rPr lang="en-GB" b="1" u="sng">
                 <a:solidFill>
                   <a:srgbClr val="000000"/>
                 </a:solidFill>
@@ -6652,7 +5937,7 @@
           <p:nvPr/>
         </p:nvSpPr>
         <p:spPr>
-          <a:xfrm flipV="1">
+          <a:xfrm rot="16200000" flipV="1">
             <a:off x="3429000" y="2285640"/>
             <a:ext cx="1828440" cy="609120"/>
           </a:xfrm>
@@ -6663,17 +5948,18 @@
             </a:avLst>
           </a:prstGeom>
           <a:solidFill>
-            <a:srgbClr val="ffffff"/>
+            <a:srgbClr val="FFFFFF"/>
           </a:solidFill>
           <a:ln w="25560">
             <a:solidFill>
-              <a:srgbClr val="1f497d"/>
+              <a:srgbClr val="1F497D"/>
             </a:solidFill>
             <a:round/>
           </a:ln>
         </p:spPr>
         <p:txBody>
-          <a:bodyPr lIns="90000" rIns="90000" tIns="45000" bIns="45000" anchor="ctr"/>
+          <a:bodyPr lIns="90000" tIns="45000" rIns="90000" bIns="45000" anchor="ctr"/>
+          <a:lstStyle/>
           <a:p>
             <a:pPr>
               <a:lnSpc>
@@ -6681,7 +5967,7 @@
               </a:lnSpc>
             </a:pPr>
             <a:r>
-              <a:rPr lang="en-GB">
+              <a:rPr lang="en-GB" dirty="0">
                 <a:solidFill>
                   <a:srgbClr val="000000"/>
                 </a:solidFill>
@@ -6689,7 +5975,7 @@
               </a:rPr>
               <a:t>serial</a:t>
             </a:r>
-            <a:endParaRPr/>
+            <a:endParaRPr dirty="0"/>
           </a:p>
         </p:txBody>
       </p:sp>
@@ -6701,24 +5987,25 @@
         </p:nvSpPr>
         <p:spPr>
           <a:xfrm>
-            <a:off x="6400800" y="3124080"/>
-            <a:ext cx="2285640" cy="1599840"/>
+            <a:off x="6400800" y="3276600"/>
+            <a:ext cx="2438400" cy="1447800"/>
           </a:xfrm>
           <a:prstGeom prst="rect">
             <a:avLst/>
           </a:prstGeom>
           <a:solidFill>
-            <a:srgbClr val="ffffff"/>
+            <a:srgbClr val="FFFFFF"/>
           </a:solidFill>
           <a:ln w="25560">
             <a:solidFill>
-              <a:srgbClr val="1f497d"/>
+              <a:srgbClr val="1F497D"/>
             </a:solidFill>
             <a:round/>
           </a:ln>
         </p:spPr>
         <p:txBody>
-          <a:bodyPr lIns="90000" rIns="90000" tIns="45000" bIns="45000" anchor="ctr"/>
+          <a:bodyPr lIns="90000" tIns="45000" rIns="90000" bIns="45000" anchor="ctr"/>
+          <a:lstStyle/>
           <a:p>
             <a:pPr algn="ctr">
               <a:lnSpc>
@@ -6726,7 +6013,7 @@
               </a:lnSpc>
             </a:pPr>
             <a:r>
-              <a:rPr b="1" lang="en-GB" u="sng">
+              <a:rPr lang="en-GB" sz="1600" b="1" u="sng" dirty="0">
                 <a:solidFill>
                   <a:srgbClr val="000000"/>
                 </a:solidFill>
@@ -6734,16 +6021,16 @@
               </a:rPr>
               <a:t>DOOR LOCK</a:t>
             </a:r>
-            <a:endParaRPr/>
-          </a:p>
-          <a:p>
-            <a:pPr algn="ctr">
-              <a:lnSpc>
-                <a:spcPct val="100000"/>
-              </a:lnSpc>
-            </a:pPr>
-            <a:r>
-              <a:rPr lang="en-GB">
+            <a:endParaRPr sz="1600" dirty="0"/>
+          </a:p>
+          <a:p>
+            <a:pPr>
+              <a:lnSpc>
+                <a:spcPct val="100000"/>
+              </a:lnSpc>
+            </a:pPr>
+            <a:r>
+              <a:rPr lang="en-GB" sz="1600" dirty="0">
                 <a:solidFill>
                   <a:srgbClr val="000000"/>
                 </a:solidFill>
@@ -6751,49 +6038,59 @@
               </a:rPr>
               <a:t>I/P- 4*3 KEYPAD</a:t>
             </a:r>
-            <a:endParaRPr/>
-          </a:p>
-          <a:p>
-            <a:pPr algn="ctr">
-              <a:lnSpc>
-                <a:spcPct val="100000"/>
-              </a:lnSpc>
-            </a:pPr>
-            <a:r>
-              <a:rPr lang="en-GB">
-                <a:solidFill>
-                  <a:srgbClr val="000000"/>
-                </a:solidFill>
-                <a:latin typeface="Calibri"/>
-              </a:rPr>
-              <a:t>O/P- DIGITAL(MOTOR)</a:t>
-            </a:r>
-            <a:endParaRPr/>
-          </a:p>
-          <a:p>
-            <a:pPr algn="ctr">
-              <a:lnSpc>
-                <a:spcPct val="100000"/>
-              </a:lnSpc>
-            </a:pPr>
-            <a:r>
-              <a:rPr lang="en-GB">
-                <a:solidFill>
-                  <a:srgbClr val="000000"/>
-                </a:solidFill>
-                <a:latin typeface="Calibri"/>
-              </a:rPr>
-              <a:t>PINS - 9</a:t>
-            </a:r>
-            <a:endParaRPr/>
-          </a:p>
-          <a:p>
-            <a:pPr algn="ctr">
-              <a:lnSpc>
-                <a:spcPct val="100000"/>
-              </a:lnSpc>
-            </a:pPr>
-            <a:endParaRPr/>
+            <a:endParaRPr sz="1600" dirty="0"/>
+          </a:p>
+          <a:p>
+            <a:pPr>
+              <a:lnSpc>
+                <a:spcPct val="100000"/>
+              </a:lnSpc>
+            </a:pPr>
+            <a:r>
+              <a:rPr lang="en-GB" sz="1600" dirty="0">
+                <a:solidFill>
+                  <a:srgbClr val="000000"/>
+                </a:solidFill>
+                <a:latin typeface="Calibri"/>
+              </a:rPr>
+              <a:t>O/P- </a:t>
+            </a:r>
+            <a:r>
+              <a:rPr lang="en-GB" sz="1600" dirty="0" smtClean="0">
+                <a:solidFill>
+                  <a:srgbClr val="000000"/>
+                </a:solidFill>
+                <a:latin typeface="Calibri"/>
+              </a:rPr>
+              <a:t>DIGITAL(STATUS LED)</a:t>
+            </a:r>
+            <a:endParaRPr sz="1600" dirty="0"/>
+          </a:p>
+          <a:p>
+            <a:pPr>
+              <a:lnSpc>
+                <a:spcPct val="100000"/>
+              </a:lnSpc>
+            </a:pPr>
+            <a:r>
+              <a:rPr lang="en-GB" sz="1600" dirty="0">
+                <a:solidFill>
+                  <a:srgbClr val="000000"/>
+                </a:solidFill>
+                <a:latin typeface="Calibri"/>
+              </a:rPr>
+              <a:t>PINS - </a:t>
+            </a:r>
+            <a:r>
+              <a:rPr lang="en-GB" sz="1600" dirty="0" smtClean="0">
+                <a:solidFill>
+                  <a:srgbClr val="000000"/>
+                </a:solidFill>
+                <a:latin typeface="Calibri"/>
+              </a:rPr>
+              <a:t>9</a:t>
+            </a:r>
+            <a:endParaRPr dirty="0"/>
           </a:p>
         </p:txBody>
       </p:sp>
@@ -6812,17 +6109,18 @@
             <a:avLst/>
           </a:prstGeom>
           <a:solidFill>
-            <a:srgbClr val="ffffff"/>
+            <a:srgbClr val="FFFFFF"/>
           </a:solidFill>
           <a:ln w="25560">
             <a:solidFill>
-              <a:srgbClr val="1f497d"/>
+              <a:srgbClr val="1F497D"/>
             </a:solidFill>
             <a:round/>
           </a:ln>
         </p:spPr>
         <p:txBody>
-          <a:bodyPr lIns="90000" rIns="90000" tIns="45000" bIns="45000" anchor="ctr"/>
+          <a:bodyPr lIns="90000" tIns="45000" rIns="90000" bIns="45000" anchor="ctr"/>
+          <a:lstStyle/>
           <a:p>
             <a:pPr algn="ctr">
               <a:lnSpc>
@@ -6830,7 +6128,7 @@
               </a:lnSpc>
             </a:pPr>
             <a:r>
-              <a:rPr b="1" lang="en-GB" u="sng">
+              <a:rPr lang="en-GB" b="1" u="sng" dirty="0">
                 <a:solidFill>
                   <a:srgbClr val="000000"/>
                 </a:solidFill>
@@ -6838,7 +6136,7 @@
               </a:rPr>
               <a:t>EXTERNAL LIGHTING</a:t>
             </a:r>
-            <a:endParaRPr/>
+            <a:endParaRPr dirty="0"/>
           </a:p>
           <a:p>
             <a:pPr algn="ctr">
@@ -6847,7 +6145,7 @@
               </a:lnSpc>
             </a:pPr>
             <a:r>
-              <a:rPr lang="en-GB">
+              <a:rPr lang="en-GB" dirty="0">
                 <a:solidFill>
                   <a:srgbClr val="000000"/>
                 </a:solidFill>
@@ -6855,7 +6153,7 @@
               </a:rPr>
               <a:t>I/P- 1 ANALOG(LDR)</a:t>
             </a:r>
-            <a:endParaRPr/>
+            <a:endParaRPr dirty="0"/>
           </a:p>
           <a:p>
             <a:pPr>
@@ -6864,24 +6162,15 @@
               </a:lnSpc>
             </a:pPr>
             <a:r>
-              <a:rPr lang="en-GB">
-                <a:solidFill>
-                  <a:srgbClr val="000000"/>
-                </a:solidFill>
-                <a:latin typeface="Calibri"/>
-              </a:rPr>
-              <a:t>           </a:t>
-            </a:r>
-            <a:r>
-              <a:rPr lang="en-GB">
-                <a:solidFill>
-                  <a:srgbClr val="000000"/>
-                </a:solidFill>
-                <a:latin typeface="Calibri"/>
-              </a:rPr>
-              <a:t>2 DIGITAL</a:t>
-            </a:r>
-            <a:endParaRPr/>
+              <a:rPr lang="en-GB" dirty="0">
+                <a:solidFill>
+                  <a:srgbClr val="000000"/>
+                </a:solidFill>
+                <a:latin typeface="Calibri"/>
+              </a:rPr>
+              <a:t>           2 DIGITAL</a:t>
+            </a:r>
+            <a:endParaRPr dirty="0"/>
           </a:p>
           <a:p>
             <a:pPr algn="ctr">
@@ -6890,7 +6179,7 @@
               </a:lnSpc>
             </a:pPr>
             <a:r>
-              <a:rPr lang="en-GB">
+              <a:rPr lang="en-GB" dirty="0">
                 <a:solidFill>
                   <a:srgbClr val="000000"/>
                 </a:solidFill>
@@ -6898,7 +6187,7 @@
               </a:rPr>
               <a:t>O/P- 1 DIGITAL(LED)</a:t>
             </a:r>
-            <a:endParaRPr/>
+            <a:endParaRPr dirty="0"/>
           </a:p>
           <a:p>
             <a:pPr algn="ctr">
@@ -6907,7 +6196,7 @@
               </a:lnSpc>
             </a:pPr>
             <a:r>
-              <a:rPr lang="en-GB">
+              <a:rPr lang="en-GB" dirty="0">
                 <a:solidFill>
                   <a:srgbClr val="000000"/>
                 </a:solidFill>
@@ -6915,7 +6204,7 @@
               </a:rPr>
               <a:t>PINS - 4</a:t>
             </a:r>
-            <a:endParaRPr/>
+            <a:endParaRPr dirty="0"/>
           </a:p>
           <a:p>
             <a:pPr algn="ctr">
@@ -6923,7 +6212,7 @@
                 <a:spcPct val="100000"/>
               </a:lnSpc>
             </a:pPr>
-            <a:endParaRPr/>
+            <a:endParaRPr dirty="0"/>
           </a:p>
         </p:txBody>
       </p:sp>
@@ -6942,17 +6231,18 @@
             <a:avLst/>
           </a:prstGeom>
           <a:solidFill>
-            <a:srgbClr val="ffffff"/>
+            <a:srgbClr val="FFFFFF"/>
           </a:solidFill>
           <a:ln w="25560">
             <a:solidFill>
-              <a:srgbClr val="1f497d"/>
+              <a:srgbClr val="1F497D"/>
             </a:solidFill>
             <a:round/>
           </a:ln>
         </p:spPr>
         <p:txBody>
-          <a:bodyPr lIns="90000" rIns="90000" tIns="45000" bIns="45000" anchor="ctr"/>
+          <a:bodyPr lIns="90000" tIns="45000" rIns="90000" bIns="45000" anchor="ctr"/>
+          <a:lstStyle/>
           <a:p>
             <a:pPr algn="ctr">
               <a:lnSpc>
@@ -6960,7 +6250,7 @@
               </a:lnSpc>
             </a:pPr>
             <a:r>
-              <a:rPr b="1" lang="en-GB" u="sng">
+              <a:rPr lang="en-GB" b="1" u="sng" dirty="0">
                 <a:solidFill>
                   <a:srgbClr val="000000"/>
                 </a:solidFill>
@@ -6968,7 +6258,7 @@
               </a:rPr>
               <a:t>INTERNAL LIGHTING</a:t>
             </a:r>
-            <a:endParaRPr/>
+            <a:endParaRPr dirty="0"/>
           </a:p>
           <a:p>
             <a:pPr algn="ctr">
@@ -6977,7 +6267,7 @@
               </a:lnSpc>
             </a:pPr>
             <a:r>
-              <a:rPr lang="en-GB">
+              <a:rPr lang="en-GB" dirty="0">
                 <a:solidFill>
                   <a:srgbClr val="000000"/>
                 </a:solidFill>
@@ -6985,7 +6275,7 @@
               </a:rPr>
               <a:t>I/P- 1 ANALOG(LDR)</a:t>
             </a:r>
-            <a:endParaRPr/>
+            <a:endParaRPr dirty="0"/>
           </a:p>
           <a:p>
             <a:pPr>
@@ -6994,24 +6284,15 @@
               </a:lnSpc>
             </a:pPr>
             <a:r>
-              <a:rPr lang="en-GB">
-                <a:solidFill>
-                  <a:srgbClr val="000000"/>
-                </a:solidFill>
-                <a:latin typeface="Calibri"/>
-              </a:rPr>
-              <a:t>           </a:t>
-            </a:r>
-            <a:r>
-              <a:rPr lang="en-GB">
-                <a:solidFill>
-                  <a:srgbClr val="000000"/>
-                </a:solidFill>
-                <a:latin typeface="Calibri"/>
-              </a:rPr>
-              <a:t>2 DIGITAL</a:t>
-            </a:r>
-            <a:endParaRPr/>
+              <a:rPr lang="en-GB" dirty="0">
+                <a:solidFill>
+                  <a:srgbClr val="000000"/>
+                </a:solidFill>
+                <a:latin typeface="Calibri"/>
+              </a:rPr>
+              <a:t>           2 DIGITAL</a:t>
+            </a:r>
+            <a:endParaRPr dirty="0"/>
           </a:p>
           <a:p>
             <a:pPr algn="ctr">
@@ -7020,7 +6301,7 @@
               </a:lnSpc>
             </a:pPr>
             <a:r>
-              <a:rPr lang="en-GB">
+              <a:rPr lang="en-GB" dirty="0">
                 <a:solidFill>
                   <a:srgbClr val="000000"/>
                 </a:solidFill>
@@ -7028,7 +6309,7 @@
               </a:rPr>
               <a:t>O/P- 1 PWM</a:t>
             </a:r>
-            <a:endParaRPr/>
+            <a:endParaRPr dirty="0"/>
           </a:p>
           <a:p>
             <a:pPr algn="ctr">
@@ -7037,7 +6318,7 @@
               </a:lnSpc>
             </a:pPr>
             <a:r>
-              <a:rPr lang="en-GB">
+              <a:rPr lang="en-GB" dirty="0">
                 <a:solidFill>
                   <a:srgbClr val="000000"/>
                 </a:solidFill>
@@ -7045,7 +6326,7 @@
               </a:rPr>
               <a:t>PINS - 4</a:t>
             </a:r>
-            <a:endParaRPr/>
+            <a:endParaRPr dirty="0"/>
           </a:p>
         </p:txBody>
       </p:sp>
@@ -7058,7 +6339,7 @@
         <p:spPr>
           <a:xfrm>
             <a:off x="2362320" y="914400"/>
-            <a:ext cx="685440" cy="380520"/>
+            <a:ext cx="914280" cy="380520"/>
           </a:xfrm>
           <a:prstGeom prst="leftRightArrow">
             <a:avLst>
@@ -7067,17 +6348,18 @@
             </a:avLst>
           </a:prstGeom>
           <a:solidFill>
-            <a:srgbClr val="ffffff"/>
+            <a:srgbClr val="FFFFFF"/>
           </a:solidFill>
           <a:ln w="25560">
             <a:solidFill>
-              <a:srgbClr val="3a5f8b"/>
+              <a:srgbClr val="3A5F8B"/>
             </a:solidFill>
             <a:round/>
           </a:ln>
         </p:spPr>
         <p:txBody>
-          <a:bodyPr lIns="90000" rIns="90000" tIns="45000" bIns="45000" anchor="ctr"/>
+          <a:bodyPr lIns="90000" tIns="45000" rIns="90000" bIns="45000" anchor="ctr"/>
+          <a:lstStyle/>
           <a:p>
             <a:pPr algn="ctr">
               <a:lnSpc>
@@ -7085,7 +6367,7 @@
               </a:lnSpc>
             </a:pPr>
             <a:r>
-              <a:rPr lang="en-GB" sz="1600">
+              <a:rPr lang="en-GB" sz="1600" dirty="0" smtClean="0">
                 <a:solidFill>
                   <a:srgbClr val="000000"/>
                 </a:solidFill>
@@ -7093,7 +6375,7 @@
               </a:rPr>
               <a:t>I2C</a:t>
             </a:r>
-            <a:endParaRPr/>
+            <a:endParaRPr dirty="0"/>
           </a:p>
         </p:txBody>
       </p:sp>
@@ -7105,8 +6387,8 @@
         </p:nvSpPr>
         <p:spPr>
           <a:xfrm>
-            <a:off x="5715000" y="1143000"/>
-            <a:ext cx="1292040" cy="484200"/>
+            <a:off x="5486400" y="1143000"/>
+            <a:ext cx="1520640" cy="484200"/>
           </a:xfrm>
           <a:prstGeom prst="leftRightArrow">
             <a:avLst>
@@ -7115,33 +6397,25 @@
             </a:avLst>
           </a:prstGeom>
           <a:solidFill>
-            <a:srgbClr val="ffffff"/>
+            <a:srgbClr val="FFFFFF"/>
           </a:solidFill>
           <a:ln w="25560">
             <a:solidFill>
-              <a:srgbClr val="3a5f8b"/>
+              <a:srgbClr val="3A5F8B"/>
             </a:solidFill>
             <a:round/>
           </a:ln>
         </p:spPr>
         <p:txBody>
-          <a:bodyPr lIns="90000" rIns="90000" tIns="45000" bIns="45000" anchor="ctr"/>
+          <a:bodyPr lIns="90000" tIns="45000" rIns="90000" bIns="45000" anchor="ctr"/>
+          <a:lstStyle/>
           <a:p>
             <a:pPr algn="ctr">
               <a:lnSpc>
                 <a:spcPct val="100000"/>
               </a:lnSpc>
             </a:pPr>
-            <a:r>
-              <a:rPr lang="en-GB">
-                <a:solidFill>
-                  <a:srgbClr val="000000"/>
-                </a:solidFill>
-                <a:latin typeface="Calibri"/>
-              </a:rPr>
-              <a:t>I2C</a:t>
-            </a:r>
-            <a:endParaRPr/>
+            <a:endParaRPr dirty="0"/>
           </a:p>
         </p:txBody>
       </p:sp>
@@ -7163,11 +6437,11 @@
             </a:avLst>
           </a:prstGeom>
           <a:solidFill>
-            <a:srgbClr val="ffffff"/>
+            <a:srgbClr val="FFFFFF"/>
           </a:solidFill>
           <a:ln w="25560">
             <a:solidFill>
-              <a:srgbClr val="3a5f8b"/>
+              <a:srgbClr val="3A5F8B"/>
             </a:solidFill>
             <a:round/>
           </a:ln>
@@ -7191,11 +6465,11 @@
             </a:avLst>
           </a:prstGeom>
           <a:solidFill>
-            <a:srgbClr val="ffffff"/>
+            <a:srgbClr val="FFFFFF"/>
           </a:solidFill>
           <a:ln w="25560">
             <a:solidFill>
-              <a:srgbClr val="3a5f8b"/>
+              <a:srgbClr val="3A5F8B"/>
             </a:solidFill>
             <a:round/>
           </a:ln>
@@ -7208,7 +6482,7 @@
           <p:nvPr/>
         </p:nvSpPr>
         <p:spPr>
-          <a:xfrm>
+          <a:xfrm rot="8453536">
             <a:off x="2362320" y="4572000"/>
             <a:ext cx="837720" cy="484200"/>
           </a:xfrm>
@@ -7219,11 +6493,11 @@
             </a:avLst>
           </a:prstGeom>
           <a:solidFill>
-            <a:srgbClr val="ffffff"/>
+            <a:srgbClr val="FFFFFF"/>
           </a:solidFill>
           <a:ln w="25560">
             <a:solidFill>
-              <a:srgbClr val="3a5f8b"/>
+              <a:srgbClr val="3A5F8B"/>
             </a:solidFill>
             <a:round/>
           </a:ln>
@@ -7236,7 +6510,7 @@
           <p:nvPr/>
         </p:nvSpPr>
         <p:spPr>
-          <a:xfrm>
+          <a:xfrm rot="3154673">
             <a:off x="5410080" y="4648320"/>
             <a:ext cx="837720" cy="484200"/>
           </a:xfrm>
@@ -7247,11 +6521,11 @@
             </a:avLst>
           </a:prstGeom>
           <a:solidFill>
-            <a:srgbClr val="ffffff"/>
+            <a:srgbClr val="FFFFFF"/>
           </a:solidFill>
           <a:ln w="25560">
             <a:solidFill>
-              <a:srgbClr val="3a5f8b"/>
+              <a:srgbClr val="3A5F8B"/>
             </a:solidFill>
             <a:round/>
           </a:ln>
@@ -7275,11 +6549,11 @@
             </a:avLst>
           </a:prstGeom>
           <a:solidFill>
-            <a:srgbClr val="ffffff"/>
+            <a:srgbClr val="FFFFFF"/>
           </a:solidFill>
           <a:ln w="25560">
             <a:solidFill>
-              <a:srgbClr val="3a5f8b"/>
+              <a:srgbClr val="3A5F8B"/>
             </a:solidFill>
             <a:round/>
           </a:ln>
@@ -7287,22 +6561,25 @@
       </p:sp>
     </p:spTree>
   </p:cSld>
+  <p:clrMapOvr>
+    <a:masterClrMapping/>
+  </p:clrMapOvr>
   <p:timing>
     <p:tnLst>
       <p:par>
-        <p:cTn id="5" dur="indefinite" restart="never" nodeType="tmRoot">
+        <p:cTn id="1" dur="indefinite" restart="never" nodeType="tmRoot">
           <p:childTnLst>
             <p:seq>
-              <p:cTn id="6" nodeType="mainSeq"/>
+              <p:cTn id="2" nodeType="mainSeq"/>
               <p:prevCondLst>
-                <p:cond delay="0" evt="onPrev">
+                <p:cond evt="onPrev" delay="0">
                   <p:tgtEl>
                     <p:sldTgt/>
                   </p:tgtEl>
                 </p:cond>
               </p:prevCondLst>
               <p:nextCondLst>
-                <p:cond delay="0" evt="onNext">
+                <p:cond evt="onNext" delay="0">
                   <p:tgtEl>
                     <p:sldTgt/>
                   </p:tgtEl>
@@ -7318,7 +6595,7 @@
 </file>
 
 <file path=ppt/slides/slide4.xml><?xml version="1.0" encoding="utf-8"?>
-<p:sld xmlns:a="http://schemas.openxmlformats.org/drawingml/2006/main" xmlns:p="http://schemas.openxmlformats.org/presentationml/2006/main" xmlns:r="http://schemas.openxmlformats.org/officeDocument/2006/relationships">
+<p:sld xmlns:a="http://schemas.openxmlformats.org/drawingml/2006/main" xmlns:r="http://schemas.openxmlformats.org/officeDocument/2006/relationships" xmlns:p="http://schemas.openxmlformats.org/presentationml/2006/main">
   <p:cSld>
     <p:spTree>
       <p:nvGrpSpPr>
@@ -7351,6 +6628,7 @@
         </p:spPr>
         <p:txBody>
           <a:bodyPr anchor="ctr"/>
+          <a:lstStyle/>
           <a:p>
             <a:pPr algn="ctr">
               <a:lnSpc>
@@ -7358,7 +6636,7 @@
               </a:lnSpc>
             </a:pPr>
             <a:r>
-              <a:rPr b="1" lang="en-US" sz="4400" u="sng">
+              <a:rPr lang="en-US" sz="4400" b="1" u="sng">
                 <a:solidFill>
                   <a:srgbClr val="000000"/>
                 </a:solidFill>
@@ -7394,22 +6672,25 @@
       </p:sp>
     </p:spTree>
   </p:cSld>
+  <p:clrMapOvr>
+    <a:masterClrMapping/>
+  </p:clrMapOvr>
   <p:timing>
     <p:tnLst>
       <p:par>
-        <p:cTn id="7" dur="indefinite" restart="never" nodeType="tmRoot">
+        <p:cTn id="1" dur="indefinite" restart="never" nodeType="tmRoot">
           <p:childTnLst>
             <p:seq>
-              <p:cTn id="8" nodeType="mainSeq"/>
+              <p:cTn id="2" nodeType="mainSeq"/>
               <p:prevCondLst>
-                <p:cond delay="0" evt="onPrev">
+                <p:cond evt="onPrev" delay="0">
                   <p:tgtEl>
                     <p:sldTgt/>
                   </p:tgtEl>
                 </p:cond>
               </p:prevCondLst>
               <p:nextCondLst>
-                <p:cond delay="0" evt="onNext">
+                <p:cond evt="onNext" delay="0">
                   <p:tgtEl>
                     <p:sldTgt/>
                   </p:tgtEl>
@@ -7425,7 +6706,7 @@
 </file>
 
 <file path=ppt/slides/slide5.xml><?xml version="1.0" encoding="utf-8"?>
-<p:sld xmlns:a="http://schemas.openxmlformats.org/drawingml/2006/main" xmlns:p="http://schemas.openxmlformats.org/presentationml/2006/main" xmlns:r="http://schemas.openxmlformats.org/officeDocument/2006/relationships">
+<p:sld xmlns:a="http://schemas.openxmlformats.org/drawingml/2006/main" xmlns:r="http://schemas.openxmlformats.org/officeDocument/2006/relationships" xmlns:p="http://schemas.openxmlformats.org/presentationml/2006/main">
   <p:cSld>
     <p:spTree>
       <p:nvGrpSpPr>
@@ -7458,6 +6739,7 @@
         </p:spPr>
         <p:txBody>
           <a:bodyPr anchor="ctr"/>
+          <a:lstStyle/>
           <a:p>
             <a:pPr algn="ctr">
               <a:lnSpc>
@@ -7465,7 +6747,7 @@
               </a:lnSpc>
             </a:pPr>
             <a:r>
-              <a:rPr b="1" lang="en-US" sz="4400" u="sng">
+              <a:rPr lang="en-US" sz="4400" b="1" u="sng">
                 <a:solidFill>
                   <a:srgbClr val="000000"/>
                 </a:solidFill>
@@ -7479,22 +6761,25 @@
       </p:sp>
     </p:spTree>
   </p:cSld>
+  <p:clrMapOvr>
+    <a:masterClrMapping/>
+  </p:clrMapOvr>
   <p:timing>
     <p:tnLst>
       <p:par>
-        <p:cTn id="9" dur="indefinite" restart="never" nodeType="tmRoot">
+        <p:cTn id="1" dur="indefinite" restart="never" nodeType="tmRoot">
           <p:childTnLst>
             <p:seq>
-              <p:cTn id="10" nodeType="mainSeq"/>
+              <p:cTn id="2" nodeType="mainSeq"/>
               <p:prevCondLst>
-                <p:cond delay="0" evt="onPrev">
+                <p:cond evt="onPrev" delay="0">
                   <p:tgtEl>
                     <p:sldTgt/>
                   </p:tgtEl>
                 </p:cond>
               </p:prevCondLst>
               <p:nextCondLst>
-                <p:cond delay="0" evt="onNext">
+                <p:cond evt="onNext" delay="0">
                   <p:tgtEl>
                     <p:sldTgt/>
                   </p:tgtEl>
@@ -7510,7 +6795,7 @@
 </file>
 
 <file path=ppt/slides/slide6.xml><?xml version="1.0" encoding="utf-8"?>
-<p:sld xmlns:a="http://schemas.openxmlformats.org/drawingml/2006/main" xmlns:p="http://schemas.openxmlformats.org/presentationml/2006/main" xmlns:r="http://schemas.openxmlformats.org/officeDocument/2006/relationships">
+<p:sld xmlns:a="http://schemas.openxmlformats.org/drawingml/2006/main" xmlns:r="http://schemas.openxmlformats.org/officeDocument/2006/relationships" xmlns:p="http://schemas.openxmlformats.org/presentationml/2006/main">
   <p:cSld>
     <p:spTree>
       <p:nvGrpSpPr>
@@ -7543,6 +6828,7 @@
         </p:spPr>
         <p:txBody>
           <a:bodyPr anchor="ctr"/>
+          <a:lstStyle/>
           <a:p>
             <a:pPr algn="ctr">
               <a:lnSpc>
@@ -7550,7 +6836,7 @@
               </a:lnSpc>
             </a:pPr>
             <a:r>
-              <a:rPr b="1" lang="en-US" sz="4400" u="sng">
+              <a:rPr lang="en-US" sz="4400" b="1" u="sng">
                 <a:solidFill>
                   <a:srgbClr val="000000"/>
                 </a:solidFill>
@@ -7579,6 +6865,7 @@
         </p:spPr>
         <p:txBody>
           <a:bodyPr/>
+          <a:lstStyle/>
           <a:p>
             <a:pPr>
               <a:lnSpc>
@@ -7595,7 +6882,7 @@
               <a:t>     </a:t>
             </a:r>
             <a:r>
-              <a:rPr b="1" lang="en-US" sz="2800" u="sng">
+              <a:rPr lang="en-US" sz="2800" b="1" u="sng">
                 <a:solidFill>
                   <a:srgbClr val="000000"/>
                 </a:solidFill>
@@ -7618,8 +6905,16 @@
                 </a:solidFill>
                 <a:latin typeface="Calibri"/>
               </a:rPr>
-              <a:t>     </a:t>
-            </a:r>
+              <a:t>     It controls an external lighting system based on the time of the day. The time is obtained  via an RTC chip(DS1307) interfaced with Raspberry Pi.</a:t>
+            </a:r>
+            <a:endParaRPr/>
+          </a:p>
+          <a:p>
+            <a:pPr>
+              <a:lnSpc>
+                <a:spcPct val="100000"/>
+              </a:lnSpc>
+            </a:pPr>
             <a:r>
               <a:rPr lang="en-US" sz="2800">
                 <a:solidFill>
@@ -7627,7 +6922,7 @@
                 </a:solidFill>
                 <a:latin typeface="Calibri"/>
               </a:rPr>
-              <a:t>It controls an external lighting system based on the time of the day. The time is obtained  via an RTC chip(DS1307) interfaced with Raspberry Pi.</a:t>
+              <a:t> </a:t>
             </a:r>
             <a:endParaRPr/>
           </a:p>
@@ -7644,42 +6939,16 @@
                 </a:solidFill>
                 <a:latin typeface="Calibri"/>
               </a:rPr>
-              <a:t> </a:t>
-            </a:r>
-            <a:endParaRPr/>
-          </a:p>
-          <a:p>
-            <a:pPr>
-              <a:lnSpc>
-                <a:spcPct val="100000"/>
-              </a:lnSpc>
-            </a:pPr>
-            <a:r>
-              <a:rPr lang="en-US" sz="2800">
-                <a:solidFill>
-                  <a:srgbClr val="000000"/>
-                </a:solidFill>
-                <a:latin typeface="Calibri"/>
-              </a:rPr>
               <a:t>    </a:t>
             </a:r>
             <a:r>
-              <a:rPr b="1" lang="en-US" sz="2800" u="sng">
-                <a:solidFill>
-                  <a:srgbClr val="000000"/>
-                </a:solidFill>
-                <a:latin typeface="Calibri"/>
-              </a:rPr>
-              <a:t> </a:t>
-            </a:r>
-            <a:r>
-              <a:rPr b="1" lang="en-US" sz="2800" u="sng">
-                <a:solidFill>
-                  <a:srgbClr val="000000"/>
-                </a:solidFill>
-                <a:latin typeface="Calibri"/>
-              </a:rPr>
-              <a:t>PROGRESS:-</a:t>
+              <a:rPr lang="en-US" sz="2800" b="1" u="sng">
+                <a:solidFill>
+                  <a:srgbClr val="000000"/>
+                </a:solidFill>
+                <a:latin typeface="Calibri"/>
+              </a:rPr>
+              <a:t> PROGRESS:-</a:t>
             </a:r>
             <a:endParaRPr/>
           </a:p>
@@ -7744,11 +7013,14 @@
       </p:sp>
     </p:spTree>
   </p:cSld>
+  <p:clrMapOvr>
+    <a:masterClrMapping/>
+  </p:clrMapOvr>
 </p:sld>
 </file>
 
 <file path=ppt/slides/slide7.xml><?xml version="1.0" encoding="utf-8"?>
-<p:sld xmlns:a="http://schemas.openxmlformats.org/drawingml/2006/main" xmlns:p="http://schemas.openxmlformats.org/presentationml/2006/main" xmlns:r="http://schemas.openxmlformats.org/officeDocument/2006/relationships">
+<p:sld xmlns:a="http://schemas.openxmlformats.org/drawingml/2006/main" xmlns:r="http://schemas.openxmlformats.org/officeDocument/2006/relationships" xmlns:p="http://schemas.openxmlformats.org/presentationml/2006/main">
   <p:cSld>
     <p:spTree>
       <p:nvGrpSpPr>
@@ -7781,6 +7053,7 @@
         </p:spPr>
         <p:txBody>
           <a:bodyPr anchor="ctr"/>
+          <a:lstStyle/>
           <a:p>
             <a:pPr algn="ctr">
               <a:lnSpc>
@@ -7788,7 +7061,7 @@
               </a:lnSpc>
             </a:pPr>
             <a:r>
-              <a:rPr b="1" lang="en-US" sz="2400" u="sng">
+              <a:rPr lang="en-US" sz="2400" b="1" u="sng">
                 <a:solidFill>
                   <a:srgbClr val="000000"/>
                 </a:solidFill>
@@ -7808,7 +7081,7 @@
         </p:nvGraphicFramePr>
         <p:xfrm>
           <a:off x="304920" y="1066680"/>
-          <a:ext cx="8610120" cy="5105160"/>
+          <a:ext cx="8610480" cy="5105160"/>
         </p:xfrm>
         <a:graphic>
           <a:graphicData uri="http://schemas.openxmlformats.org/drawingml/2006/table">
@@ -7822,6 +7095,7 @@
                 <a:tc>
                   <a:txBody>
                     <a:bodyPr/>
+                    <a:lstStyle/>
                     <a:p>
                       <a:pPr>
                         <a:lnSpc>
@@ -7835,274 +7109,20 @@
                           </a:solidFill>
                           <a:latin typeface="Calibri"/>
                         </a:rPr>
-                        <a:t>#define elinput A0</a:t>
-                      </a:r>
-                      <a:r>
-                        <a:rPr lang="en-GB" sz="1600">
-                          <a:solidFill>
-                            <a:srgbClr val="000000"/>
-                          </a:solidFill>
-                          <a:latin typeface="Calibri"/>
-                        </a:rPr>
-                        <a:t>
-</a:t>
-                      </a:r>
-                      <a:r>
-                        <a:rPr lang="en-GB" sz="1600">
-                          <a:solidFill>
-                            <a:srgbClr val="000000"/>
-                          </a:solidFill>
-                          <a:latin typeface="Calibri"/>
-                        </a:rPr>
-                        <a:t>#define eloutput 9</a:t>
-                      </a:r>
-                      <a:r>
-                        <a:rPr lang="en-GB" sz="1600">
-                          <a:solidFill>
-                            <a:srgbClr val="000000"/>
-                          </a:solidFill>
-                          <a:latin typeface="Calibri"/>
-                        </a:rPr>
-                        <a:t>
-</a:t>
-                      </a:r>
-                      <a:r>
-                        <a:rPr lang="en-GB" sz="1600">
-                          <a:solidFill>
-                            <a:srgbClr val="000000"/>
-                          </a:solidFill>
-                          <a:latin typeface="Calibri"/>
-                        </a:rPr>
-                        <a:t>#define treshold 500</a:t>
-                      </a:r>
-                      <a:r>
-                        <a:rPr lang="en-GB" sz="1600">
-                          <a:solidFill>
-                            <a:srgbClr val="000000"/>
-                          </a:solidFill>
-                          <a:latin typeface="Calibri"/>
-                        </a:rPr>
-                        <a:t>
-</a:t>
-                      </a:r>
-                      <a:r>
-                        <a:rPr lang="en-GB" sz="1600">
-                          <a:solidFill>
-                            <a:srgbClr val="000000"/>
-                          </a:solidFill>
-                          <a:latin typeface="Calibri"/>
-                        </a:rPr>
-                        <a:t>#define elinterrupt A1</a:t>
-                      </a:r>
-                      <a:r>
-                        <a:rPr lang="en-GB" sz="1600">
-                          <a:solidFill>
-                            <a:srgbClr val="000000"/>
-                          </a:solidFill>
-                          <a:latin typeface="Calibri"/>
-                        </a:rPr>
-                        <a:t>
-</a:t>
-                      </a:r>
-                      <a:r>
-                        <a:rPr lang="en-GB" sz="1600">
-                          <a:solidFill>
-                            <a:srgbClr val="000000"/>
-                          </a:solidFill>
-                          <a:latin typeface="Calibri"/>
-                        </a:rPr>
-                        <a:t>#define eloverride A2</a:t>
-                      </a:r>
-                      <a:r>
-                        <a:rPr lang="en-GB" sz="1600">
-                          <a:solidFill>
-                            <a:srgbClr val="000000"/>
-                          </a:solidFill>
-                          <a:latin typeface="Calibri"/>
-                        </a:rPr>
-                        <a:t>
-</a:t>
-                      </a:r>
-                      <a:r>
-                        <a:rPr lang="en-GB" sz="1600">
-                          <a:solidFill>
-                            <a:srgbClr val="000000"/>
-                          </a:solidFill>
-                          <a:latin typeface="Calibri"/>
-                        </a:rPr>
-                        <a:t>
-</a:t>
-                      </a:r>
-                      <a:r>
-                        <a:rPr lang="en-GB" sz="1600">
-                          <a:solidFill>
-                            <a:srgbClr val="000000"/>
-                          </a:solidFill>
-                          <a:latin typeface="Calibri"/>
-                        </a:rPr>
-                        <a:t>int elsensor,elstate;</a:t>
-                      </a:r>
-                      <a:r>
-                        <a:rPr lang="en-GB" sz="1600">
-                          <a:solidFill>
-                            <a:srgbClr val="000000"/>
-                          </a:solidFill>
-                          <a:latin typeface="Calibri"/>
-                        </a:rPr>
-                        <a:t>
-</a:t>
-                      </a:r>
-                      <a:r>
-                        <a:rPr lang="en-GB" sz="1600">
-                          <a:solidFill>
-                            <a:srgbClr val="000000"/>
-                          </a:solidFill>
-                          <a:latin typeface="Calibri"/>
-                        </a:rPr>
-                        <a:t>
-</a:t>
-                      </a:r>
-                      <a:r>
-                        <a:rPr lang="en-GB" sz="1600">
-                          <a:solidFill>
-                            <a:srgbClr val="000000"/>
-                          </a:solidFill>
-                          <a:latin typeface="Calibri"/>
-                        </a:rPr>
-                        <a:t>void setup()</a:t>
-                      </a:r>
-                      <a:r>
-                        <a:rPr lang="en-GB" sz="1600">
-                          <a:solidFill>
-                            <a:srgbClr val="000000"/>
-                          </a:solidFill>
-                          <a:latin typeface="Calibri"/>
-                        </a:rPr>
-                        <a:t>
-</a:t>
-                      </a:r>
-                      <a:r>
-                        <a:rPr lang="en-GB" sz="1600">
-                          <a:solidFill>
-                            <a:srgbClr val="000000"/>
-                          </a:solidFill>
-                          <a:latin typeface="Calibri"/>
-                        </a:rPr>
-                        <a:t>{</a:t>
-                      </a:r>
-                      <a:r>
-                        <a:rPr lang="en-GB" sz="1600">
-                          <a:solidFill>
-                            <a:srgbClr val="000000"/>
-                          </a:solidFill>
-                          <a:latin typeface="Calibri"/>
-                        </a:rPr>
-                        <a:t>
-</a:t>
-                      </a:r>
-                      <a:r>
-                        <a:rPr lang="en-GB" sz="1600">
-                          <a:solidFill>
-                            <a:srgbClr val="000000"/>
-                          </a:solidFill>
-                          <a:latin typeface="Calibri"/>
-                        </a:rPr>
-                        <a:t>  Serial.begin(9600);</a:t>
-                      </a:r>
-                      <a:r>
-                        <a:rPr lang="en-GB" sz="1600">
-                          <a:solidFill>
-                            <a:srgbClr val="000000"/>
-                          </a:solidFill>
-                          <a:latin typeface="Calibri"/>
-                        </a:rPr>
-                        <a:t>
-</a:t>
-                      </a:r>
-                      <a:r>
-                        <a:rPr lang="en-GB" sz="1600">
-                          <a:solidFill>
-                            <a:srgbClr val="000000"/>
-                          </a:solidFill>
-                          <a:latin typeface="Calibri"/>
-                        </a:rPr>
-                        <a:t>  pinMode(eloutput,OUTPUT);</a:t>
-                      </a:r>
-                      <a:r>
-                        <a:rPr lang="en-GB" sz="1600">
-                          <a:solidFill>
-                            <a:srgbClr val="000000"/>
-                          </a:solidFill>
-                          <a:latin typeface="Calibri"/>
-                        </a:rPr>
-                        <a:t>
-</a:t>
-                      </a:r>
-                      <a:r>
-                        <a:rPr lang="en-GB" sz="1600">
-                          <a:solidFill>
-                            <a:srgbClr val="000000"/>
-                          </a:solidFill>
-                          <a:latin typeface="Calibri"/>
-                        </a:rPr>
-                        <a:t>  pinMode(elinterrupt,INPUT);</a:t>
-                      </a:r>
-                      <a:r>
-                        <a:rPr lang="en-GB" sz="1600">
-                          <a:solidFill>
-                            <a:srgbClr val="000000"/>
-                          </a:solidFill>
-                          <a:latin typeface="Calibri"/>
-                        </a:rPr>
-                        <a:t>
-</a:t>
-                      </a:r>
-                      <a:r>
-                        <a:rPr lang="en-GB" sz="1600">
-                          <a:solidFill>
-                            <a:srgbClr val="000000"/>
-                          </a:solidFill>
-                          <a:latin typeface="Calibri"/>
-                        </a:rPr>
-                        <a:t>  pinMode(eloverride,INPUT);</a:t>
-                      </a:r>
-                      <a:r>
-                        <a:rPr lang="en-GB" sz="1600">
-                          <a:solidFill>
-                            <a:srgbClr val="000000"/>
-                          </a:solidFill>
-                          <a:latin typeface="Calibri"/>
-                        </a:rPr>
-                        <a:t>
-</a:t>
-                      </a:r>
-                      <a:r>
-                        <a:rPr lang="en-GB" sz="1600">
-                          <a:solidFill>
-                            <a:srgbClr val="000000"/>
-                          </a:solidFill>
-                          <a:latin typeface="Calibri"/>
-                        </a:rPr>
-                        <a:t>  elstate=0;</a:t>
-                      </a:r>
-                      <a:r>
-                        <a:rPr lang="en-GB" sz="1600">
-                          <a:solidFill>
-                            <a:srgbClr val="000000"/>
-                          </a:solidFill>
-                          <a:latin typeface="Calibri"/>
-                        </a:rPr>
-                        <a:t>
-</a:t>
-                      </a:r>
-                      <a:r>
-                        <a:rPr lang="en-GB" sz="1600">
-                          <a:solidFill>
-                            <a:srgbClr val="000000"/>
-                          </a:solidFill>
-                          <a:latin typeface="Calibri"/>
-                        </a:rPr>
-                        <a:t>}</a:t>
+                        <a:t>#define elinput A0
+#define eloutput 9
+#define treshold 500
+#define elinterrupt A1
+#define eloverride A2
+int elsensor,elstate;
+void setup()
+{
+  Serial.begin(9600);
+  pinMode(eloutput,OUTPUT);
+  pinMode(elinterrupt,INPUT);
+  pinMode(eloverride,INPUT);
+  elstate=0;
+}</a:t>
                       </a:r>
                       <a:r>
                         <a:rPr lang="en-GB">
@@ -8132,6 +7152,7 @@
                 <a:tc>
                   <a:txBody>
                     <a:bodyPr/>
+                    <a:lstStyle/>
                     <a:p>
                       <a:pPr>
                         <a:lnSpc>
@@ -8145,235 +7166,19 @@
                           </a:solidFill>
                           <a:latin typeface="Calibri"/>
                         </a:rPr>
-                        <a:t>void loop()</a:t>
-                      </a:r>
-                      <a:r>
-                        <a:rPr lang="en-GB" sz="1600">
-                          <a:solidFill>
-                            <a:srgbClr val="000000"/>
-                          </a:solidFill>
-                          <a:latin typeface="Calibri"/>
-                        </a:rPr>
-                        <a:t>
-</a:t>
-                      </a:r>
-                      <a:r>
-                        <a:rPr lang="en-GB" sz="1600">
-                          <a:solidFill>
-                            <a:srgbClr val="000000"/>
-                          </a:solidFill>
-                          <a:latin typeface="Calibri"/>
-                        </a:rPr>
-                        <a:t>{</a:t>
-                      </a:r>
-                      <a:r>
-                        <a:rPr lang="en-GB" sz="1600">
-                          <a:solidFill>
-                            <a:srgbClr val="000000"/>
-                          </a:solidFill>
-                          <a:latin typeface="Calibri"/>
-                        </a:rPr>
-                        <a:t>
-</a:t>
-                      </a:r>
-                      <a:r>
-                        <a:rPr lang="en-GB" sz="1600">
-                          <a:solidFill>
-                            <a:srgbClr val="000000"/>
-                          </a:solidFill>
-                          <a:latin typeface="Calibri"/>
-                        </a:rPr>
-                        <a:t>  elsensor=analogRead(elinput);</a:t>
-                      </a:r>
-                      <a:r>
-                        <a:rPr lang="en-GB" sz="1600">
-                          <a:solidFill>
-                            <a:srgbClr val="000000"/>
-                          </a:solidFill>
-                          <a:latin typeface="Calibri"/>
-                        </a:rPr>
-                        <a:t>
-</a:t>
-                      </a:r>
-                      <a:r>
-                        <a:rPr lang="en-GB" sz="1600">
-                          <a:solidFill>
-                            <a:srgbClr val="000000"/>
-                          </a:solidFill>
-                          <a:latin typeface="Calibri"/>
-                        </a:rPr>
-                        <a:t>  if((elsensor&gt;treshold) &amp;&amp; (elstate==0))</a:t>
-                      </a:r>
-                      <a:r>
-                        <a:rPr lang="en-GB" sz="1600">
-                          <a:solidFill>
-                            <a:srgbClr val="000000"/>
-                          </a:solidFill>
-                          <a:latin typeface="Calibri"/>
-                        </a:rPr>
-                        <a:t>
-</a:t>
-                      </a:r>
-                      <a:r>
-                        <a:rPr lang="en-GB" sz="1600">
-                          <a:solidFill>
-                            <a:srgbClr val="000000"/>
-                          </a:solidFill>
-                          <a:latin typeface="Calibri"/>
-                        </a:rPr>
-                        <a:t>  { digitalWrite(eloutput,HIGH);</a:t>
-                      </a:r>
-                      <a:r>
-                        <a:rPr lang="en-GB" sz="1600">
-                          <a:solidFill>
-                            <a:srgbClr val="000000"/>
-                          </a:solidFill>
-                          <a:latin typeface="Calibri"/>
-                        </a:rPr>
-                        <a:t>
-</a:t>
-                      </a:r>
-                      <a:r>
-                        <a:rPr lang="en-GB" sz="1600">
-                          <a:solidFill>
-                            <a:srgbClr val="000000"/>
-                          </a:solidFill>
-                          <a:latin typeface="Calibri"/>
-                        </a:rPr>
-                        <a:t>    Serial.println("External light is ON");</a:t>
-                      </a:r>
-                      <a:r>
-                        <a:rPr lang="en-GB" sz="1600">
-                          <a:solidFill>
-                            <a:srgbClr val="000000"/>
-                          </a:solidFill>
-                          <a:latin typeface="Calibri"/>
-                        </a:rPr>
-                        <a:t>
-</a:t>
-                      </a:r>
-                      <a:r>
-                        <a:rPr lang="en-GB" sz="1600">
-                          <a:solidFill>
-                            <a:srgbClr val="000000"/>
-                          </a:solidFill>
-                          <a:latin typeface="Calibri"/>
-                        </a:rPr>
-                        <a:t>    elstate=1;</a:t>
-                      </a:r>
-                      <a:r>
-                        <a:rPr lang="en-GB" sz="1600">
-                          <a:solidFill>
-                            <a:srgbClr val="000000"/>
-                          </a:solidFill>
-                          <a:latin typeface="Calibri"/>
-                        </a:rPr>
-                        <a:t>
-</a:t>
-                      </a:r>
-                      <a:r>
-                        <a:rPr lang="en-GB" sz="1600">
-                          <a:solidFill>
-                            <a:srgbClr val="000000"/>
-                          </a:solidFill>
-                          <a:latin typeface="Calibri"/>
-                        </a:rPr>
-                        <a:t>  }</a:t>
-                      </a:r>
-                      <a:r>
-                        <a:rPr lang="en-GB" sz="1600">
-                          <a:solidFill>
-                            <a:srgbClr val="000000"/>
-                          </a:solidFill>
-                          <a:latin typeface="Calibri"/>
-                        </a:rPr>
-                        <a:t>
-</a:t>
-                      </a:r>
-                      <a:r>
-                        <a:rPr lang="en-GB" sz="1600">
-                          <a:solidFill>
-                            <a:srgbClr val="000000"/>
-                          </a:solidFill>
-                          <a:latin typeface="Calibri"/>
-                        </a:rPr>
-                        <a:t>  else if((elsensor&lt;treshold) &amp;&amp; (elstate==1))</a:t>
-                      </a:r>
-                      <a:r>
-                        <a:rPr lang="en-GB" sz="1600">
-                          <a:solidFill>
-                            <a:srgbClr val="000000"/>
-                          </a:solidFill>
-                          <a:latin typeface="Calibri"/>
-                        </a:rPr>
-                        <a:t>
-</a:t>
-                      </a:r>
-                      <a:r>
-                        <a:rPr lang="en-GB" sz="1600">
-                          <a:solidFill>
-                            <a:srgbClr val="000000"/>
-                          </a:solidFill>
-                          <a:latin typeface="Calibri"/>
-                        </a:rPr>
-                        <a:t>  { digitalWrite(eloutput,LOW);</a:t>
-                      </a:r>
-                      <a:r>
-                        <a:rPr lang="en-GB" sz="1600">
-                          <a:solidFill>
-                            <a:srgbClr val="000000"/>
-                          </a:solidFill>
-                          <a:latin typeface="Calibri"/>
-                        </a:rPr>
-                        <a:t>
-</a:t>
-                      </a:r>
-                      <a:r>
-                        <a:rPr lang="en-GB" sz="1600">
-                          <a:solidFill>
-                            <a:srgbClr val="000000"/>
-                          </a:solidFill>
-                          <a:latin typeface="Calibri"/>
-                        </a:rPr>
-                        <a:t>    Serial.println("External light is OFF");</a:t>
-                      </a:r>
-                      <a:r>
-                        <a:rPr lang="en-GB" sz="1600">
-                          <a:solidFill>
-                            <a:srgbClr val="000000"/>
-                          </a:solidFill>
-                          <a:latin typeface="Calibri"/>
-                        </a:rPr>
-                        <a:t>
-</a:t>
-                      </a:r>
-                      <a:r>
-                        <a:rPr lang="en-GB" sz="1600">
-                          <a:solidFill>
-                            <a:srgbClr val="000000"/>
-                          </a:solidFill>
-                          <a:latin typeface="Calibri"/>
-                        </a:rPr>
-                        <a:t>    elstate=0;</a:t>
-                      </a:r>
-                      <a:r>
-                        <a:rPr lang="en-GB" sz="1600">
-                          <a:solidFill>
-                            <a:srgbClr val="000000"/>
-                          </a:solidFill>
-                          <a:latin typeface="Calibri"/>
-                        </a:rPr>
-                        <a:t>
-</a:t>
-                      </a:r>
-                      <a:r>
-                        <a:rPr lang="en-GB" sz="1600">
-                          <a:solidFill>
-                            <a:srgbClr val="000000"/>
-                          </a:solidFill>
-                          <a:latin typeface="Calibri"/>
-                        </a:rPr>
-                        <a:t>  }</a:t>
+                        <a:t>void loop()
+{
+  elsensor=analogRead(elinput);
+  if((elsensor&gt;treshold) &amp;&amp; (elstate==0))
+  { digitalWrite(eloutput,HIGH);
+    Serial.println("External light is ON");
+    elstate=1;
+  }
+  else if((elsensor&lt;treshold) &amp;&amp; (elstate==1))
+  { digitalWrite(eloutput,LOW);
+    Serial.println("External light is OFF");
+    elstate=0;
+  }</a:t>
                       </a:r>
                       <a:endParaRPr/>
                     </a:p>
@@ -8386,7 +7191,7 @@
                       <a:r>
                         <a:rPr lang="en-GB" sz="1600">
                           <a:solidFill>
-                            <a:srgbClr val="ffffff"/>
+                            <a:srgbClr val="FFFFFF"/>
                           </a:solidFill>
                           <a:latin typeface="Calibri"/>
                         </a:rPr>
@@ -8407,83 +7212,11 @@
                           </a:solidFill>
                           <a:latin typeface="Calibri"/>
                         </a:rPr>
-                        <a:t>while(digitalRead(elinterrupt)) //interrupt function</a:t>
-                      </a:r>
-                      <a:r>
-                        <a:rPr lang="en-GB" sz="1600">
-                          <a:solidFill>
-                            <a:srgbClr val="000000"/>
-                          </a:solidFill>
-                          <a:latin typeface="Calibri"/>
-                        </a:rPr>
-                        <a:t>
-</a:t>
-                      </a:r>
-                      <a:r>
-                        <a:rPr lang="en-GB" sz="1600">
-                          <a:solidFill>
-                            <a:srgbClr val="000000"/>
-                          </a:solidFill>
-                          <a:latin typeface="Calibri"/>
-                        </a:rPr>
-                        <a:t>   digitalWrite(eloutput,digitalRead(eloverride));</a:t>
-                      </a:r>
-                      <a:r>
-                        <a:rPr lang="en-GB" sz="1600">
-                          <a:solidFill>
-                            <a:srgbClr val="000000"/>
-                          </a:solidFill>
-                          <a:latin typeface="Calibri"/>
-                        </a:rPr>
-                        <a:t>
-</a:t>
-                      </a:r>
-                      <a:r>
-                        <a:rPr lang="en-GB" sz="1600">
-                          <a:solidFill>
-                            <a:srgbClr val="000000"/>
-                          </a:solidFill>
-                          <a:latin typeface="Calibri"/>
-                        </a:rPr>
-                        <a:t>    Serial.println("External light is ON-Override");</a:t>
-                      </a:r>
-                      <a:r>
-                        <a:rPr lang="en-GB" sz="1600">
-                          <a:solidFill>
-                            <a:srgbClr val="000000"/>
-                          </a:solidFill>
-                          <a:latin typeface="Calibri"/>
-                        </a:rPr>
-                        <a:t>
-</a:t>
-                      </a:r>
-                      <a:r>
-                        <a:rPr lang="en-GB" sz="1600">
-                          <a:solidFill>
-                            <a:srgbClr val="000000"/>
-                          </a:solidFill>
-                          <a:latin typeface="Calibri"/>
-                        </a:rPr>
-                        <a:t>     delay(500);</a:t>
-                      </a:r>
-                      <a:r>
-                        <a:rPr lang="en-GB" sz="1600">
-                          <a:solidFill>
-                            <a:srgbClr val="000000"/>
-                          </a:solidFill>
-                          <a:latin typeface="Calibri"/>
-                        </a:rPr>
-                        <a:t>
-</a:t>
-                      </a:r>
-                      <a:r>
-                        <a:rPr lang="en-GB" sz="1600">
-                          <a:solidFill>
-                            <a:srgbClr val="000000"/>
-                          </a:solidFill>
-                          <a:latin typeface="Calibri"/>
-                        </a:rPr>
-                        <a:t>}</a:t>
+                        <a:t>while(digitalRead(elinterrupt)) //interrupt function
+   digitalWrite(eloutput,digitalRead(eloverride));
+    Serial.println("External light is ON-Override");
+     delay(500);
+}</a:t>
                       </a:r>
                       <a:endParaRPr/>
                     </a:p>
@@ -8497,11 +7230,14 @@
       </p:graphicFrame>
     </p:spTree>
   </p:cSld>
+  <p:clrMapOvr>
+    <a:masterClrMapping/>
+  </p:clrMapOvr>
 </p:sld>
 </file>
 
 <file path=ppt/slides/slide8.xml><?xml version="1.0" encoding="utf-8"?>
-<p:sld xmlns:a="http://schemas.openxmlformats.org/drawingml/2006/main" xmlns:p="http://schemas.openxmlformats.org/presentationml/2006/main" xmlns:r="http://schemas.openxmlformats.org/officeDocument/2006/relationships">
+<p:sld xmlns:a="http://schemas.openxmlformats.org/drawingml/2006/main" xmlns:r="http://schemas.openxmlformats.org/officeDocument/2006/relationships" xmlns:p="http://schemas.openxmlformats.org/presentationml/2006/main">
   <p:cSld>
     <p:spTree>
       <p:nvGrpSpPr>
@@ -8534,6 +7270,7 @@
         </p:spPr>
         <p:txBody>
           <a:bodyPr anchor="ctr"/>
+          <a:lstStyle/>
           <a:p>
             <a:pPr algn="ctr">
               <a:lnSpc>
@@ -8541,7 +7278,7 @@
               </a:lnSpc>
             </a:pPr>
             <a:r>
-              <a:rPr b="1" lang="en-US" sz="2400" u="sng">
+              <a:rPr lang="en-US" sz="2400" b="1" u="sng">
                 <a:solidFill>
                   <a:srgbClr val="000000"/>
                 </a:solidFill>
@@ -8555,12 +7292,12 @@
       </p:sp>
       <p:pic>
         <p:nvPicPr>
-          <p:cNvPr id="108" name="Content Placeholder 3" descr=""/>
+          <p:cNvPr id="108" name="Content Placeholder 3"/>
           <p:cNvPicPr/>
           <p:nvPr/>
         </p:nvPicPr>
         <p:blipFill>
-          <a:blip r:embed="rId1"/>
+          <a:blip r:embed="rId2" cstate="print"/>
           <a:stretch>
             <a:fillRect/>
           </a:stretch>
@@ -8580,11 +7317,14 @@
       </p:pic>
     </p:spTree>
   </p:cSld>
+  <p:clrMapOvr>
+    <a:masterClrMapping/>
+  </p:clrMapOvr>
 </p:sld>
 </file>
 
 <file path=ppt/slides/slide9.xml><?xml version="1.0" encoding="utf-8"?>
-<p:sld xmlns:a="http://schemas.openxmlformats.org/drawingml/2006/main" xmlns:p="http://schemas.openxmlformats.org/presentationml/2006/main" xmlns:r="http://schemas.openxmlformats.org/officeDocument/2006/relationships">
+<p:sld xmlns:a="http://schemas.openxmlformats.org/drawingml/2006/main" xmlns:r="http://schemas.openxmlformats.org/officeDocument/2006/relationships" xmlns:p="http://schemas.openxmlformats.org/presentationml/2006/main">
   <p:cSld>
     <p:spTree>
       <p:nvGrpSpPr>
@@ -8617,6 +7357,7 @@
         </p:spPr>
         <p:txBody>
           <a:bodyPr anchor="ctr"/>
+          <a:lstStyle/>
           <a:p>
             <a:pPr algn="ctr">
               <a:lnSpc>
@@ -8624,7 +7365,7 @@
               </a:lnSpc>
             </a:pPr>
             <a:r>
-              <a:rPr b="1" lang="en-US" sz="4400" u="sng">
+              <a:rPr lang="en-US" sz="4400" b="1" u="sng">
                 <a:solidFill>
                   <a:srgbClr val="000000"/>
                 </a:solidFill>
@@ -8653,6 +7394,7 @@
         </p:spPr>
         <p:txBody>
           <a:bodyPr/>
+          <a:lstStyle/>
           <a:p>
             <a:pPr>
               <a:lnSpc>
@@ -8660,7 +7402,7 @@
               </a:lnSpc>
             </a:pPr>
             <a:r>
-              <a:rPr b="1" lang="en-US" sz="3200">
+              <a:rPr lang="en-US" sz="3200" b="1">
                 <a:solidFill>
                   <a:srgbClr val="000000"/>
                 </a:solidFill>
@@ -8669,7 +7411,7 @@
               <a:t>     </a:t>
             </a:r>
             <a:r>
-              <a:rPr b="1" lang="en-US" sz="3200" u="sng">
+              <a:rPr lang="en-US" sz="3200" b="1" u="sng">
                 <a:solidFill>
                   <a:srgbClr val="000000"/>
                 </a:solidFill>
@@ -8692,52 +7434,43 @@
                 </a:solidFill>
                 <a:latin typeface="Calibri"/>
               </a:rPr>
+              <a:t>     It controls the water pump based on water level in the tank.Prevents wastage of water.Using 2 sensors water level is determined and its output  is used by Pi to drive the relay.</a:t>
+            </a:r>
+            <a:endParaRPr/>
+          </a:p>
+          <a:p>
+            <a:pPr>
+              <a:lnSpc>
+                <a:spcPct val="100000"/>
+              </a:lnSpc>
+            </a:pPr>
+            <a:endParaRPr/>
+          </a:p>
+          <a:p>
+            <a:pPr>
+              <a:lnSpc>
+                <a:spcPct val="100000"/>
+              </a:lnSpc>
+            </a:pPr>
+            <a:endParaRPr/>
+          </a:p>
+          <a:p>
+            <a:pPr>
+              <a:lnSpc>
+                <a:spcPct val="100000"/>
+              </a:lnSpc>
+            </a:pPr>
+            <a:r>
+              <a:rPr lang="en-US" sz="3200" b="1">
+                <a:solidFill>
+                  <a:srgbClr val="000000"/>
+                </a:solidFill>
+                <a:latin typeface="Calibri"/>
+              </a:rPr>
               <a:t>     </a:t>
             </a:r>
             <a:r>
-              <a:rPr lang="en-US" sz="3200">
-                <a:solidFill>
-                  <a:srgbClr val="000000"/>
-                </a:solidFill>
-                <a:latin typeface="Calibri"/>
-              </a:rPr>
-              <a:t>It controls the water pump based on water level in the tank.Prevents wastage of water.Using 2 sensors water level is determined and its output  is used by Pi to drive the relay.</a:t>
-            </a:r>
-            <a:endParaRPr/>
-          </a:p>
-          <a:p>
-            <a:pPr>
-              <a:lnSpc>
-                <a:spcPct val="100000"/>
-              </a:lnSpc>
-            </a:pPr>
-            <a:endParaRPr/>
-          </a:p>
-          <a:p>
-            <a:pPr>
-              <a:lnSpc>
-                <a:spcPct val="100000"/>
-              </a:lnSpc>
-            </a:pPr>
-            <a:endParaRPr/>
-          </a:p>
-          <a:p>
-            <a:pPr>
-              <a:lnSpc>
-                <a:spcPct val="100000"/>
-              </a:lnSpc>
-            </a:pPr>
-            <a:r>
-              <a:rPr b="1" lang="en-US" sz="3200">
-                <a:solidFill>
-                  <a:srgbClr val="000000"/>
-                </a:solidFill>
-                <a:latin typeface="Calibri"/>
-              </a:rPr>
-              <a:t>     </a:t>
-            </a:r>
-            <a:r>
-              <a:rPr b="1" lang="en-US" sz="3200" u="sng">
+              <a:rPr lang="en-US" sz="3200" b="1" u="sng">
                 <a:solidFill>
                   <a:srgbClr val="000000"/>
                 </a:solidFill>
@@ -8816,6 +7549,9 @@
       </p:sp>
     </p:spTree>
   </p:cSld>
+  <p:clrMapOvr>
+    <a:masterClrMapping/>
+  </p:clrMapOvr>
 </p:sld>
 </file>
 
@@ -9039,6 +7775,8 @@
       </a:bgFillStyleLst>
     </a:fmtScheme>
   </a:themeElements>
+  <a:objectDefaults/>
+  <a:extraClrSchemeLst/>
 </a:theme>
 </file>
 
@@ -9262,5 +8000,7 @@
       </a:bgFillStyleLst>
     </a:fmtScheme>
   </a:themeElements>
+  <a:objectDefaults/>
+  <a:extraClrSchemeLst/>
 </a:theme>
 </file>